--- a/overview/SoftwareArchitecture.pptx
+++ b/overview/SoftwareArchitecture.pptx
@@ -5,13 +5,15 @@
     <p:sldMasterId id="2147483660" r:id="rId1"/>
   </p:sldMasterIdLst>
   <p:notesMasterIdLst>
-    <p:notesMasterId r:id="rId6"/>
+    <p:notesMasterId r:id="rId8"/>
   </p:notesMasterIdLst>
   <p:sldIdLst>
     <p:sldId id="258" r:id="rId2"/>
     <p:sldId id="259" r:id="rId3"/>
     <p:sldId id="260" r:id="rId4"/>
     <p:sldId id="257" r:id="rId5"/>
+    <p:sldId id="261" r:id="rId6"/>
+    <p:sldId id="265" r:id="rId7"/>
   </p:sldIdLst>
   <p:sldSz cx="12192000" cy="6858000"/>
   <p:notesSz cx="6858000" cy="9144000"/>
@@ -110,6 +112,14 @@
       </a:defRPr>
     </a:lvl9pPr>
   </p:defaultTextStyle>
+  <p:extLst>
+    <p:ext uri="{EFAFB233-063F-42B5-8137-9DF3F51BA10A}">
+      <p15:sldGuideLst xmlns:p15="http://schemas.microsoft.com/office/powerpoint/2012/main"/>
+    </p:ext>
+    <p:ext uri="{2D200454-40CA-4A62-9FC3-DE9A4176ACB9}">
+      <p15:notesGuideLst xmlns:p15="http://schemas.microsoft.com/office/powerpoint/2012/main"/>
+    </p:ext>
+  </p:extLst>
 </p:presentation>
 </file>
 
@@ -195,7 +205,7 @@
           <a:p>
             <a:fld id="{4E55D321-AD45-45AE-BD8C-E85B2B67AF1A}" type="datetimeFigureOut">
               <a:rPr lang="en-US" smtClean="0"/>
-              <a:t>5/14/2018</a:t>
+              <a:t>5/16/2018</a:t>
             </a:fld>
             <a:endParaRPr lang="en-US"/>
           </a:p>
@@ -1029,6 +1039,294 @@
     <p:extLst>
       <p:ext uri="{BB962C8B-B14F-4D97-AF65-F5344CB8AC3E}">
         <p14:creationId xmlns:p14="http://schemas.microsoft.com/office/powerpoint/2010/main" val="3454892076"/>
+      </p:ext>
+    </p:extLst>
+  </p:cSld>
+  <p:clrMapOvr>
+    <a:masterClrMapping/>
+  </p:clrMapOvr>
+</p:notes>
+</file>
+
+<file path=ppt/notesSlides/notesSlide5.xml><?xml version="1.0" encoding="utf-8"?>
+<p:notes xmlns:a="http://schemas.openxmlformats.org/drawingml/2006/main" xmlns:r="http://schemas.openxmlformats.org/officeDocument/2006/relationships" xmlns:p="http://schemas.openxmlformats.org/presentationml/2006/main">
+  <p:cSld>
+    <p:spTree>
+      <p:nvGrpSpPr>
+        <p:cNvPr id="1" name=""/>
+        <p:cNvGrpSpPr/>
+        <p:nvPr/>
+      </p:nvGrpSpPr>
+      <p:grpSpPr>
+        <a:xfrm>
+          <a:off x="0" y="0"/>
+          <a:ext cx="0" cy="0"/>
+          <a:chOff x="0" y="0"/>
+          <a:chExt cx="0" cy="0"/>
+        </a:xfrm>
+      </p:grpSpPr>
+      <p:sp>
+        <p:nvSpPr>
+          <p:cNvPr id="2" name="Slide Image Placeholder 1"/>
+          <p:cNvSpPr>
+            <a:spLocks noGrp="1" noRot="1" noChangeAspect="1"/>
+          </p:cNvSpPr>
+          <p:nvPr>
+            <p:ph type="sldImg"/>
+          </p:nvPr>
+        </p:nvSpPr>
+        <p:spPr/>
+      </p:sp>
+      <p:sp>
+        <p:nvSpPr>
+          <p:cNvPr id="3" name="Notes Placeholder 2"/>
+          <p:cNvSpPr>
+            <a:spLocks noGrp="1"/>
+          </p:cNvSpPr>
+          <p:nvPr>
+            <p:ph type="body" idx="1"/>
+          </p:nvPr>
+        </p:nvSpPr>
+        <p:spPr/>
+        <p:txBody>
+          <a:bodyPr/>
+          <a:lstStyle/>
+          <a:p>
+            <a:endParaRPr lang="en-US" dirty="0"/>
+          </a:p>
+        </p:txBody>
+      </p:sp>
+      <p:sp>
+        <p:nvSpPr>
+          <p:cNvPr id="4" name="Slide Number Placeholder 3"/>
+          <p:cNvSpPr>
+            <a:spLocks noGrp="1"/>
+          </p:cNvSpPr>
+          <p:nvPr>
+            <p:ph type="sldNum" sz="quarter" idx="10"/>
+          </p:nvPr>
+        </p:nvSpPr>
+        <p:spPr/>
+        <p:txBody>
+          <a:bodyPr/>
+          <a:lstStyle/>
+          <a:p>
+            <a:pPr marL="0" marR="0" lvl="0" indent="0" algn="r" defTabSz="914400" rtl="0" eaLnBrk="1" fontAlgn="auto" latinLnBrk="0" hangingPunct="1">
+              <a:lnSpc>
+                <a:spcPct val="100000"/>
+              </a:lnSpc>
+              <a:spcBef>
+                <a:spcPts val="0"/>
+              </a:spcBef>
+              <a:spcAft>
+                <a:spcPts val="0"/>
+              </a:spcAft>
+              <a:buClrTx/>
+              <a:buSzTx/>
+              <a:buFontTx/>
+              <a:buNone/>
+              <a:tabLst/>
+              <a:defRPr/>
+            </a:pPr>
+            <a:fld id="{5A759874-2F11-4582-8757-D26ED139F31A}" type="slidenum">
+              <a:rPr kumimoji="0" lang="en-US" sz="1200" b="0" i="0" u="none" strike="noStrike" kern="1200" cap="none" spc="0" normalizeH="0" baseline="0" noProof="0" smtClean="0">
+                <a:ln>
+                  <a:noFill/>
+                </a:ln>
+                <a:solidFill>
+                  <a:prstClr val="black"/>
+                </a:solidFill>
+                <a:effectLst/>
+                <a:uLnTx/>
+                <a:uFillTx/>
+                <a:latin typeface="Calibri" panose="020F0502020204030204"/>
+                <a:ea typeface="+mn-ea"/>
+                <a:cs typeface="+mn-cs"/>
+              </a:rPr>
+              <a:pPr marL="0" marR="0" lvl="0" indent="0" algn="r" defTabSz="914400" rtl="0" eaLnBrk="1" fontAlgn="auto" latinLnBrk="0" hangingPunct="1">
+                <a:lnSpc>
+                  <a:spcPct val="100000"/>
+                </a:lnSpc>
+                <a:spcBef>
+                  <a:spcPts val="0"/>
+                </a:spcBef>
+                <a:spcAft>
+                  <a:spcPts val="0"/>
+                </a:spcAft>
+                <a:buClrTx/>
+                <a:buSzTx/>
+                <a:buFontTx/>
+                <a:buNone/>
+                <a:tabLst/>
+                <a:defRPr/>
+              </a:pPr>
+              <a:t>5</a:t>
+            </a:fld>
+            <a:endParaRPr kumimoji="0" lang="en-US" sz="1200" b="0" i="0" u="none" strike="noStrike" kern="1200" cap="none" spc="0" normalizeH="0" baseline="0" noProof="0">
+              <a:ln>
+                <a:noFill/>
+              </a:ln>
+              <a:solidFill>
+                <a:prstClr val="black"/>
+              </a:solidFill>
+              <a:effectLst/>
+              <a:uLnTx/>
+              <a:uFillTx/>
+              <a:latin typeface="Calibri" panose="020F0502020204030204"/>
+              <a:ea typeface="+mn-ea"/>
+              <a:cs typeface="+mn-cs"/>
+            </a:endParaRPr>
+          </a:p>
+        </p:txBody>
+      </p:sp>
+    </p:spTree>
+    <p:extLst>
+      <p:ext uri="{BB962C8B-B14F-4D97-AF65-F5344CB8AC3E}">
+        <p14:creationId xmlns:p14="http://schemas.microsoft.com/office/powerpoint/2010/main" val="109756159"/>
+      </p:ext>
+    </p:extLst>
+  </p:cSld>
+  <p:clrMapOvr>
+    <a:masterClrMapping/>
+  </p:clrMapOvr>
+</p:notes>
+</file>
+
+<file path=ppt/notesSlides/notesSlide6.xml><?xml version="1.0" encoding="utf-8"?>
+<p:notes xmlns:a="http://schemas.openxmlformats.org/drawingml/2006/main" xmlns:r="http://schemas.openxmlformats.org/officeDocument/2006/relationships" xmlns:p="http://schemas.openxmlformats.org/presentationml/2006/main">
+  <p:cSld>
+    <p:spTree>
+      <p:nvGrpSpPr>
+        <p:cNvPr id="1" name=""/>
+        <p:cNvGrpSpPr/>
+        <p:nvPr/>
+      </p:nvGrpSpPr>
+      <p:grpSpPr>
+        <a:xfrm>
+          <a:off x="0" y="0"/>
+          <a:ext cx="0" cy="0"/>
+          <a:chOff x="0" y="0"/>
+          <a:chExt cx="0" cy="0"/>
+        </a:xfrm>
+      </p:grpSpPr>
+      <p:sp>
+        <p:nvSpPr>
+          <p:cNvPr id="2" name="Slide Image Placeholder 1"/>
+          <p:cNvSpPr>
+            <a:spLocks noGrp="1" noRot="1" noChangeAspect="1"/>
+          </p:cNvSpPr>
+          <p:nvPr>
+            <p:ph type="sldImg"/>
+          </p:nvPr>
+        </p:nvSpPr>
+        <p:spPr/>
+      </p:sp>
+      <p:sp>
+        <p:nvSpPr>
+          <p:cNvPr id="3" name="Notes Placeholder 2"/>
+          <p:cNvSpPr>
+            <a:spLocks noGrp="1"/>
+          </p:cNvSpPr>
+          <p:nvPr>
+            <p:ph type="body" idx="1"/>
+          </p:nvPr>
+        </p:nvSpPr>
+        <p:spPr/>
+        <p:txBody>
+          <a:bodyPr/>
+          <a:lstStyle/>
+          <a:p>
+            <a:endParaRPr lang="en-US" dirty="0"/>
+          </a:p>
+        </p:txBody>
+      </p:sp>
+      <p:sp>
+        <p:nvSpPr>
+          <p:cNvPr id="4" name="Slide Number Placeholder 3"/>
+          <p:cNvSpPr>
+            <a:spLocks noGrp="1"/>
+          </p:cNvSpPr>
+          <p:nvPr>
+            <p:ph type="sldNum" sz="quarter" idx="10"/>
+          </p:nvPr>
+        </p:nvSpPr>
+        <p:spPr/>
+        <p:txBody>
+          <a:bodyPr/>
+          <a:lstStyle/>
+          <a:p>
+            <a:pPr marL="0" marR="0" lvl="0" indent="0" algn="r" defTabSz="914400" rtl="0" eaLnBrk="1" fontAlgn="auto" latinLnBrk="0" hangingPunct="1">
+              <a:lnSpc>
+                <a:spcPct val="100000"/>
+              </a:lnSpc>
+              <a:spcBef>
+                <a:spcPts val="0"/>
+              </a:spcBef>
+              <a:spcAft>
+                <a:spcPts val="0"/>
+              </a:spcAft>
+              <a:buClrTx/>
+              <a:buSzTx/>
+              <a:buFontTx/>
+              <a:buNone/>
+              <a:tabLst/>
+              <a:defRPr/>
+            </a:pPr>
+            <a:fld id="{5A759874-2F11-4582-8757-D26ED139F31A}" type="slidenum">
+              <a:rPr kumimoji="0" lang="en-US" sz="1200" b="0" i="0" u="none" strike="noStrike" kern="1200" cap="none" spc="0" normalizeH="0" baseline="0" noProof="0" smtClean="0">
+                <a:ln>
+                  <a:noFill/>
+                </a:ln>
+                <a:solidFill>
+                  <a:prstClr val="black"/>
+                </a:solidFill>
+                <a:effectLst/>
+                <a:uLnTx/>
+                <a:uFillTx/>
+                <a:latin typeface="Calibri" panose="020F0502020204030204"/>
+                <a:ea typeface="+mn-ea"/>
+                <a:cs typeface="+mn-cs"/>
+              </a:rPr>
+              <a:pPr marL="0" marR="0" lvl="0" indent="0" algn="r" defTabSz="914400" rtl="0" eaLnBrk="1" fontAlgn="auto" latinLnBrk="0" hangingPunct="1">
+                <a:lnSpc>
+                  <a:spcPct val="100000"/>
+                </a:lnSpc>
+                <a:spcBef>
+                  <a:spcPts val="0"/>
+                </a:spcBef>
+                <a:spcAft>
+                  <a:spcPts val="0"/>
+                </a:spcAft>
+                <a:buClrTx/>
+                <a:buSzTx/>
+                <a:buFontTx/>
+                <a:buNone/>
+                <a:tabLst/>
+                <a:defRPr/>
+              </a:pPr>
+              <a:t>6</a:t>
+            </a:fld>
+            <a:endParaRPr kumimoji="0" lang="en-US" sz="1200" b="0" i="0" u="none" strike="noStrike" kern="1200" cap="none" spc="0" normalizeH="0" baseline="0" noProof="0">
+              <a:ln>
+                <a:noFill/>
+              </a:ln>
+              <a:solidFill>
+                <a:prstClr val="black"/>
+              </a:solidFill>
+              <a:effectLst/>
+              <a:uLnTx/>
+              <a:uFillTx/>
+              <a:latin typeface="Calibri" panose="020F0502020204030204"/>
+              <a:ea typeface="+mn-ea"/>
+              <a:cs typeface="+mn-cs"/>
+            </a:endParaRPr>
+          </a:p>
+        </p:txBody>
+      </p:sp>
+    </p:spTree>
+    <p:extLst>
+      <p:ext uri="{BB962C8B-B14F-4D97-AF65-F5344CB8AC3E}">
+        <p14:creationId xmlns:p14="http://schemas.microsoft.com/office/powerpoint/2010/main" val="2111117055"/>
       </p:ext>
     </p:extLst>
   </p:cSld>
@@ -7140,278 +7438,18 @@
   <p:clrMapOvr>
     <a:masterClrMapping/>
   </p:clrMapOvr>
-  <mc:AlternateContent xmlns:mc="http://schemas.openxmlformats.org/markup-compatibility/2006" xmlns:p159="http://schemas.microsoft.com/office/powerpoint/2015/09/main">
-    <mc:Choice Requires="p159">
-      <p:transition xmlns:p14="http://schemas.microsoft.com/office/powerpoint/2010/main" spd="slow" p14:dur="2000">
-        <p159:morph option="byObject"/>
+  <mc:AlternateContent xmlns:mc="http://schemas.openxmlformats.org/markup-compatibility/2006" xmlns:p14="http://schemas.microsoft.com/office/powerpoint/2010/main">
+    <mc:Choice Requires="p14">
+      <p:transition spd="med" p14:dur="700">
+        <p:fade/>
       </p:transition>
     </mc:Choice>
     <mc:Fallback xmlns="">
-      <p:transition spd="slow">
+      <p:transition spd="med">
         <p:fade/>
       </p:transition>
     </mc:Fallback>
   </mc:AlternateContent>
-  <p:timing>
-    <p:tnLst>
-      <p:par>
-        <p:cTn id="1" dur="indefinite" restart="never" nodeType="tmRoot">
-          <p:childTnLst>
-            <p:seq concurrent="1" nextAc="seek">
-              <p:cTn id="2" dur="indefinite" nodeType="mainSeq">
-                <p:childTnLst>
-                  <p:par>
-                    <p:cTn id="3" fill="hold">
-                      <p:stCondLst>
-                        <p:cond delay="indefinite"/>
-                      </p:stCondLst>
-                      <p:childTnLst>
-                        <p:par>
-                          <p:cTn id="4" fill="hold">
-                            <p:stCondLst>
-                              <p:cond delay="0"/>
-                            </p:stCondLst>
-                            <p:childTnLst>
-                              <p:par>
-                                <p:cTn id="5" presetID="1" presetClass="entr" presetSubtype="0" fill="hold" nodeType="clickEffect">
-                                  <p:stCondLst>
-                                    <p:cond delay="0"/>
-                                  </p:stCondLst>
-                                  <p:childTnLst>
-                                    <p:set>
-                                      <p:cBhvr>
-                                        <p:cTn id="6" dur="1" fill="hold">
-                                          <p:stCondLst>
-                                            <p:cond delay="0"/>
-                                          </p:stCondLst>
-                                        </p:cTn>
-                                        <p:tgtEl>
-                                          <p:spTgt spid="3"/>
-                                        </p:tgtEl>
-                                        <p:attrNameLst>
-                                          <p:attrName>style.visibility</p:attrName>
-                                        </p:attrNameLst>
-                                      </p:cBhvr>
-                                      <p:to>
-                                        <p:strVal val="visible"/>
-                                      </p:to>
-                                    </p:set>
-                                  </p:childTnLst>
-                                </p:cTn>
-                              </p:par>
-                            </p:childTnLst>
-                          </p:cTn>
-                        </p:par>
-                      </p:childTnLst>
-                    </p:cTn>
-                  </p:par>
-                  <p:par>
-                    <p:cTn id="7" fill="hold">
-                      <p:stCondLst>
-                        <p:cond delay="indefinite"/>
-                      </p:stCondLst>
-                      <p:childTnLst>
-                        <p:par>
-                          <p:cTn id="8" fill="hold">
-                            <p:stCondLst>
-                              <p:cond delay="0"/>
-                            </p:stCondLst>
-                            <p:childTnLst>
-                              <p:par>
-                                <p:cTn id="9" presetID="1" presetClass="entr" presetSubtype="0" fill="hold" grpId="0" nodeType="clickEffect">
-                                  <p:stCondLst>
-                                    <p:cond delay="0"/>
-                                  </p:stCondLst>
-                                  <p:childTnLst>
-                                    <p:set>
-                                      <p:cBhvr>
-                                        <p:cTn id="10" dur="1" fill="hold">
-                                          <p:stCondLst>
-                                            <p:cond delay="0"/>
-                                          </p:stCondLst>
-                                        </p:cTn>
-                                        <p:tgtEl>
-                                          <p:spTgt spid="78"/>
-                                        </p:tgtEl>
-                                        <p:attrNameLst>
-                                          <p:attrName>style.visibility</p:attrName>
-                                        </p:attrNameLst>
-                                      </p:cBhvr>
-                                      <p:to>
-                                        <p:strVal val="visible"/>
-                                      </p:to>
-                                    </p:set>
-                                  </p:childTnLst>
-                                </p:cTn>
-                              </p:par>
-                            </p:childTnLst>
-                          </p:cTn>
-                        </p:par>
-                      </p:childTnLst>
-                    </p:cTn>
-                  </p:par>
-                  <p:par>
-                    <p:cTn id="11" fill="hold">
-                      <p:stCondLst>
-                        <p:cond delay="indefinite"/>
-                      </p:stCondLst>
-                      <p:childTnLst>
-                        <p:par>
-                          <p:cTn id="12" fill="hold">
-                            <p:stCondLst>
-                              <p:cond delay="0"/>
-                            </p:stCondLst>
-                            <p:childTnLst>
-                              <p:par>
-                                <p:cTn id="13" presetID="1" presetClass="entr" presetSubtype="0" fill="hold" nodeType="clickEffect">
-                                  <p:stCondLst>
-                                    <p:cond delay="0"/>
-                                  </p:stCondLst>
-                                  <p:childTnLst>
-                                    <p:set>
-                                      <p:cBhvr>
-                                        <p:cTn id="14" dur="1" fill="hold">
-                                          <p:stCondLst>
-                                            <p:cond delay="0"/>
-                                          </p:stCondLst>
-                                        </p:cTn>
-                                        <p:tgtEl>
-                                          <p:spTgt spid="87"/>
-                                        </p:tgtEl>
-                                        <p:attrNameLst>
-                                          <p:attrName>style.visibility</p:attrName>
-                                        </p:attrNameLst>
-                                      </p:cBhvr>
-                                      <p:to>
-                                        <p:strVal val="visible"/>
-                                      </p:to>
-                                    </p:set>
-                                  </p:childTnLst>
-                                </p:cTn>
-                              </p:par>
-                            </p:childTnLst>
-                          </p:cTn>
-                        </p:par>
-                      </p:childTnLst>
-                    </p:cTn>
-                  </p:par>
-                  <p:par>
-                    <p:cTn id="15" fill="hold">
-                      <p:stCondLst>
-                        <p:cond delay="indefinite"/>
-                      </p:stCondLst>
-                      <p:childTnLst>
-                        <p:par>
-                          <p:cTn id="16" fill="hold">
-                            <p:stCondLst>
-                              <p:cond delay="0"/>
-                            </p:stCondLst>
-                            <p:childTnLst>
-                              <p:par>
-                                <p:cTn id="17" presetID="1" presetClass="entr" presetSubtype="0" fill="hold" grpId="0" nodeType="clickEffect">
-                                  <p:stCondLst>
-                                    <p:cond delay="0"/>
-                                  </p:stCondLst>
-                                  <p:childTnLst>
-                                    <p:set>
-                                      <p:cBhvr>
-                                        <p:cTn id="18" dur="1" fill="hold">
-                                          <p:stCondLst>
-                                            <p:cond delay="0"/>
-                                          </p:stCondLst>
-                                        </p:cTn>
-                                        <p:tgtEl>
-                                          <p:spTgt spid="110"/>
-                                        </p:tgtEl>
-                                        <p:attrNameLst>
-                                          <p:attrName>style.visibility</p:attrName>
-                                        </p:attrNameLst>
-                                      </p:cBhvr>
-                                      <p:to>
-                                        <p:strVal val="visible"/>
-                                      </p:to>
-                                    </p:set>
-                                  </p:childTnLst>
-                                </p:cTn>
-                              </p:par>
-                            </p:childTnLst>
-                          </p:cTn>
-                        </p:par>
-                      </p:childTnLst>
-                    </p:cTn>
-                  </p:par>
-                  <p:par>
-                    <p:cTn id="19" fill="hold">
-                      <p:stCondLst>
-                        <p:cond delay="indefinite"/>
-                      </p:stCondLst>
-                      <p:childTnLst>
-                        <p:par>
-                          <p:cTn id="20" fill="hold">
-                            <p:stCondLst>
-                              <p:cond delay="0"/>
-                            </p:stCondLst>
-                            <p:childTnLst>
-                              <p:par>
-                                <p:cTn id="21" presetID="1" presetClass="entr" presetSubtype="0" fill="hold" grpId="0" nodeType="clickEffect">
-                                  <p:stCondLst>
-                                    <p:cond delay="0"/>
-                                  </p:stCondLst>
-                                  <p:childTnLst>
-                                    <p:set>
-                                      <p:cBhvr>
-                                        <p:cTn id="22" dur="1" fill="hold">
-                                          <p:stCondLst>
-                                            <p:cond delay="0"/>
-                                          </p:stCondLst>
-                                        </p:cTn>
-                                        <p:tgtEl>
-                                          <p:spTgt spid="109"/>
-                                        </p:tgtEl>
-                                        <p:attrNameLst>
-                                          <p:attrName>style.visibility</p:attrName>
-                                        </p:attrNameLst>
-                                      </p:cBhvr>
-                                      <p:to>
-                                        <p:strVal val="visible"/>
-                                      </p:to>
-                                    </p:set>
-                                  </p:childTnLst>
-                                </p:cTn>
-                              </p:par>
-                            </p:childTnLst>
-                          </p:cTn>
-                        </p:par>
-                      </p:childTnLst>
-                    </p:cTn>
-                  </p:par>
-                </p:childTnLst>
-              </p:cTn>
-              <p:prevCondLst>
-                <p:cond evt="onPrev" delay="0">
-                  <p:tgtEl>
-                    <p:sldTgt/>
-                  </p:tgtEl>
-                </p:cond>
-              </p:prevCondLst>
-              <p:nextCondLst>
-                <p:cond evt="onNext" delay="0">
-                  <p:tgtEl>
-                    <p:sldTgt/>
-                  </p:tgtEl>
-                </p:cond>
-              </p:nextCondLst>
-            </p:seq>
-          </p:childTnLst>
-        </p:cTn>
-      </p:par>
-    </p:tnLst>
-    <p:bldLst>
-      <p:bldP spid="78" grpId="0"/>
-      <p:bldP spid="109" grpId="0"/>
-      <p:bldP spid="110" grpId="0"/>
-    </p:bldLst>
-  </p:timing>
 </p:sld>
 </file>
 
@@ -9501,14 +9539,14 @@
   <p:clrMapOvr>
     <a:masterClrMapping/>
   </p:clrMapOvr>
-  <mc:AlternateContent xmlns:mc="http://schemas.openxmlformats.org/markup-compatibility/2006" xmlns:p159="http://schemas.microsoft.com/office/powerpoint/2015/09/main">
-    <mc:Choice Requires="p159">
-      <p:transition xmlns:p14="http://schemas.microsoft.com/office/powerpoint/2010/main" spd="slow" p14:dur="2000">
-        <p159:morph option="byObject"/>
+  <mc:AlternateContent xmlns:mc="http://schemas.openxmlformats.org/markup-compatibility/2006" xmlns:p14="http://schemas.microsoft.com/office/powerpoint/2010/main">
+    <mc:Choice Requires="p14">
+      <p:transition spd="med" p14:dur="700">
+        <p:fade/>
       </p:transition>
     </mc:Choice>
     <mc:Fallback xmlns="">
-      <p:transition spd="slow">
+      <p:transition spd="med">
         <p:fade/>
       </p:transition>
     </mc:Fallback>
@@ -11810,14 +11848,14 @@
   <p:clrMapOvr>
     <a:masterClrMapping/>
   </p:clrMapOvr>
-  <mc:AlternateContent xmlns:mc="http://schemas.openxmlformats.org/markup-compatibility/2006" xmlns:p159="http://schemas.microsoft.com/office/powerpoint/2015/09/main">
-    <mc:Choice Requires="p159">
-      <p:transition xmlns:p14="http://schemas.microsoft.com/office/powerpoint/2010/main" spd="slow" p14:dur="2000">
-        <p159:morph option="byObject"/>
+  <mc:AlternateContent xmlns:mc="http://schemas.openxmlformats.org/markup-compatibility/2006" xmlns:p14="http://schemas.microsoft.com/office/powerpoint/2010/main">
+    <mc:Choice Requires="p14">
+      <p:transition spd="med" p14:dur="700">
+        <p:fade/>
       </p:transition>
     </mc:Choice>
     <mc:Fallback xmlns="">
-      <p:transition spd="slow">
+      <p:transition spd="med">
         <p:fade/>
       </p:transition>
     </mc:Fallback>
@@ -18200,14 +18238,6330 @@
   <p:clrMapOvr>
     <a:masterClrMapping/>
   </p:clrMapOvr>
-  <mc:AlternateContent xmlns:mc="http://schemas.openxmlformats.org/markup-compatibility/2006" xmlns:p159="http://schemas.microsoft.com/office/powerpoint/2015/09/main">
-    <mc:Choice Requires="p159">
-      <p:transition xmlns:p14="http://schemas.microsoft.com/office/powerpoint/2010/main" spd="slow" p14:dur="2000">
-        <p159:morph option="byObject"/>
+  <mc:AlternateContent xmlns:mc="http://schemas.openxmlformats.org/markup-compatibility/2006" xmlns:p14="http://schemas.microsoft.com/office/powerpoint/2010/main">
+    <mc:Choice Requires="p14">
+      <p:transition spd="med" p14:dur="700">
+        <p:fade/>
       </p:transition>
     </mc:Choice>
     <mc:Fallback xmlns="">
-      <p:transition spd="slow">
+      <p:transition spd="med">
+        <p:fade/>
+      </p:transition>
+    </mc:Fallback>
+  </mc:AlternateContent>
+</p:sld>
+</file>
+
+<file path=ppt/slides/slide5.xml><?xml version="1.0" encoding="utf-8"?>
+<p:sld xmlns:a="http://schemas.openxmlformats.org/drawingml/2006/main" xmlns:r="http://schemas.openxmlformats.org/officeDocument/2006/relationships" xmlns:p="http://schemas.openxmlformats.org/presentationml/2006/main" showMasterSp="0">
+  <p:cSld>
+    <p:spTree>
+      <p:nvGrpSpPr>
+        <p:cNvPr id="1" name=""/>
+        <p:cNvGrpSpPr/>
+        <p:nvPr/>
+      </p:nvGrpSpPr>
+      <p:grpSpPr>
+        <a:xfrm>
+          <a:off x="0" y="0"/>
+          <a:ext cx="0" cy="0"/>
+          <a:chOff x="0" y="0"/>
+          <a:chExt cx="0" cy="0"/>
+        </a:xfrm>
+      </p:grpSpPr>
+      <p:sp>
+        <p:nvSpPr>
+          <p:cNvPr id="83" name="Rectangle 82">
+            <a:extLst>
+              <a:ext uri="{FF2B5EF4-FFF2-40B4-BE49-F238E27FC236}">
+                <a16:creationId xmlns:a16="http://schemas.microsoft.com/office/drawing/2014/main" id="{F1815599-B2B6-46C9-80AF-B4C61AB886DE}"/>
+              </a:ext>
+            </a:extLst>
+          </p:cNvPr>
+          <p:cNvSpPr/>
+          <p:nvPr/>
+        </p:nvSpPr>
+        <p:spPr>
+          <a:xfrm>
+            <a:off x="95463" y="1429897"/>
+            <a:ext cx="3948387" cy="2300797"/>
+          </a:xfrm>
+          <a:prstGeom prst="rect">
+            <a:avLst/>
+          </a:prstGeom>
+          <a:solidFill>
+            <a:schemeClr val="bg1">
+              <a:lumMod val="95000"/>
+            </a:schemeClr>
+          </a:solidFill>
+          <a:ln>
+            <a:solidFill>
+              <a:schemeClr val="tx2">
+                <a:lumMod val="50000"/>
+                <a:lumOff val="50000"/>
+              </a:schemeClr>
+            </a:solidFill>
+            <a:prstDash val="dash"/>
+          </a:ln>
+        </p:spPr>
+        <p:style>
+          <a:lnRef idx="2">
+            <a:schemeClr val="accent1">
+              <a:shade val="50000"/>
+            </a:schemeClr>
+          </a:lnRef>
+          <a:fillRef idx="1">
+            <a:schemeClr val="accent1"/>
+          </a:fillRef>
+          <a:effectRef idx="0">
+            <a:schemeClr val="accent1"/>
+          </a:effectRef>
+          <a:fontRef idx="minor">
+            <a:schemeClr val="lt1"/>
+          </a:fontRef>
+        </p:style>
+        <p:txBody>
+          <a:bodyPr rtlCol="0" anchor="ctr"/>
+          <a:lstStyle/>
+          <a:p>
+            <a:pPr marL="0" marR="0" lvl="0" indent="0" algn="ctr" defTabSz="914400" rtl="0" eaLnBrk="1" fontAlgn="auto" latinLnBrk="0" hangingPunct="1">
+              <a:lnSpc>
+                <a:spcPct val="100000"/>
+              </a:lnSpc>
+              <a:spcBef>
+                <a:spcPts val="0"/>
+              </a:spcBef>
+              <a:spcAft>
+                <a:spcPts val="0"/>
+              </a:spcAft>
+              <a:buClrTx/>
+              <a:buSzTx/>
+              <a:buFontTx/>
+              <a:buNone/>
+              <a:tabLst/>
+              <a:defRPr/>
+            </a:pPr>
+            <a:endParaRPr kumimoji="0" lang="en-US" sz="1800" b="0" i="0" u="none" strike="noStrike" kern="1200" cap="none" spc="0" normalizeH="0" baseline="0" noProof="0">
+              <a:ln>
+                <a:noFill/>
+              </a:ln>
+              <a:solidFill>
+                <a:srgbClr val="FFFFFF"/>
+              </a:solidFill>
+              <a:effectLst/>
+              <a:uLnTx/>
+              <a:uFillTx/>
+              <a:latin typeface="Arial" panose="020B0604020202020204"/>
+              <a:ea typeface="+mn-ea"/>
+              <a:cs typeface="+mn-cs"/>
+            </a:endParaRPr>
+          </a:p>
+        </p:txBody>
+      </p:sp>
+      <p:grpSp>
+        <p:nvGrpSpPr>
+          <p:cNvPr id="3" name="Group 2">
+            <a:extLst>
+              <a:ext uri="{FF2B5EF4-FFF2-40B4-BE49-F238E27FC236}">
+                <a16:creationId xmlns:a16="http://schemas.microsoft.com/office/drawing/2014/main" id="{F7E4ED79-641A-4C7D-BEF0-FA2E02111AA2}"/>
+              </a:ext>
+            </a:extLst>
+          </p:cNvPr>
+          <p:cNvGrpSpPr/>
+          <p:nvPr/>
+        </p:nvGrpSpPr>
+        <p:grpSpPr>
+          <a:xfrm>
+            <a:off x="142165" y="1542670"/>
+            <a:ext cx="3800920" cy="2114403"/>
+            <a:chOff x="1948069" y="1109868"/>
+            <a:chExt cx="4271020" cy="2375913"/>
+          </a:xfrm>
+        </p:grpSpPr>
+        <p:sp>
+          <p:nvSpPr>
+            <p:cNvPr id="4" name="Rectangle 3">
+              <a:extLst>
+                <a:ext uri="{FF2B5EF4-FFF2-40B4-BE49-F238E27FC236}">
+                  <a16:creationId xmlns:a16="http://schemas.microsoft.com/office/drawing/2014/main" id="{20F431BC-1D7D-4872-88EA-15C8DCFB47D8}"/>
+                </a:ext>
+              </a:extLst>
+            </p:cNvPr>
+            <p:cNvSpPr/>
+            <p:nvPr/>
+          </p:nvSpPr>
+          <p:spPr>
+            <a:xfrm>
+              <a:off x="3630125" y="2801426"/>
+              <a:ext cx="2588963" cy="345843"/>
+            </a:xfrm>
+            <a:prstGeom prst="rect">
+              <a:avLst/>
+            </a:prstGeom>
+            <a:solidFill>
+              <a:schemeClr val="accent3">
+                <a:lumMod val="20000"/>
+                <a:lumOff val="80000"/>
+              </a:schemeClr>
+            </a:solidFill>
+            <a:ln>
+              <a:solidFill>
+                <a:schemeClr val="tx1"/>
+              </a:solidFill>
+            </a:ln>
+          </p:spPr>
+          <p:txBody>
+            <a:bodyPr rot="0" spcFirstLastPara="0" vertOverflow="overflow" horzOverflow="overflow" vert="horz" wrap="square" lIns="91440" tIns="45720" rIns="91440" bIns="45720" numCol="1" spcCol="0" rtlCol="0" fromWordArt="0" anchor="t" anchorCtr="0" forceAA="0" compatLnSpc="1">
+              <a:prstTxWarp prst="textNoShape">
+                <a:avLst/>
+              </a:prstTxWarp>
+              <a:spAutoFit/>
+            </a:bodyPr>
+            <a:lstStyle/>
+            <a:p>
+              <a:pPr marL="0" marR="0" lvl="0" indent="0" algn="ctr" defTabSz="914400" rtl="0" eaLnBrk="1" fontAlgn="auto" latinLnBrk="0" hangingPunct="1">
+                <a:lnSpc>
+                  <a:spcPct val="100000"/>
+                </a:lnSpc>
+                <a:spcBef>
+                  <a:spcPts val="0"/>
+                </a:spcBef>
+                <a:spcAft>
+                  <a:spcPts val="0"/>
+                </a:spcAft>
+                <a:buClrTx/>
+                <a:buSzTx/>
+                <a:buFontTx/>
+                <a:buNone/>
+                <a:tabLst/>
+                <a:defRPr/>
+              </a:pPr>
+              <a:endParaRPr kumimoji="0" lang="en-US" sz="1400" b="0" i="0" u="none" strike="noStrike" kern="0" cap="none" spc="0" normalizeH="0" baseline="0" noProof="0" dirty="0">
+                <a:ln>
+                  <a:noFill/>
+                </a:ln>
+                <a:solidFill>
+                  <a:prstClr val="black"/>
+                </a:solidFill>
+                <a:effectLst/>
+                <a:uLnTx/>
+                <a:uFillTx/>
+                <a:latin typeface="Calibri" panose="020F0502020204030204"/>
+                <a:ea typeface="+mn-ea"/>
+                <a:cs typeface="+mn-cs"/>
+              </a:endParaRPr>
+            </a:p>
+          </p:txBody>
+        </p:sp>
+        <p:sp>
+          <p:nvSpPr>
+            <p:cNvPr id="5" name="Rectangle 4">
+              <a:extLst>
+                <a:ext uri="{FF2B5EF4-FFF2-40B4-BE49-F238E27FC236}">
+                  <a16:creationId xmlns:a16="http://schemas.microsoft.com/office/drawing/2014/main" id="{6F20506D-F7CB-4D6F-8298-49F0B6A65196}"/>
+                </a:ext>
+              </a:extLst>
+            </p:cNvPr>
+            <p:cNvSpPr/>
+            <p:nvPr/>
+          </p:nvSpPr>
+          <p:spPr>
+            <a:xfrm>
+              <a:off x="3630005" y="2463865"/>
+              <a:ext cx="2588962" cy="345843"/>
+            </a:xfrm>
+            <a:prstGeom prst="rect">
+              <a:avLst/>
+            </a:prstGeom>
+            <a:solidFill>
+              <a:schemeClr val="accent3">
+                <a:lumMod val="20000"/>
+                <a:lumOff val="80000"/>
+              </a:schemeClr>
+            </a:solidFill>
+            <a:ln>
+              <a:solidFill>
+                <a:schemeClr val="tx1"/>
+              </a:solidFill>
+            </a:ln>
+          </p:spPr>
+          <p:txBody>
+            <a:bodyPr rot="0" spcFirstLastPara="0" vertOverflow="overflow" horzOverflow="overflow" vert="horz" wrap="square" lIns="91440" tIns="45720" rIns="91440" bIns="45720" numCol="1" spcCol="0" rtlCol="0" fromWordArt="0" anchor="t" anchorCtr="0" forceAA="0" compatLnSpc="1">
+              <a:prstTxWarp prst="textNoShape">
+                <a:avLst/>
+              </a:prstTxWarp>
+              <a:spAutoFit/>
+            </a:bodyPr>
+            <a:lstStyle/>
+            <a:p>
+              <a:pPr marL="0" marR="0" lvl="0" indent="0" algn="ctr" defTabSz="914400" rtl="0" eaLnBrk="1" fontAlgn="auto" latinLnBrk="0" hangingPunct="1">
+                <a:lnSpc>
+                  <a:spcPct val="100000"/>
+                </a:lnSpc>
+                <a:spcBef>
+                  <a:spcPts val="0"/>
+                </a:spcBef>
+                <a:spcAft>
+                  <a:spcPts val="0"/>
+                </a:spcAft>
+                <a:buClrTx/>
+                <a:buSzTx/>
+                <a:buFontTx/>
+                <a:buNone/>
+                <a:tabLst/>
+                <a:defRPr/>
+              </a:pPr>
+              <a:endParaRPr kumimoji="0" lang="en-US" sz="1400" b="0" i="0" u="none" strike="noStrike" kern="0" cap="none" spc="0" normalizeH="0" baseline="0" noProof="0" dirty="0">
+                <a:ln>
+                  <a:noFill/>
+                </a:ln>
+                <a:solidFill>
+                  <a:prstClr val="black"/>
+                </a:solidFill>
+                <a:effectLst/>
+                <a:uLnTx/>
+                <a:uFillTx/>
+                <a:latin typeface="Calibri" panose="020F0502020204030204"/>
+                <a:ea typeface="+mn-ea"/>
+                <a:cs typeface="+mn-cs"/>
+              </a:endParaRPr>
+            </a:p>
+          </p:txBody>
+        </p:sp>
+        <p:sp>
+          <p:nvSpPr>
+            <p:cNvPr id="6" name="Rectangle 5">
+              <a:extLst>
+                <a:ext uri="{FF2B5EF4-FFF2-40B4-BE49-F238E27FC236}">
+                  <a16:creationId xmlns:a16="http://schemas.microsoft.com/office/drawing/2014/main" id="{4A75D5AE-E050-4D87-A4F7-5A83D0FD7A9D}"/>
+                </a:ext>
+              </a:extLst>
+            </p:cNvPr>
+            <p:cNvSpPr/>
+            <p:nvPr/>
+          </p:nvSpPr>
+          <p:spPr>
+            <a:xfrm>
+              <a:off x="3629884" y="2125332"/>
+              <a:ext cx="2588962" cy="345843"/>
+            </a:xfrm>
+            <a:prstGeom prst="rect">
+              <a:avLst/>
+            </a:prstGeom>
+            <a:solidFill>
+              <a:schemeClr val="accent3">
+                <a:lumMod val="20000"/>
+                <a:lumOff val="80000"/>
+              </a:schemeClr>
+            </a:solidFill>
+            <a:ln>
+              <a:solidFill>
+                <a:schemeClr val="tx1"/>
+              </a:solidFill>
+            </a:ln>
+          </p:spPr>
+          <p:txBody>
+            <a:bodyPr rot="0" spcFirstLastPara="0" vertOverflow="overflow" horzOverflow="overflow" vert="horz" wrap="square" lIns="91440" tIns="45720" rIns="91440" bIns="45720" numCol="1" spcCol="0" rtlCol="0" fromWordArt="0" anchor="t" anchorCtr="0" forceAA="0" compatLnSpc="1">
+              <a:prstTxWarp prst="textNoShape">
+                <a:avLst/>
+              </a:prstTxWarp>
+              <a:spAutoFit/>
+            </a:bodyPr>
+            <a:lstStyle/>
+            <a:p>
+              <a:pPr marL="0" marR="0" lvl="0" indent="0" algn="ctr" defTabSz="914400" rtl="0" eaLnBrk="1" fontAlgn="auto" latinLnBrk="0" hangingPunct="1">
+                <a:lnSpc>
+                  <a:spcPct val="100000"/>
+                </a:lnSpc>
+                <a:spcBef>
+                  <a:spcPts val="0"/>
+                </a:spcBef>
+                <a:spcAft>
+                  <a:spcPts val="0"/>
+                </a:spcAft>
+                <a:buClrTx/>
+                <a:buSzTx/>
+                <a:buFontTx/>
+                <a:buNone/>
+                <a:tabLst/>
+                <a:defRPr/>
+              </a:pPr>
+              <a:endParaRPr kumimoji="0" lang="en-US" sz="1400" b="0" i="0" u="none" strike="noStrike" kern="0" cap="none" spc="0" normalizeH="0" baseline="0" noProof="0" dirty="0">
+                <a:ln>
+                  <a:noFill/>
+                </a:ln>
+                <a:solidFill>
+                  <a:prstClr val="black"/>
+                </a:solidFill>
+                <a:effectLst/>
+                <a:uLnTx/>
+                <a:uFillTx/>
+                <a:latin typeface="Calibri" panose="020F0502020204030204"/>
+                <a:ea typeface="+mn-ea"/>
+                <a:cs typeface="+mn-cs"/>
+              </a:endParaRPr>
+            </a:p>
+          </p:txBody>
+        </p:sp>
+        <p:sp>
+          <p:nvSpPr>
+            <p:cNvPr id="7" name="Rectangle 6">
+              <a:extLst>
+                <a:ext uri="{FF2B5EF4-FFF2-40B4-BE49-F238E27FC236}">
+                  <a16:creationId xmlns:a16="http://schemas.microsoft.com/office/drawing/2014/main" id="{1901E0CC-98C7-44AE-A9B9-2E745FA9F574}"/>
+                </a:ext>
+              </a:extLst>
+            </p:cNvPr>
+            <p:cNvSpPr/>
+            <p:nvPr/>
+          </p:nvSpPr>
+          <p:spPr>
+            <a:xfrm>
+              <a:off x="2400523" y="1448884"/>
+              <a:ext cx="3818082" cy="345843"/>
+            </a:xfrm>
+            <a:prstGeom prst="rect">
+              <a:avLst/>
+            </a:prstGeom>
+            <a:solidFill>
+              <a:srgbClr val="FFCD2F"/>
+            </a:solidFill>
+            <a:ln>
+              <a:solidFill>
+                <a:schemeClr val="tx1"/>
+              </a:solidFill>
+            </a:ln>
+          </p:spPr>
+          <p:txBody>
+            <a:bodyPr rot="0" spcFirstLastPara="0" vertOverflow="overflow" horzOverflow="overflow" vert="horz" wrap="square" lIns="91440" tIns="45720" rIns="91440" bIns="45720" numCol="1" spcCol="0" rtlCol="0" fromWordArt="0" anchor="t" anchorCtr="0" forceAA="0" compatLnSpc="1">
+              <a:prstTxWarp prst="textNoShape">
+                <a:avLst/>
+              </a:prstTxWarp>
+              <a:spAutoFit/>
+            </a:bodyPr>
+            <a:lstStyle/>
+            <a:p>
+              <a:pPr marL="0" marR="0" lvl="0" indent="0" algn="ctr" defTabSz="914400" rtl="0" eaLnBrk="1" fontAlgn="auto" latinLnBrk="0" hangingPunct="1">
+                <a:lnSpc>
+                  <a:spcPct val="100000"/>
+                </a:lnSpc>
+                <a:spcBef>
+                  <a:spcPts val="0"/>
+                </a:spcBef>
+                <a:spcAft>
+                  <a:spcPts val="0"/>
+                </a:spcAft>
+                <a:buClrTx/>
+                <a:buSzTx/>
+                <a:buFontTx/>
+                <a:buNone/>
+                <a:tabLst/>
+                <a:defRPr/>
+              </a:pPr>
+              <a:endParaRPr kumimoji="0" lang="en-US" sz="1400" b="0" i="0" u="none" strike="noStrike" kern="0" cap="none" spc="0" normalizeH="0" baseline="0" noProof="0" dirty="0">
+                <a:ln>
+                  <a:noFill/>
+                </a:ln>
+                <a:solidFill>
+                  <a:prstClr val="black"/>
+                </a:solidFill>
+                <a:effectLst/>
+                <a:uLnTx/>
+                <a:uFillTx/>
+                <a:latin typeface="Calibri" panose="020F0502020204030204"/>
+                <a:ea typeface="+mn-ea"/>
+                <a:cs typeface="+mn-cs"/>
+              </a:endParaRPr>
+            </a:p>
+          </p:txBody>
+        </p:sp>
+        <p:sp>
+          <p:nvSpPr>
+            <p:cNvPr id="8" name="Rectangle 7">
+              <a:extLst>
+                <a:ext uri="{FF2B5EF4-FFF2-40B4-BE49-F238E27FC236}">
+                  <a16:creationId xmlns:a16="http://schemas.microsoft.com/office/drawing/2014/main" id="{47E36129-77F0-4D9D-BD29-66E4B09E5B3D}"/>
+                </a:ext>
+              </a:extLst>
+            </p:cNvPr>
+            <p:cNvSpPr/>
+            <p:nvPr/>
+          </p:nvSpPr>
+          <p:spPr>
+            <a:xfrm>
+              <a:off x="2400279" y="1109868"/>
+              <a:ext cx="3818083" cy="345843"/>
+            </a:xfrm>
+            <a:prstGeom prst="rect">
+              <a:avLst/>
+            </a:prstGeom>
+            <a:solidFill>
+              <a:srgbClr val="FFFF99"/>
+            </a:solidFill>
+            <a:ln>
+              <a:solidFill>
+                <a:schemeClr val="tx1"/>
+              </a:solidFill>
+            </a:ln>
+          </p:spPr>
+          <p:txBody>
+            <a:bodyPr rot="0" spcFirstLastPara="0" vertOverflow="overflow" horzOverflow="overflow" vert="horz" wrap="square" lIns="91440" tIns="45720" rIns="91440" bIns="45720" numCol="1" spcCol="0" rtlCol="0" fromWordArt="0" anchor="t" anchorCtr="0" forceAA="0" compatLnSpc="1">
+              <a:prstTxWarp prst="textNoShape">
+                <a:avLst/>
+              </a:prstTxWarp>
+              <a:spAutoFit/>
+            </a:bodyPr>
+            <a:lstStyle/>
+            <a:p>
+              <a:pPr marL="0" marR="0" lvl="0" indent="0" algn="ctr" defTabSz="914400" rtl="0" eaLnBrk="1" fontAlgn="auto" latinLnBrk="0" hangingPunct="1">
+                <a:lnSpc>
+                  <a:spcPct val="100000"/>
+                </a:lnSpc>
+                <a:spcBef>
+                  <a:spcPts val="0"/>
+                </a:spcBef>
+                <a:spcAft>
+                  <a:spcPts val="0"/>
+                </a:spcAft>
+                <a:buClrTx/>
+                <a:buSzTx/>
+                <a:buFontTx/>
+                <a:buNone/>
+                <a:tabLst/>
+                <a:defRPr/>
+              </a:pPr>
+              <a:endParaRPr kumimoji="0" lang="en-US" sz="1400" b="0" i="0" u="none" strike="noStrike" kern="0" cap="none" spc="0" normalizeH="0" baseline="0" noProof="0" dirty="0">
+                <a:ln>
+                  <a:noFill/>
+                </a:ln>
+                <a:solidFill>
+                  <a:prstClr val="black"/>
+                </a:solidFill>
+                <a:effectLst/>
+                <a:uLnTx/>
+                <a:uFillTx/>
+                <a:latin typeface="Calibri" panose="020F0502020204030204"/>
+                <a:ea typeface="+mn-ea"/>
+                <a:cs typeface="+mn-cs"/>
+              </a:endParaRPr>
+            </a:p>
+          </p:txBody>
+        </p:sp>
+        <p:sp>
+          <p:nvSpPr>
+            <p:cNvPr id="9" name="Rectangle 8">
+              <a:extLst>
+                <a:ext uri="{FF2B5EF4-FFF2-40B4-BE49-F238E27FC236}">
+                  <a16:creationId xmlns:a16="http://schemas.microsoft.com/office/drawing/2014/main" id="{183D6481-0636-4149-AA12-D2304FE2BED0}"/>
+                </a:ext>
+              </a:extLst>
+            </p:cNvPr>
+            <p:cNvSpPr/>
+            <p:nvPr/>
+          </p:nvSpPr>
+          <p:spPr>
+            <a:xfrm>
+              <a:off x="3446707" y="1785274"/>
+              <a:ext cx="186741" cy="1693218"/>
+            </a:xfrm>
+            <a:prstGeom prst="rect">
+              <a:avLst/>
+            </a:prstGeom>
+            <a:solidFill>
+              <a:schemeClr val="tx1"/>
+            </a:solidFill>
+            <a:ln>
+              <a:solidFill>
+                <a:schemeClr val="tx1"/>
+              </a:solidFill>
+            </a:ln>
+          </p:spPr>
+          <p:style>
+            <a:lnRef idx="2">
+              <a:schemeClr val="accent1">
+                <a:shade val="50000"/>
+              </a:schemeClr>
+            </a:lnRef>
+            <a:fillRef idx="1">
+              <a:schemeClr val="accent1"/>
+            </a:fillRef>
+            <a:effectRef idx="0">
+              <a:schemeClr val="accent1"/>
+            </a:effectRef>
+            <a:fontRef idx="minor">
+              <a:schemeClr val="lt1"/>
+            </a:fontRef>
+          </p:style>
+          <p:txBody>
+            <a:bodyPr rtlCol="0" anchor="ctr"/>
+            <a:lstStyle/>
+            <a:p>
+              <a:pPr marL="0" marR="0" lvl="0" indent="0" algn="ctr" defTabSz="914400" rtl="0" eaLnBrk="1" fontAlgn="auto" latinLnBrk="0" hangingPunct="1">
+                <a:lnSpc>
+                  <a:spcPct val="100000"/>
+                </a:lnSpc>
+                <a:spcBef>
+                  <a:spcPts val="0"/>
+                </a:spcBef>
+                <a:spcAft>
+                  <a:spcPts val="0"/>
+                </a:spcAft>
+                <a:buClrTx/>
+                <a:buSzTx/>
+                <a:buFontTx/>
+                <a:buNone/>
+                <a:tabLst/>
+                <a:defRPr/>
+              </a:pPr>
+              <a:endParaRPr kumimoji="0" lang="en-US" sz="1600" b="0" i="0" u="none" strike="noStrike" kern="1200" cap="none" spc="0" normalizeH="0" baseline="0" noProof="0">
+                <a:ln>
+                  <a:noFill/>
+                </a:ln>
+                <a:solidFill>
+                  <a:srgbClr val="FFFFFF"/>
+                </a:solidFill>
+                <a:effectLst/>
+                <a:uLnTx/>
+                <a:uFillTx/>
+                <a:latin typeface="Arial" panose="020B0604020202020204"/>
+                <a:ea typeface="+mn-ea"/>
+                <a:cs typeface="+mn-cs"/>
+              </a:endParaRPr>
+            </a:p>
+          </p:txBody>
+        </p:sp>
+        <p:sp>
+          <p:nvSpPr>
+            <p:cNvPr id="10" name="Rectangle 9">
+              <a:extLst>
+                <a:ext uri="{FF2B5EF4-FFF2-40B4-BE49-F238E27FC236}">
+                  <a16:creationId xmlns:a16="http://schemas.microsoft.com/office/drawing/2014/main" id="{7F206C99-AD67-4234-8EAE-E393CBE577DB}"/>
+                </a:ext>
+              </a:extLst>
+            </p:cNvPr>
+            <p:cNvSpPr/>
+            <p:nvPr/>
+          </p:nvSpPr>
+          <p:spPr>
+            <a:xfrm>
+              <a:off x="1975814" y="1110818"/>
+              <a:ext cx="424222" cy="345843"/>
+            </a:xfrm>
+            <a:prstGeom prst="rect">
+              <a:avLst/>
+            </a:prstGeom>
+            <a:solidFill>
+              <a:srgbClr val="FFFF99"/>
+            </a:solidFill>
+            <a:ln>
+              <a:solidFill>
+                <a:schemeClr val="tx1"/>
+              </a:solidFill>
+            </a:ln>
+          </p:spPr>
+          <p:txBody>
+            <a:bodyPr rot="0" spcFirstLastPara="0" vertOverflow="overflow" horzOverflow="overflow" vert="horz" wrap="square" lIns="91440" tIns="45720" rIns="91440" bIns="45720" numCol="1" spcCol="0" rtlCol="0" fromWordArt="0" anchor="t" anchorCtr="0" forceAA="0" compatLnSpc="1">
+              <a:prstTxWarp prst="textNoShape">
+                <a:avLst/>
+              </a:prstTxWarp>
+              <a:spAutoFit/>
+            </a:bodyPr>
+            <a:lstStyle/>
+            <a:p>
+              <a:pPr marL="0" marR="0" lvl="0" indent="0" algn="ctr" defTabSz="914400" rtl="0" eaLnBrk="1" fontAlgn="auto" latinLnBrk="0" hangingPunct="1">
+                <a:lnSpc>
+                  <a:spcPct val="100000"/>
+                </a:lnSpc>
+                <a:spcBef>
+                  <a:spcPts val="0"/>
+                </a:spcBef>
+                <a:spcAft>
+                  <a:spcPts val="0"/>
+                </a:spcAft>
+                <a:buClrTx/>
+                <a:buSzTx/>
+                <a:buFontTx/>
+                <a:buNone/>
+                <a:tabLst/>
+                <a:defRPr/>
+              </a:pPr>
+              <a:endParaRPr kumimoji="0" lang="en-US" sz="1400" b="0" i="0" u="none" strike="noStrike" kern="0" cap="none" spc="0" normalizeH="0" baseline="0" noProof="0" dirty="0">
+                <a:ln>
+                  <a:noFill/>
+                </a:ln>
+                <a:solidFill>
+                  <a:prstClr val="black"/>
+                </a:solidFill>
+                <a:effectLst/>
+                <a:uLnTx/>
+                <a:uFillTx/>
+                <a:latin typeface="Calibri" panose="020F0502020204030204"/>
+                <a:ea typeface="+mn-ea"/>
+                <a:cs typeface="+mn-cs"/>
+              </a:endParaRPr>
+            </a:p>
+          </p:txBody>
+        </p:sp>
+        <p:sp>
+          <p:nvSpPr>
+            <p:cNvPr id="11" name="Rectangle 10">
+              <a:extLst>
+                <a:ext uri="{FF2B5EF4-FFF2-40B4-BE49-F238E27FC236}">
+                  <a16:creationId xmlns:a16="http://schemas.microsoft.com/office/drawing/2014/main" id="{0E988FAD-18B4-47E0-A193-E0D43674F136}"/>
+                </a:ext>
+              </a:extLst>
+            </p:cNvPr>
+            <p:cNvSpPr/>
+            <p:nvPr/>
+          </p:nvSpPr>
+          <p:spPr>
+            <a:xfrm>
+              <a:off x="1974715" y="1447670"/>
+              <a:ext cx="425321" cy="345843"/>
+            </a:xfrm>
+            <a:prstGeom prst="rect">
+              <a:avLst/>
+            </a:prstGeom>
+            <a:solidFill>
+              <a:srgbClr val="FFCD2F"/>
+            </a:solidFill>
+            <a:ln>
+              <a:solidFill>
+                <a:schemeClr val="tx1"/>
+              </a:solidFill>
+            </a:ln>
+          </p:spPr>
+          <p:txBody>
+            <a:bodyPr rot="0" spcFirstLastPara="0" vertOverflow="overflow" horzOverflow="overflow" vert="horz" wrap="square" lIns="91440" tIns="45720" rIns="91440" bIns="45720" numCol="1" spcCol="0" rtlCol="0" fromWordArt="0" anchor="t" anchorCtr="0" forceAA="0" compatLnSpc="1">
+              <a:prstTxWarp prst="textNoShape">
+                <a:avLst/>
+              </a:prstTxWarp>
+              <a:spAutoFit/>
+            </a:bodyPr>
+            <a:lstStyle/>
+            <a:p>
+              <a:pPr marL="0" marR="0" lvl="0" indent="0" algn="ctr" defTabSz="914400" rtl="0" eaLnBrk="1" fontAlgn="auto" latinLnBrk="0" hangingPunct="1">
+                <a:lnSpc>
+                  <a:spcPct val="100000"/>
+                </a:lnSpc>
+                <a:spcBef>
+                  <a:spcPts val="0"/>
+                </a:spcBef>
+                <a:spcAft>
+                  <a:spcPts val="0"/>
+                </a:spcAft>
+                <a:buClrTx/>
+                <a:buSzTx/>
+                <a:buFontTx/>
+                <a:buNone/>
+                <a:tabLst/>
+                <a:defRPr/>
+              </a:pPr>
+              <a:endParaRPr kumimoji="0" lang="en-US" sz="1400" b="0" i="0" u="none" strike="noStrike" kern="0" cap="none" spc="0" normalizeH="0" baseline="0" noProof="0" dirty="0">
+                <a:ln>
+                  <a:noFill/>
+                </a:ln>
+                <a:solidFill>
+                  <a:prstClr val="black"/>
+                </a:solidFill>
+                <a:effectLst/>
+                <a:uLnTx/>
+                <a:uFillTx/>
+                <a:latin typeface="Calibri" panose="020F0502020204030204"/>
+                <a:ea typeface="+mn-ea"/>
+                <a:cs typeface="+mn-cs"/>
+              </a:endParaRPr>
+            </a:p>
+          </p:txBody>
+        </p:sp>
+        <p:sp>
+          <p:nvSpPr>
+            <p:cNvPr id="12" name="Rectangle 11">
+              <a:extLst>
+                <a:ext uri="{FF2B5EF4-FFF2-40B4-BE49-F238E27FC236}">
+                  <a16:creationId xmlns:a16="http://schemas.microsoft.com/office/drawing/2014/main" id="{959AD2FB-7192-4A69-AF48-05E7736B4989}"/>
+                </a:ext>
+              </a:extLst>
+            </p:cNvPr>
+            <p:cNvSpPr/>
+            <p:nvPr/>
+          </p:nvSpPr>
+          <p:spPr>
+            <a:xfrm>
+              <a:off x="3629764" y="1787286"/>
+              <a:ext cx="2589082" cy="345843"/>
+            </a:xfrm>
+            <a:prstGeom prst="rect">
+              <a:avLst/>
+            </a:prstGeom>
+            <a:solidFill>
+              <a:schemeClr val="accent3">
+                <a:lumMod val="60000"/>
+                <a:lumOff val="40000"/>
+              </a:schemeClr>
+            </a:solidFill>
+            <a:ln>
+              <a:solidFill>
+                <a:schemeClr val="tx1"/>
+              </a:solidFill>
+            </a:ln>
+          </p:spPr>
+          <p:txBody>
+            <a:bodyPr wrap="square" rtlCol="0">
+              <a:spAutoFit/>
+            </a:bodyPr>
+            <a:lstStyle/>
+            <a:p>
+              <a:pPr marL="0" marR="0" lvl="0" indent="0" algn="ctr" defTabSz="914400" rtl="0" eaLnBrk="1" fontAlgn="auto" latinLnBrk="0" hangingPunct="1">
+                <a:lnSpc>
+                  <a:spcPct val="100000"/>
+                </a:lnSpc>
+                <a:spcBef>
+                  <a:spcPts val="0"/>
+                </a:spcBef>
+                <a:spcAft>
+                  <a:spcPts val="0"/>
+                </a:spcAft>
+                <a:buClrTx/>
+                <a:buSzTx/>
+                <a:buFontTx/>
+                <a:buNone/>
+                <a:tabLst/>
+                <a:defRPr/>
+              </a:pPr>
+              <a:endParaRPr kumimoji="0" lang="en-US" sz="1400" b="0" i="0" u="none" strike="noStrike" kern="0" cap="none" spc="0" normalizeH="0" baseline="0" noProof="0" dirty="0">
+                <a:ln>
+                  <a:noFill/>
+                </a:ln>
+                <a:solidFill>
+                  <a:prstClr val="black"/>
+                </a:solidFill>
+                <a:effectLst/>
+                <a:uLnTx/>
+                <a:uFillTx/>
+                <a:latin typeface="Calibri" panose="020F0502020204030204"/>
+                <a:ea typeface="+mn-ea"/>
+                <a:cs typeface="+mn-cs"/>
+              </a:endParaRPr>
+            </a:p>
+          </p:txBody>
+        </p:sp>
+        <p:sp>
+          <p:nvSpPr>
+            <p:cNvPr id="13" name="Rectangle 12">
+              <a:extLst>
+                <a:ext uri="{FF2B5EF4-FFF2-40B4-BE49-F238E27FC236}">
+                  <a16:creationId xmlns:a16="http://schemas.microsoft.com/office/drawing/2014/main" id="{983485D4-345D-44C7-AC89-F2232EF94ABA}"/>
+                </a:ext>
+              </a:extLst>
+            </p:cNvPr>
+            <p:cNvSpPr/>
+            <p:nvPr/>
+          </p:nvSpPr>
+          <p:spPr>
+            <a:xfrm>
+              <a:off x="3630126" y="3139938"/>
+              <a:ext cx="2588963" cy="345843"/>
+            </a:xfrm>
+            <a:prstGeom prst="rect">
+              <a:avLst/>
+            </a:prstGeom>
+            <a:solidFill>
+              <a:schemeClr val="accent3">
+                <a:lumMod val="20000"/>
+                <a:lumOff val="80000"/>
+              </a:schemeClr>
+            </a:solidFill>
+            <a:ln>
+              <a:solidFill>
+                <a:schemeClr val="tx1"/>
+              </a:solidFill>
+            </a:ln>
+          </p:spPr>
+          <p:txBody>
+            <a:bodyPr rot="0" spcFirstLastPara="0" vertOverflow="overflow" horzOverflow="overflow" vert="horz" wrap="square" lIns="91440" tIns="45720" rIns="91440" bIns="45720" numCol="1" spcCol="0" rtlCol="0" fromWordArt="0" anchor="t" anchorCtr="0" forceAA="0" compatLnSpc="1">
+              <a:prstTxWarp prst="textNoShape">
+                <a:avLst/>
+              </a:prstTxWarp>
+              <a:spAutoFit/>
+            </a:bodyPr>
+            <a:lstStyle/>
+            <a:p>
+              <a:pPr marL="0" marR="0" lvl="0" indent="0" algn="ctr" defTabSz="914400" rtl="0" eaLnBrk="1" fontAlgn="auto" latinLnBrk="0" hangingPunct="1">
+                <a:lnSpc>
+                  <a:spcPct val="100000"/>
+                </a:lnSpc>
+                <a:spcBef>
+                  <a:spcPts val="0"/>
+                </a:spcBef>
+                <a:spcAft>
+                  <a:spcPts val="0"/>
+                </a:spcAft>
+                <a:buClrTx/>
+                <a:buSzTx/>
+                <a:buFontTx/>
+                <a:buNone/>
+                <a:tabLst/>
+                <a:defRPr/>
+              </a:pPr>
+              <a:endParaRPr kumimoji="0" lang="en-US" sz="1400" b="0" i="0" u="none" strike="noStrike" kern="0" cap="none" spc="0" normalizeH="0" baseline="0" noProof="0" dirty="0">
+                <a:ln>
+                  <a:noFill/>
+                </a:ln>
+                <a:solidFill>
+                  <a:prstClr val="black"/>
+                </a:solidFill>
+                <a:effectLst/>
+                <a:uLnTx/>
+                <a:uFillTx/>
+                <a:latin typeface="Calibri" panose="020F0502020204030204"/>
+                <a:ea typeface="+mn-ea"/>
+                <a:cs typeface="+mn-cs"/>
+              </a:endParaRPr>
+            </a:p>
+          </p:txBody>
+        </p:sp>
+        <p:grpSp>
+          <p:nvGrpSpPr>
+            <p:cNvPr id="14" name="Group 13">
+              <a:extLst>
+                <a:ext uri="{FF2B5EF4-FFF2-40B4-BE49-F238E27FC236}">
+                  <a16:creationId xmlns:a16="http://schemas.microsoft.com/office/drawing/2014/main" id="{E1B94A89-1989-42DB-8E0D-72A8898B3720}"/>
+                </a:ext>
+              </a:extLst>
+            </p:cNvPr>
+            <p:cNvGrpSpPr/>
+            <p:nvPr/>
+          </p:nvGrpSpPr>
+          <p:grpSpPr>
+            <a:xfrm>
+              <a:off x="1948069" y="1783849"/>
+              <a:ext cx="1507769" cy="1694643"/>
+              <a:chOff x="1948069" y="1783849"/>
+              <a:chExt cx="1507769" cy="1694643"/>
+            </a:xfrm>
+          </p:grpSpPr>
+          <p:sp>
+            <p:nvSpPr>
+              <p:cNvPr id="15" name="Rectangle 14">
+                <a:extLst>
+                  <a:ext uri="{FF2B5EF4-FFF2-40B4-BE49-F238E27FC236}">
+                    <a16:creationId xmlns:a16="http://schemas.microsoft.com/office/drawing/2014/main" id="{575A1F2D-C827-4B44-8A97-F88F3DAC631D}"/>
+                  </a:ext>
+                </a:extLst>
+              </p:cNvPr>
+              <p:cNvSpPr/>
+              <p:nvPr/>
+            </p:nvSpPr>
+            <p:spPr>
+              <a:xfrm>
+                <a:off x="1948069" y="1785274"/>
+                <a:ext cx="484179" cy="1693218"/>
+              </a:xfrm>
+              <a:prstGeom prst="rect">
+                <a:avLst/>
+              </a:prstGeom>
+              <a:solidFill>
+                <a:srgbClr val="00B050"/>
+              </a:solidFill>
+              <a:ln w="9525">
+                <a:solidFill>
+                  <a:schemeClr val="tx1"/>
+                </a:solidFill>
+              </a:ln>
+            </p:spPr>
+            <p:style>
+              <a:lnRef idx="2">
+                <a:schemeClr val="accent1">
+                  <a:shade val="50000"/>
+                </a:schemeClr>
+              </a:lnRef>
+              <a:fillRef idx="1">
+                <a:schemeClr val="accent1"/>
+              </a:fillRef>
+              <a:effectRef idx="0">
+                <a:schemeClr val="accent1"/>
+              </a:effectRef>
+              <a:fontRef idx="minor">
+                <a:schemeClr val="lt1"/>
+              </a:fontRef>
+            </p:style>
+            <p:txBody>
+              <a:bodyPr vert="vert270" wrap="square" rtlCol="0" anchor="ctr">
+                <a:spAutoFit/>
+              </a:bodyPr>
+              <a:lstStyle/>
+              <a:p>
+                <a:pPr marL="0" marR="0" lvl="0" indent="0" algn="ctr" defTabSz="914400" rtl="0" eaLnBrk="1" fontAlgn="auto" latinLnBrk="0" hangingPunct="1">
+                  <a:lnSpc>
+                    <a:spcPct val="100000"/>
+                  </a:lnSpc>
+                  <a:spcBef>
+                    <a:spcPts val="0"/>
+                  </a:spcBef>
+                  <a:spcAft>
+                    <a:spcPts val="0"/>
+                  </a:spcAft>
+                  <a:buClrTx/>
+                  <a:buSzTx/>
+                  <a:buFontTx/>
+                  <a:buNone/>
+                  <a:tabLst/>
+                  <a:defRPr/>
+                </a:pPr>
+                <a:endParaRPr kumimoji="0" lang="en-US" sz="1600" b="0" i="0" u="none" strike="noStrike" kern="1200" cap="none" spc="0" normalizeH="0" baseline="0" noProof="0" dirty="0">
+                  <a:ln>
+                    <a:noFill/>
+                  </a:ln>
+                  <a:solidFill>
+                    <a:srgbClr val="FFFFFF"/>
+                  </a:solidFill>
+                  <a:effectLst/>
+                  <a:uLnTx/>
+                  <a:uFillTx/>
+                  <a:latin typeface="Arial" panose="020B0604020202020204"/>
+                  <a:ea typeface="+mn-ea"/>
+                  <a:cs typeface="+mn-cs"/>
+                </a:endParaRPr>
+              </a:p>
+            </p:txBody>
+          </p:sp>
+          <p:sp>
+            <p:nvSpPr>
+              <p:cNvPr id="16" name="Rectangle 15">
+                <a:extLst>
+                  <a:ext uri="{FF2B5EF4-FFF2-40B4-BE49-F238E27FC236}">
+                    <a16:creationId xmlns:a16="http://schemas.microsoft.com/office/drawing/2014/main" id="{9211FCE2-6A7D-4A1A-A17A-AF1E2C2FEF7D}"/>
+                  </a:ext>
+                </a:extLst>
+              </p:cNvPr>
+              <p:cNvSpPr/>
+              <p:nvPr/>
+            </p:nvSpPr>
+            <p:spPr>
+              <a:xfrm>
+                <a:off x="2400764" y="1783849"/>
+                <a:ext cx="1055074" cy="830419"/>
+              </a:xfrm>
+              <a:prstGeom prst="rect">
+                <a:avLst/>
+              </a:prstGeom>
+              <a:solidFill>
+                <a:schemeClr val="accent5">
+                  <a:lumMod val="40000"/>
+                  <a:lumOff val="60000"/>
+                </a:schemeClr>
+              </a:solidFill>
+              <a:ln>
+                <a:solidFill>
+                  <a:schemeClr val="tx1"/>
+                </a:solidFill>
+              </a:ln>
+            </p:spPr>
+            <p:txBody>
+              <a:bodyPr rot="0" spcFirstLastPara="0" vertOverflow="overflow" horzOverflow="overflow" vert="horz" wrap="square" lIns="91440" tIns="45720" rIns="91440" bIns="45720" numCol="1" spcCol="0" rtlCol="0" fromWordArt="0" anchor="ctr" anchorCtr="0" forceAA="0" compatLnSpc="1">
+                <a:prstTxWarp prst="textNoShape">
+                  <a:avLst/>
+                </a:prstTxWarp>
+                <a:noAutofit/>
+              </a:bodyPr>
+              <a:lstStyle/>
+              <a:p>
+                <a:pPr marL="0" marR="0" lvl="0" indent="0" algn="ctr" defTabSz="914400" rtl="0" eaLnBrk="1" fontAlgn="auto" latinLnBrk="0" hangingPunct="1">
+                  <a:lnSpc>
+                    <a:spcPct val="100000"/>
+                  </a:lnSpc>
+                  <a:spcBef>
+                    <a:spcPts val="0"/>
+                  </a:spcBef>
+                  <a:spcAft>
+                    <a:spcPts val="0"/>
+                  </a:spcAft>
+                  <a:buClrTx/>
+                  <a:buSzTx/>
+                  <a:buFontTx/>
+                  <a:buNone/>
+                  <a:tabLst/>
+                  <a:defRPr/>
+                </a:pPr>
+                <a:endParaRPr kumimoji="0" lang="en-US" sz="1400" b="0" i="0" u="none" strike="noStrike" kern="0" cap="none" spc="0" normalizeH="0" baseline="0" noProof="0" dirty="0">
+                  <a:ln>
+                    <a:noFill/>
+                  </a:ln>
+                  <a:solidFill>
+                    <a:prstClr val="black"/>
+                  </a:solidFill>
+                  <a:effectLst/>
+                  <a:uLnTx/>
+                  <a:uFillTx/>
+                  <a:latin typeface="Calibri" panose="020F0502020204030204"/>
+                  <a:ea typeface="+mn-ea"/>
+                  <a:cs typeface="+mn-cs"/>
+                </a:endParaRPr>
+              </a:p>
+            </p:txBody>
+          </p:sp>
+          <p:sp>
+            <p:nvSpPr>
+              <p:cNvPr id="17" name="Rectangle 16">
+                <a:extLst>
+                  <a:ext uri="{FF2B5EF4-FFF2-40B4-BE49-F238E27FC236}">
+                    <a16:creationId xmlns:a16="http://schemas.microsoft.com/office/drawing/2014/main" id="{296F9FD6-EB6B-4F54-8A5B-302DFB992AF4}"/>
+                  </a:ext>
+                </a:extLst>
+              </p:cNvPr>
+              <p:cNvSpPr/>
+              <p:nvPr/>
+            </p:nvSpPr>
+            <p:spPr>
+              <a:xfrm>
+                <a:off x="2400764" y="2614268"/>
+                <a:ext cx="1055074" cy="864224"/>
+              </a:xfrm>
+              <a:prstGeom prst="rect">
+                <a:avLst/>
+              </a:prstGeom>
+              <a:solidFill>
+                <a:schemeClr val="accent5">
+                  <a:lumMod val="60000"/>
+                  <a:lumOff val="40000"/>
+                </a:schemeClr>
+              </a:solidFill>
+              <a:ln>
+                <a:solidFill>
+                  <a:schemeClr val="tx1"/>
+                </a:solidFill>
+              </a:ln>
+            </p:spPr>
+            <p:txBody>
+              <a:bodyPr rot="0" spcFirstLastPara="0" vertOverflow="overflow" horzOverflow="overflow" vert="horz" wrap="square" lIns="91440" tIns="45720" rIns="91440" bIns="45720" numCol="1" spcCol="0" rtlCol="0" fromWordArt="0" anchor="ctr" anchorCtr="0" forceAA="0" compatLnSpc="1">
+                <a:prstTxWarp prst="textNoShape">
+                  <a:avLst/>
+                </a:prstTxWarp>
+                <a:noAutofit/>
+              </a:bodyPr>
+              <a:lstStyle/>
+              <a:p>
+                <a:pPr marL="0" marR="0" lvl="0" indent="0" algn="ctr" defTabSz="914400" rtl="0" eaLnBrk="1" fontAlgn="auto" latinLnBrk="0" hangingPunct="1">
+                  <a:lnSpc>
+                    <a:spcPct val="100000"/>
+                  </a:lnSpc>
+                  <a:spcBef>
+                    <a:spcPts val="0"/>
+                  </a:spcBef>
+                  <a:spcAft>
+                    <a:spcPts val="0"/>
+                  </a:spcAft>
+                  <a:buClrTx/>
+                  <a:buSzTx/>
+                  <a:buFontTx/>
+                  <a:buNone/>
+                  <a:tabLst/>
+                  <a:defRPr/>
+                </a:pPr>
+                <a:endParaRPr kumimoji="0" lang="en-US" sz="1400" b="0" i="0" u="none" strike="noStrike" kern="0" cap="none" spc="0" normalizeH="0" baseline="0" noProof="0" dirty="0">
+                  <a:ln>
+                    <a:noFill/>
+                  </a:ln>
+                  <a:solidFill>
+                    <a:prstClr val="black"/>
+                  </a:solidFill>
+                  <a:effectLst/>
+                  <a:uLnTx/>
+                  <a:uFillTx/>
+                  <a:latin typeface="Calibri" panose="020F0502020204030204"/>
+                  <a:ea typeface="+mn-ea"/>
+                  <a:cs typeface="+mn-cs"/>
+                </a:endParaRPr>
+              </a:p>
+            </p:txBody>
+          </p:sp>
+        </p:grpSp>
+      </p:grpSp>
+      <p:sp>
+        <p:nvSpPr>
+          <p:cNvPr id="48" name="TextBox 47">
+            <a:extLst>
+              <a:ext uri="{FF2B5EF4-FFF2-40B4-BE49-F238E27FC236}">
+                <a16:creationId xmlns:a16="http://schemas.microsoft.com/office/drawing/2014/main" id="{001C9F14-35A8-4455-B0FA-EED95F119444}"/>
+              </a:ext>
+            </a:extLst>
+          </p:cNvPr>
+          <p:cNvSpPr txBox="1"/>
+          <p:nvPr/>
+        </p:nvSpPr>
+        <p:spPr>
+          <a:xfrm>
+            <a:off x="895931" y="968234"/>
+            <a:ext cx="2042556" cy="461665"/>
+          </a:xfrm>
+          <a:prstGeom prst="rect">
+            <a:avLst/>
+          </a:prstGeom>
+          <a:noFill/>
+        </p:spPr>
+        <p:txBody>
+          <a:bodyPr wrap="square" rtlCol="0">
+            <a:spAutoFit/>
+          </a:bodyPr>
+          <a:lstStyle/>
+          <a:p>
+            <a:pPr marL="0" marR="0" lvl="0" indent="0" algn="ctr" defTabSz="914400" rtl="0" eaLnBrk="1" fontAlgn="auto" latinLnBrk="0" hangingPunct="1">
+              <a:lnSpc>
+                <a:spcPct val="100000"/>
+              </a:lnSpc>
+              <a:spcBef>
+                <a:spcPts val="0"/>
+              </a:spcBef>
+              <a:spcAft>
+                <a:spcPts val="0"/>
+              </a:spcAft>
+              <a:buClrTx/>
+              <a:buSzTx/>
+              <a:buFontTx/>
+              <a:buNone/>
+              <a:tabLst/>
+              <a:defRPr/>
+            </a:pPr>
+            <a:r>
+              <a:rPr kumimoji="0" lang="en-US" sz="2400" b="0" i="0" u="none" strike="noStrike" kern="1200" cap="none" spc="0" normalizeH="0" baseline="0" noProof="0" dirty="0">
+                <a:ln>
+                  <a:noFill/>
+                </a:ln>
+                <a:solidFill>
+                  <a:srgbClr val="002A44"/>
+                </a:solidFill>
+                <a:effectLst/>
+                <a:uLnTx/>
+                <a:uFillTx/>
+                <a:latin typeface="Arial" panose="020B0604020202020204"/>
+                <a:ea typeface="+mn-ea"/>
+                <a:cs typeface="+mn-cs"/>
+              </a:rPr>
+              <a:t>Web</a:t>
+            </a:r>
+          </a:p>
+        </p:txBody>
+      </p:sp>
+      <p:sp>
+        <p:nvSpPr>
+          <p:cNvPr id="82" name="Rectangle 81">
+            <a:extLst>
+              <a:ext uri="{FF2B5EF4-FFF2-40B4-BE49-F238E27FC236}">
+                <a16:creationId xmlns:a16="http://schemas.microsoft.com/office/drawing/2014/main" id="{1C80CCE6-DA09-4B4E-B769-CA2CE3815708}"/>
+              </a:ext>
+            </a:extLst>
+          </p:cNvPr>
+          <p:cNvSpPr/>
+          <p:nvPr/>
+        </p:nvSpPr>
+        <p:spPr>
+          <a:xfrm>
+            <a:off x="95462" y="4314300"/>
+            <a:ext cx="3948387" cy="1589461"/>
+          </a:xfrm>
+          <a:prstGeom prst="rect">
+            <a:avLst/>
+          </a:prstGeom>
+          <a:solidFill>
+            <a:schemeClr val="bg1">
+              <a:lumMod val="95000"/>
+            </a:schemeClr>
+          </a:solidFill>
+          <a:ln>
+            <a:solidFill>
+              <a:schemeClr val="tx2">
+                <a:lumMod val="50000"/>
+                <a:lumOff val="50000"/>
+              </a:schemeClr>
+            </a:solidFill>
+            <a:prstDash val="dash"/>
+          </a:ln>
+        </p:spPr>
+        <p:style>
+          <a:lnRef idx="2">
+            <a:schemeClr val="accent1">
+              <a:shade val="50000"/>
+            </a:schemeClr>
+          </a:lnRef>
+          <a:fillRef idx="1">
+            <a:schemeClr val="accent1"/>
+          </a:fillRef>
+          <a:effectRef idx="0">
+            <a:schemeClr val="accent1"/>
+          </a:effectRef>
+          <a:fontRef idx="minor">
+            <a:schemeClr val="lt1"/>
+          </a:fontRef>
+        </p:style>
+        <p:txBody>
+          <a:bodyPr rtlCol="0" anchor="ctr"/>
+          <a:lstStyle/>
+          <a:p>
+            <a:pPr marL="0" marR="0" lvl="0" indent="0" algn="ctr" defTabSz="914400" rtl="0" eaLnBrk="1" fontAlgn="auto" latinLnBrk="0" hangingPunct="1">
+              <a:lnSpc>
+                <a:spcPct val="100000"/>
+              </a:lnSpc>
+              <a:spcBef>
+                <a:spcPts val="0"/>
+              </a:spcBef>
+              <a:spcAft>
+                <a:spcPts val="0"/>
+              </a:spcAft>
+              <a:buClrTx/>
+              <a:buSzTx/>
+              <a:buFontTx/>
+              <a:buNone/>
+              <a:tabLst/>
+              <a:defRPr/>
+            </a:pPr>
+            <a:endParaRPr kumimoji="0" lang="en-US" sz="1800" b="0" i="0" u="none" strike="noStrike" kern="1200" cap="none" spc="0" normalizeH="0" baseline="0" noProof="0">
+              <a:ln>
+                <a:noFill/>
+              </a:ln>
+              <a:solidFill>
+                <a:srgbClr val="FFFFFF"/>
+              </a:solidFill>
+              <a:effectLst/>
+              <a:uLnTx/>
+              <a:uFillTx/>
+              <a:latin typeface="Arial" panose="020B0604020202020204"/>
+              <a:ea typeface="+mn-ea"/>
+              <a:cs typeface="+mn-cs"/>
+            </a:endParaRPr>
+          </a:p>
+        </p:txBody>
+      </p:sp>
+      <p:sp>
+        <p:nvSpPr>
+          <p:cNvPr id="52" name="Rectangle 51">
+            <a:extLst>
+              <a:ext uri="{FF2B5EF4-FFF2-40B4-BE49-F238E27FC236}">
+                <a16:creationId xmlns:a16="http://schemas.microsoft.com/office/drawing/2014/main" id="{900558E5-1D07-4162-A621-2BBF3BC8EBA0}"/>
+              </a:ext>
+            </a:extLst>
+          </p:cNvPr>
+          <p:cNvSpPr/>
+          <p:nvPr/>
+        </p:nvSpPr>
+        <p:spPr>
+          <a:xfrm>
+            <a:off x="1422714" y="4870745"/>
+            <a:ext cx="2519724" cy="636135"/>
+          </a:xfrm>
+          <a:prstGeom prst="rect">
+            <a:avLst/>
+          </a:prstGeom>
+          <a:solidFill>
+            <a:srgbClr val="FFCD2F"/>
+          </a:solidFill>
+          <a:ln>
+            <a:solidFill>
+              <a:sysClr val="windowText" lastClr="000000"/>
+            </a:solidFill>
+          </a:ln>
+        </p:spPr>
+        <p:txBody>
+          <a:bodyPr rot="0" spcFirstLastPara="0" vertOverflow="overflow" horzOverflow="overflow" vert="horz" wrap="square" lIns="91440" tIns="45720" rIns="91440" bIns="45720" numCol="1" spcCol="0" rtlCol="0" fromWordArt="0" anchor="t" anchorCtr="0" forceAA="0" compatLnSpc="1">
+            <a:prstTxWarp prst="textNoShape">
+              <a:avLst/>
+            </a:prstTxWarp>
+            <a:noAutofit/>
+          </a:bodyPr>
+          <a:lstStyle/>
+          <a:p>
+            <a:pPr marL="0" marR="0" lvl="0" indent="0" algn="r" defTabSz="914400" rtl="0" eaLnBrk="1" fontAlgn="auto" latinLnBrk="0" hangingPunct="1">
+              <a:lnSpc>
+                <a:spcPct val="100000"/>
+              </a:lnSpc>
+              <a:spcBef>
+                <a:spcPts val="0"/>
+              </a:spcBef>
+              <a:spcAft>
+                <a:spcPts val="0"/>
+              </a:spcAft>
+              <a:buClrTx/>
+              <a:buSzTx/>
+              <a:buFontTx/>
+              <a:buNone/>
+              <a:tabLst/>
+              <a:defRPr/>
+            </a:pPr>
+            <a:endParaRPr kumimoji="0" lang="en-US" sz="1400" b="0" i="0" u="none" strike="noStrike" kern="0" cap="none" spc="0" normalizeH="0" baseline="0" noProof="0" dirty="0">
+              <a:ln>
+                <a:noFill/>
+              </a:ln>
+              <a:solidFill>
+                <a:prstClr val="black"/>
+              </a:solidFill>
+              <a:effectLst/>
+              <a:uLnTx/>
+              <a:uFillTx/>
+              <a:latin typeface="Calibri" panose="020F0502020204030204"/>
+              <a:ea typeface="+mn-ea"/>
+              <a:cs typeface="+mn-cs"/>
+            </a:endParaRPr>
+          </a:p>
+        </p:txBody>
+      </p:sp>
+      <p:sp>
+        <p:nvSpPr>
+          <p:cNvPr id="53" name="Rectangle 52">
+            <a:extLst>
+              <a:ext uri="{FF2B5EF4-FFF2-40B4-BE49-F238E27FC236}">
+                <a16:creationId xmlns:a16="http://schemas.microsoft.com/office/drawing/2014/main" id="{5123EA82-FEAA-4239-822A-5B798F7471C2}"/>
+              </a:ext>
+            </a:extLst>
+          </p:cNvPr>
+          <p:cNvSpPr/>
+          <p:nvPr/>
+        </p:nvSpPr>
+        <p:spPr>
+          <a:xfrm>
+            <a:off x="160741" y="4870743"/>
+            <a:ext cx="1257072" cy="652653"/>
+          </a:xfrm>
+          <a:prstGeom prst="rect">
+            <a:avLst/>
+          </a:prstGeom>
+          <a:solidFill>
+            <a:schemeClr val="bg1">
+              <a:lumMod val="85000"/>
+            </a:schemeClr>
+          </a:solidFill>
+          <a:ln>
+            <a:solidFill>
+              <a:schemeClr val="tx1"/>
+            </a:solidFill>
+          </a:ln>
+        </p:spPr>
+        <p:txBody>
+          <a:bodyPr rot="0" spcFirstLastPara="0" vertOverflow="overflow" horzOverflow="overflow" vert="horz" wrap="square" lIns="91440" tIns="45720" rIns="91440" bIns="45720" numCol="1" spcCol="0" rtlCol="0" fromWordArt="0" anchor="t" anchorCtr="0" forceAA="0" compatLnSpc="1">
+            <a:prstTxWarp prst="textNoShape">
+              <a:avLst/>
+            </a:prstTxWarp>
+            <a:noAutofit/>
+          </a:bodyPr>
+          <a:lstStyle/>
+          <a:p>
+            <a:pPr marL="0" marR="0" lvl="0" indent="0" algn="ctr" defTabSz="914400" rtl="0" eaLnBrk="1" fontAlgn="auto" latinLnBrk="0" hangingPunct="1">
+              <a:lnSpc>
+                <a:spcPct val="100000"/>
+              </a:lnSpc>
+              <a:spcBef>
+                <a:spcPts val="0"/>
+              </a:spcBef>
+              <a:spcAft>
+                <a:spcPts val="0"/>
+              </a:spcAft>
+              <a:buClrTx/>
+              <a:buSzTx/>
+              <a:buFontTx/>
+              <a:buNone/>
+              <a:tabLst/>
+              <a:defRPr/>
+            </a:pPr>
+            <a:r>
+              <a:rPr kumimoji="0" lang="en-US" sz="1400" b="0" i="0" u="none" strike="noStrike" kern="0" cap="none" spc="0" normalizeH="0" baseline="0" noProof="0" dirty="0">
+                <a:ln>
+                  <a:noFill/>
+                </a:ln>
+                <a:solidFill>
+                  <a:prstClr val="black"/>
+                </a:solidFill>
+                <a:effectLst/>
+                <a:uLnTx/>
+                <a:uFillTx/>
+                <a:latin typeface="Calibri" panose="020F0502020204030204"/>
+                <a:ea typeface="+mn-ea"/>
+                <a:cs typeface="+mn-cs"/>
+              </a:rPr>
+              <a:t> </a:t>
+            </a:r>
+          </a:p>
+          <a:p>
+            <a:pPr marL="0" marR="0" lvl="0" indent="0" algn="ctr" defTabSz="914400" rtl="0" eaLnBrk="1" fontAlgn="auto" latinLnBrk="0" hangingPunct="1">
+              <a:lnSpc>
+                <a:spcPct val="100000"/>
+              </a:lnSpc>
+              <a:spcBef>
+                <a:spcPts val="0"/>
+              </a:spcBef>
+              <a:spcAft>
+                <a:spcPts val="0"/>
+              </a:spcAft>
+              <a:buClrTx/>
+              <a:buSzTx/>
+              <a:buFontTx/>
+              <a:buNone/>
+              <a:tabLst/>
+              <a:defRPr/>
+            </a:pPr>
+            <a:endParaRPr kumimoji="0" lang="en-US" sz="1400" b="0" i="0" u="none" strike="noStrike" kern="0" cap="none" spc="0" normalizeH="0" baseline="0" noProof="0" dirty="0">
+              <a:ln>
+                <a:noFill/>
+              </a:ln>
+              <a:solidFill>
+                <a:prstClr val="black"/>
+              </a:solidFill>
+              <a:effectLst/>
+              <a:uLnTx/>
+              <a:uFillTx/>
+              <a:latin typeface="Calibri" panose="020F0502020204030204"/>
+              <a:ea typeface="+mn-ea"/>
+              <a:cs typeface="+mn-cs"/>
+            </a:endParaRPr>
+          </a:p>
+        </p:txBody>
+      </p:sp>
+      <p:sp>
+        <p:nvSpPr>
+          <p:cNvPr id="54" name="Rectangle 53">
+            <a:extLst>
+              <a:ext uri="{FF2B5EF4-FFF2-40B4-BE49-F238E27FC236}">
+                <a16:creationId xmlns:a16="http://schemas.microsoft.com/office/drawing/2014/main" id="{BD8DB740-F888-4EA5-A1D0-5B05026DB97D}"/>
+              </a:ext>
+            </a:extLst>
+          </p:cNvPr>
+          <p:cNvSpPr/>
+          <p:nvPr/>
+        </p:nvSpPr>
+        <p:spPr>
+          <a:xfrm>
+            <a:off x="157553" y="5506880"/>
+            <a:ext cx="3784885" cy="313758"/>
+          </a:xfrm>
+          <a:prstGeom prst="rect">
+            <a:avLst/>
+          </a:prstGeom>
+          <a:solidFill>
+            <a:schemeClr val="bg1">
+              <a:lumMod val="65000"/>
+            </a:schemeClr>
+          </a:solidFill>
+          <a:ln>
+            <a:solidFill>
+              <a:sysClr val="windowText" lastClr="000000"/>
+            </a:solidFill>
+          </a:ln>
+        </p:spPr>
+        <p:txBody>
+          <a:bodyPr rot="0" spcFirstLastPara="0" vertOverflow="overflow" horzOverflow="overflow" vert="horz" wrap="square" lIns="91440" tIns="45720" rIns="91440" bIns="45720" numCol="1" spcCol="0" rtlCol="0" fromWordArt="0" anchor="t" anchorCtr="0" forceAA="0" compatLnSpc="1">
+            <a:prstTxWarp prst="textNoShape">
+              <a:avLst/>
+            </a:prstTxWarp>
+            <a:noAutofit/>
+          </a:bodyPr>
+          <a:lstStyle/>
+          <a:p>
+            <a:pPr marL="0" marR="0" lvl="0" indent="0" algn="ctr" defTabSz="914400" rtl="0" eaLnBrk="1" fontAlgn="auto" latinLnBrk="0" hangingPunct="1">
+              <a:lnSpc>
+                <a:spcPct val="100000"/>
+              </a:lnSpc>
+              <a:spcBef>
+                <a:spcPts val="0"/>
+              </a:spcBef>
+              <a:spcAft>
+                <a:spcPts val="0"/>
+              </a:spcAft>
+              <a:buClrTx/>
+              <a:buSzTx/>
+              <a:buFontTx/>
+              <a:buNone/>
+              <a:tabLst/>
+              <a:defRPr/>
+            </a:pPr>
+            <a:endParaRPr kumimoji="0" lang="en-US" sz="1400" b="0" i="0" u="none" strike="noStrike" kern="0" cap="none" spc="0" normalizeH="0" baseline="0" noProof="0" dirty="0">
+              <a:ln>
+                <a:noFill/>
+              </a:ln>
+              <a:solidFill>
+                <a:prstClr val="black"/>
+              </a:solidFill>
+              <a:effectLst/>
+              <a:uLnTx/>
+              <a:uFillTx/>
+              <a:latin typeface="Calibri" panose="020F0502020204030204"/>
+              <a:ea typeface="+mn-ea"/>
+              <a:cs typeface="+mn-cs"/>
+            </a:endParaRPr>
+          </a:p>
+        </p:txBody>
+      </p:sp>
+      <p:sp>
+        <p:nvSpPr>
+          <p:cNvPr id="55" name="Rectangle 54">
+            <a:extLst>
+              <a:ext uri="{FF2B5EF4-FFF2-40B4-BE49-F238E27FC236}">
+                <a16:creationId xmlns:a16="http://schemas.microsoft.com/office/drawing/2014/main" id="{25BB9B89-2645-4118-8793-63568878E1D0}"/>
+              </a:ext>
+            </a:extLst>
+          </p:cNvPr>
+          <p:cNvSpPr/>
+          <p:nvPr/>
+        </p:nvSpPr>
+        <p:spPr>
+          <a:xfrm>
+            <a:off x="157553" y="4490467"/>
+            <a:ext cx="3784885" cy="386764"/>
+          </a:xfrm>
+          <a:prstGeom prst="rect">
+            <a:avLst/>
+          </a:prstGeom>
+          <a:solidFill>
+            <a:srgbClr val="FFFF99"/>
+          </a:solidFill>
+          <a:ln>
+            <a:solidFill>
+              <a:sysClr val="windowText" lastClr="000000"/>
+            </a:solidFill>
+          </a:ln>
+        </p:spPr>
+        <p:txBody>
+          <a:bodyPr rot="0" spcFirstLastPara="0" vertOverflow="overflow" horzOverflow="overflow" vert="horz" wrap="square" lIns="91440" tIns="45720" rIns="91440" bIns="45720" numCol="1" spcCol="0" rtlCol="0" fromWordArt="0" anchor="t" anchorCtr="0" forceAA="0" compatLnSpc="1">
+            <a:prstTxWarp prst="textNoShape">
+              <a:avLst/>
+            </a:prstTxWarp>
+            <a:noAutofit/>
+          </a:bodyPr>
+          <a:lstStyle/>
+          <a:p>
+            <a:pPr marL="0" marR="0" lvl="0" indent="0" algn="ctr" defTabSz="914400" rtl="0" eaLnBrk="1" fontAlgn="auto" latinLnBrk="0" hangingPunct="1">
+              <a:lnSpc>
+                <a:spcPct val="100000"/>
+              </a:lnSpc>
+              <a:spcBef>
+                <a:spcPts val="0"/>
+              </a:spcBef>
+              <a:spcAft>
+                <a:spcPts val="0"/>
+              </a:spcAft>
+              <a:buClrTx/>
+              <a:buSzTx/>
+              <a:buFontTx/>
+              <a:buNone/>
+              <a:tabLst/>
+              <a:defRPr/>
+            </a:pPr>
+            <a:endParaRPr kumimoji="0" lang="en-US" sz="1400" b="0" i="0" u="none" strike="noStrike" kern="0" cap="none" spc="0" normalizeH="0" baseline="0" noProof="0" dirty="0">
+              <a:ln>
+                <a:noFill/>
+              </a:ln>
+              <a:solidFill>
+                <a:prstClr val="black"/>
+              </a:solidFill>
+              <a:effectLst/>
+              <a:uLnTx/>
+              <a:uFillTx/>
+              <a:latin typeface="Calibri" panose="020F0502020204030204"/>
+              <a:ea typeface="+mn-ea"/>
+              <a:cs typeface="+mn-cs"/>
+            </a:endParaRPr>
+          </a:p>
+        </p:txBody>
+      </p:sp>
+      <p:sp>
+        <p:nvSpPr>
+          <p:cNvPr id="56" name="Rectangle 55">
+            <a:extLst>
+              <a:ext uri="{FF2B5EF4-FFF2-40B4-BE49-F238E27FC236}">
+                <a16:creationId xmlns:a16="http://schemas.microsoft.com/office/drawing/2014/main" id="{90C796F2-8D76-40E3-A4AB-3C19F475CEAD}"/>
+              </a:ext>
+            </a:extLst>
+          </p:cNvPr>
+          <p:cNvSpPr/>
+          <p:nvPr/>
+        </p:nvSpPr>
+        <p:spPr>
+          <a:xfrm>
+            <a:off x="1501798" y="4543491"/>
+            <a:ext cx="1100379" cy="881621"/>
+          </a:xfrm>
+          <a:prstGeom prst="rect">
+            <a:avLst/>
+          </a:prstGeom>
+          <a:solidFill>
+            <a:srgbClr val="FFCCFF"/>
+          </a:solidFill>
+          <a:ln>
+            <a:solidFill>
+              <a:sysClr val="windowText" lastClr="000000"/>
+            </a:solidFill>
+          </a:ln>
+        </p:spPr>
+        <p:txBody>
+          <a:bodyPr rot="0" spcFirstLastPara="0" vertOverflow="overflow" horzOverflow="overflow" vert="horz" wrap="square" lIns="91440" tIns="45720" rIns="91440" bIns="45720" numCol="1" spcCol="0" rtlCol="0" fromWordArt="0" anchor="ctr" anchorCtr="1" forceAA="0" compatLnSpc="1">
+            <a:prstTxWarp prst="textNoShape">
+              <a:avLst/>
+            </a:prstTxWarp>
+            <a:noAutofit/>
+          </a:bodyPr>
+          <a:lstStyle/>
+          <a:p>
+            <a:pPr marL="0" marR="0" lvl="0" indent="0" algn="ctr" defTabSz="914400" rtl="0" eaLnBrk="1" fontAlgn="auto" latinLnBrk="0" hangingPunct="1">
+              <a:lnSpc>
+                <a:spcPct val="100000"/>
+              </a:lnSpc>
+              <a:spcBef>
+                <a:spcPts val="0"/>
+              </a:spcBef>
+              <a:spcAft>
+                <a:spcPts val="0"/>
+              </a:spcAft>
+              <a:buClrTx/>
+              <a:buSzTx/>
+              <a:buFontTx/>
+              <a:buNone/>
+              <a:tabLst/>
+              <a:defRPr/>
+            </a:pPr>
+            <a:r>
+              <a:rPr kumimoji="0" lang="en-US" sz="1600" b="0" i="0" u="none" strike="noStrike" kern="0" cap="none" spc="0" normalizeH="0" baseline="0" noProof="0" dirty="0">
+                <a:ln>
+                  <a:noFill/>
+                </a:ln>
+                <a:solidFill>
+                  <a:prstClr val="black"/>
+                </a:solidFill>
+                <a:effectLst/>
+                <a:uLnTx/>
+                <a:uFillTx/>
+                <a:latin typeface="Calibri" panose="020F0502020204030204"/>
+                <a:ea typeface="+mn-ea"/>
+                <a:cs typeface="+mn-cs"/>
+              </a:rPr>
+              <a:t>Web</a:t>
+            </a:r>
+          </a:p>
+          <a:p>
+            <a:pPr marL="0" marR="0" lvl="0" indent="0" algn="ctr" defTabSz="914400" rtl="0" eaLnBrk="1" fontAlgn="auto" latinLnBrk="0" hangingPunct="1">
+              <a:lnSpc>
+                <a:spcPct val="100000"/>
+              </a:lnSpc>
+              <a:spcBef>
+                <a:spcPts val="0"/>
+              </a:spcBef>
+              <a:spcAft>
+                <a:spcPts val="0"/>
+              </a:spcAft>
+              <a:buClrTx/>
+              <a:buSzTx/>
+              <a:buFontTx/>
+              <a:buNone/>
+              <a:tabLst/>
+              <a:defRPr/>
+            </a:pPr>
+            <a:r>
+              <a:rPr kumimoji="0" lang="en-US" sz="1600" b="0" i="0" u="none" strike="noStrike" kern="0" cap="none" spc="0" normalizeH="0" baseline="0" noProof="0" dirty="0">
+                <a:ln>
+                  <a:noFill/>
+                </a:ln>
+                <a:solidFill>
+                  <a:prstClr val="black"/>
+                </a:solidFill>
+                <a:effectLst/>
+                <a:uLnTx/>
+                <a:uFillTx/>
+                <a:latin typeface="Calibri" panose="020F0502020204030204"/>
+                <a:ea typeface="+mn-ea"/>
+                <a:cs typeface="+mn-cs"/>
+              </a:rPr>
+              <a:t>RPC Manager</a:t>
+            </a:r>
+          </a:p>
+        </p:txBody>
+      </p:sp>
+      <p:sp>
+        <p:nvSpPr>
+          <p:cNvPr id="81" name="Rectangle 80">
+            <a:extLst>
+              <a:ext uri="{FF2B5EF4-FFF2-40B4-BE49-F238E27FC236}">
+                <a16:creationId xmlns:a16="http://schemas.microsoft.com/office/drawing/2014/main" id="{33412CB8-54BF-4948-ACB2-BDF8219C56D7}"/>
+              </a:ext>
+            </a:extLst>
+          </p:cNvPr>
+          <p:cNvSpPr/>
+          <p:nvPr/>
+        </p:nvSpPr>
+        <p:spPr>
+          <a:xfrm>
+            <a:off x="8139881" y="1429897"/>
+            <a:ext cx="3948387" cy="4491761"/>
+          </a:xfrm>
+          <a:prstGeom prst="rect">
+            <a:avLst/>
+          </a:prstGeom>
+          <a:solidFill>
+            <a:schemeClr val="bg1">
+              <a:lumMod val="95000"/>
+            </a:schemeClr>
+          </a:solidFill>
+          <a:ln>
+            <a:solidFill>
+              <a:schemeClr val="tx2">
+                <a:lumMod val="50000"/>
+                <a:lumOff val="50000"/>
+              </a:schemeClr>
+            </a:solidFill>
+            <a:prstDash val="dash"/>
+          </a:ln>
+        </p:spPr>
+        <p:style>
+          <a:lnRef idx="2">
+            <a:schemeClr val="accent1">
+              <a:shade val="50000"/>
+            </a:schemeClr>
+          </a:lnRef>
+          <a:fillRef idx="1">
+            <a:schemeClr val="accent1"/>
+          </a:fillRef>
+          <a:effectRef idx="0">
+            <a:schemeClr val="accent1"/>
+          </a:effectRef>
+          <a:fontRef idx="minor">
+            <a:schemeClr val="lt1"/>
+          </a:fontRef>
+        </p:style>
+        <p:txBody>
+          <a:bodyPr rtlCol="0" anchor="ctr"/>
+          <a:lstStyle/>
+          <a:p>
+            <a:pPr marL="0" marR="0" lvl="0" indent="0" algn="ctr" defTabSz="914400" rtl="0" eaLnBrk="1" fontAlgn="auto" latinLnBrk="0" hangingPunct="1">
+              <a:lnSpc>
+                <a:spcPct val="100000"/>
+              </a:lnSpc>
+              <a:spcBef>
+                <a:spcPts val="0"/>
+              </a:spcBef>
+              <a:spcAft>
+                <a:spcPts val="0"/>
+              </a:spcAft>
+              <a:buClrTx/>
+              <a:buSzTx/>
+              <a:buFontTx/>
+              <a:buNone/>
+              <a:tabLst/>
+              <a:defRPr/>
+            </a:pPr>
+            <a:endParaRPr kumimoji="0" lang="en-US" sz="1800" b="0" i="0" u="none" strike="noStrike" kern="1200" cap="none" spc="0" normalizeH="0" baseline="0" noProof="0">
+              <a:ln>
+                <a:noFill/>
+              </a:ln>
+              <a:solidFill>
+                <a:srgbClr val="FFFFFF"/>
+              </a:solidFill>
+              <a:effectLst/>
+              <a:uLnTx/>
+              <a:uFillTx/>
+              <a:latin typeface="Arial" panose="020B0604020202020204"/>
+              <a:ea typeface="+mn-ea"/>
+              <a:cs typeface="+mn-cs"/>
+            </a:endParaRPr>
+          </a:p>
+        </p:txBody>
+      </p:sp>
+      <p:grpSp>
+        <p:nvGrpSpPr>
+          <p:cNvPr id="18" name="Group 17">
+            <a:extLst>
+              <a:ext uri="{FF2B5EF4-FFF2-40B4-BE49-F238E27FC236}">
+                <a16:creationId xmlns:a16="http://schemas.microsoft.com/office/drawing/2014/main" id="{B91FF431-A3EC-4011-9D51-3F1C63861E8D}"/>
+              </a:ext>
+            </a:extLst>
+          </p:cNvPr>
+          <p:cNvGrpSpPr/>
+          <p:nvPr/>
+        </p:nvGrpSpPr>
+        <p:grpSpPr>
+          <a:xfrm>
+            <a:off x="8213136" y="1542670"/>
+            <a:ext cx="3785532" cy="2114403"/>
+            <a:chOff x="1965360" y="1109868"/>
+            <a:chExt cx="4253729" cy="2375913"/>
+          </a:xfrm>
+        </p:grpSpPr>
+        <p:sp>
+          <p:nvSpPr>
+            <p:cNvPr id="19" name="Rectangle 18">
+              <a:extLst>
+                <a:ext uri="{FF2B5EF4-FFF2-40B4-BE49-F238E27FC236}">
+                  <a16:creationId xmlns:a16="http://schemas.microsoft.com/office/drawing/2014/main" id="{8A586240-45F7-4A6E-8673-23D53532B51A}"/>
+                </a:ext>
+              </a:extLst>
+            </p:cNvPr>
+            <p:cNvSpPr/>
+            <p:nvPr/>
+          </p:nvSpPr>
+          <p:spPr>
+            <a:xfrm>
+              <a:off x="3630125" y="2801426"/>
+              <a:ext cx="2588963" cy="345843"/>
+            </a:xfrm>
+            <a:prstGeom prst="rect">
+              <a:avLst/>
+            </a:prstGeom>
+            <a:solidFill>
+              <a:schemeClr val="accent3">
+                <a:lumMod val="20000"/>
+                <a:lumOff val="80000"/>
+              </a:schemeClr>
+            </a:solidFill>
+            <a:ln>
+              <a:solidFill>
+                <a:schemeClr val="tx1"/>
+              </a:solidFill>
+            </a:ln>
+          </p:spPr>
+          <p:txBody>
+            <a:bodyPr rot="0" spcFirstLastPara="0" vertOverflow="overflow" horzOverflow="overflow" vert="horz" wrap="square" lIns="91440" tIns="45720" rIns="91440" bIns="45720" numCol="1" spcCol="0" rtlCol="0" fromWordArt="0" anchor="t" anchorCtr="0" forceAA="0" compatLnSpc="1">
+              <a:prstTxWarp prst="textNoShape">
+                <a:avLst/>
+              </a:prstTxWarp>
+              <a:spAutoFit/>
+            </a:bodyPr>
+            <a:lstStyle/>
+            <a:p>
+              <a:pPr marL="0" marR="0" lvl="0" indent="0" algn="ctr" defTabSz="914400" rtl="0" eaLnBrk="1" fontAlgn="auto" latinLnBrk="0" hangingPunct="1">
+                <a:lnSpc>
+                  <a:spcPct val="100000"/>
+                </a:lnSpc>
+                <a:spcBef>
+                  <a:spcPts val="0"/>
+                </a:spcBef>
+                <a:spcAft>
+                  <a:spcPts val="0"/>
+                </a:spcAft>
+                <a:buClrTx/>
+                <a:buSzTx/>
+                <a:buFontTx/>
+                <a:buNone/>
+                <a:tabLst/>
+                <a:defRPr/>
+              </a:pPr>
+              <a:endParaRPr kumimoji="0" lang="en-US" sz="1400" b="0" i="0" u="none" strike="noStrike" kern="0" cap="none" spc="0" normalizeH="0" baseline="0" noProof="0" dirty="0">
+                <a:ln>
+                  <a:noFill/>
+                </a:ln>
+                <a:solidFill>
+                  <a:prstClr val="black"/>
+                </a:solidFill>
+                <a:effectLst/>
+                <a:uLnTx/>
+                <a:uFillTx/>
+                <a:latin typeface="Calibri" panose="020F0502020204030204"/>
+                <a:ea typeface="+mn-ea"/>
+                <a:cs typeface="+mn-cs"/>
+              </a:endParaRPr>
+            </a:p>
+          </p:txBody>
+        </p:sp>
+        <p:sp>
+          <p:nvSpPr>
+            <p:cNvPr id="20" name="Rectangle 19">
+              <a:extLst>
+                <a:ext uri="{FF2B5EF4-FFF2-40B4-BE49-F238E27FC236}">
+                  <a16:creationId xmlns:a16="http://schemas.microsoft.com/office/drawing/2014/main" id="{F03463EE-CAE2-47B9-874F-474CACC756C4}"/>
+                </a:ext>
+              </a:extLst>
+            </p:cNvPr>
+            <p:cNvSpPr/>
+            <p:nvPr/>
+          </p:nvSpPr>
+          <p:spPr>
+            <a:xfrm>
+              <a:off x="3630005" y="2463865"/>
+              <a:ext cx="2588962" cy="345843"/>
+            </a:xfrm>
+            <a:prstGeom prst="rect">
+              <a:avLst/>
+            </a:prstGeom>
+            <a:solidFill>
+              <a:schemeClr val="accent3">
+                <a:lumMod val="20000"/>
+                <a:lumOff val="80000"/>
+              </a:schemeClr>
+            </a:solidFill>
+            <a:ln>
+              <a:solidFill>
+                <a:schemeClr val="tx1"/>
+              </a:solidFill>
+            </a:ln>
+          </p:spPr>
+          <p:txBody>
+            <a:bodyPr rot="0" spcFirstLastPara="0" vertOverflow="overflow" horzOverflow="overflow" vert="horz" wrap="square" lIns="91440" tIns="45720" rIns="91440" bIns="45720" numCol="1" spcCol="0" rtlCol="0" fromWordArt="0" anchor="t" anchorCtr="0" forceAA="0" compatLnSpc="1">
+              <a:prstTxWarp prst="textNoShape">
+                <a:avLst/>
+              </a:prstTxWarp>
+              <a:spAutoFit/>
+            </a:bodyPr>
+            <a:lstStyle/>
+            <a:p>
+              <a:pPr marL="0" marR="0" lvl="0" indent="0" algn="ctr" defTabSz="914400" rtl="0" eaLnBrk="1" fontAlgn="auto" latinLnBrk="0" hangingPunct="1">
+                <a:lnSpc>
+                  <a:spcPct val="100000"/>
+                </a:lnSpc>
+                <a:spcBef>
+                  <a:spcPts val="0"/>
+                </a:spcBef>
+                <a:spcAft>
+                  <a:spcPts val="0"/>
+                </a:spcAft>
+                <a:buClrTx/>
+                <a:buSzTx/>
+                <a:buFontTx/>
+                <a:buNone/>
+                <a:tabLst/>
+                <a:defRPr/>
+              </a:pPr>
+              <a:endParaRPr kumimoji="0" lang="en-US" sz="1400" b="0" i="0" u="none" strike="noStrike" kern="0" cap="none" spc="0" normalizeH="0" baseline="0" noProof="0" dirty="0">
+                <a:ln>
+                  <a:noFill/>
+                </a:ln>
+                <a:solidFill>
+                  <a:prstClr val="black"/>
+                </a:solidFill>
+                <a:effectLst/>
+                <a:uLnTx/>
+                <a:uFillTx/>
+                <a:latin typeface="Calibri" panose="020F0502020204030204"/>
+                <a:ea typeface="+mn-ea"/>
+                <a:cs typeface="+mn-cs"/>
+              </a:endParaRPr>
+            </a:p>
+          </p:txBody>
+        </p:sp>
+        <p:sp>
+          <p:nvSpPr>
+            <p:cNvPr id="21" name="Rectangle 20">
+              <a:extLst>
+                <a:ext uri="{FF2B5EF4-FFF2-40B4-BE49-F238E27FC236}">
+                  <a16:creationId xmlns:a16="http://schemas.microsoft.com/office/drawing/2014/main" id="{FA1A6B2E-E047-460A-8F98-D94896C575C8}"/>
+                </a:ext>
+              </a:extLst>
+            </p:cNvPr>
+            <p:cNvSpPr/>
+            <p:nvPr/>
+          </p:nvSpPr>
+          <p:spPr>
+            <a:xfrm>
+              <a:off x="3629884" y="2125332"/>
+              <a:ext cx="2588962" cy="345843"/>
+            </a:xfrm>
+            <a:prstGeom prst="rect">
+              <a:avLst/>
+            </a:prstGeom>
+            <a:solidFill>
+              <a:schemeClr val="accent3">
+                <a:lumMod val="20000"/>
+                <a:lumOff val="80000"/>
+              </a:schemeClr>
+            </a:solidFill>
+            <a:ln>
+              <a:solidFill>
+                <a:schemeClr val="tx1"/>
+              </a:solidFill>
+            </a:ln>
+          </p:spPr>
+          <p:txBody>
+            <a:bodyPr rot="0" spcFirstLastPara="0" vertOverflow="overflow" horzOverflow="overflow" vert="horz" wrap="square" lIns="91440" tIns="45720" rIns="91440" bIns="45720" numCol="1" spcCol="0" rtlCol="0" fromWordArt="0" anchor="t" anchorCtr="0" forceAA="0" compatLnSpc="1">
+              <a:prstTxWarp prst="textNoShape">
+                <a:avLst/>
+              </a:prstTxWarp>
+              <a:spAutoFit/>
+            </a:bodyPr>
+            <a:lstStyle/>
+            <a:p>
+              <a:pPr marL="0" marR="0" lvl="0" indent="0" algn="ctr" defTabSz="914400" rtl="0" eaLnBrk="1" fontAlgn="auto" latinLnBrk="0" hangingPunct="1">
+                <a:lnSpc>
+                  <a:spcPct val="100000"/>
+                </a:lnSpc>
+                <a:spcBef>
+                  <a:spcPts val="0"/>
+                </a:spcBef>
+                <a:spcAft>
+                  <a:spcPts val="0"/>
+                </a:spcAft>
+                <a:buClrTx/>
+                <a:buSzTx/>
+                <a:buFontTx/>
+                <a:buNone/>
+                <a:tabLst/>
+                <a:defRPr/>
+              </a:pPr>
+              <a:endParaRPr kumimoji="0" lang="en-US" sz="1400" b="0" i="0" u="none" strike="noStrike" kern="0" cap="none" spc="0" normalizeH="0" baseline="0" noProof="0" dirty="0">
+                <a:ln>
+                  <a:noFill/>
+                </a:ln>
+                <a:solidFill>
+                  <a:prstClr val="black"/>
+                </a:solidFill>
+                <a:effectLst/>
+                <a:uLnTx/>
+                <a:uFillTx/>
+                <a:latin typeface="Calibri" panose="020F0502020204030204"/>
+                <a:ea typeface="+mn-ea"/>
+                <a:cs typeface="+mn-cs"/>
+              </a:endParaRPr>
+            </a:p>
+          </p:txBody>
+        </p:sp>
+        <p:sp>
+          <p:nvSpPr>
+            <p:cNvPr id="22" name="Rectangle 21">
+              <a:extLst>
+                <a:ext uri="{FF2B5EF4-FFF2-40B4-BE49-F238E27FC236}">
+                  <a16:creationId xmlns:a16="http://schemas.microsoft.com/office/drawing/2014/main" id="{F91C50F0-1D50-4813-8217-BEE7611DEDB9}"/>
+                </a:ext>
+              </a:extLst>
+            </p:cNvPr>
+            <p:cNvSpPr/>
+            <p:nvPr/>
+          </p:nvSpPr>
+          <p:spPr>
+            <a:xfrm>
+              <a:off x="2400523" y="1448884"/>
+              <a:ext cx="3818082" cy="345843"/>
+            </a:xfrm>
+            <a:prstGeom prst="rect">
+              <a:avLst/>
+            </a:prstGeom>
+            <a:solidFill>
+              <a:srgbClr val="FFCD2F"/>
+            </a:solidFill>
+            <a:ln>
+              <a:solidFill>
+                <a:schemeClr val="tx1"/>
+              </a:solidFill>
+            </a:ln>
+          </p:spPr>
+          <p:txBody>
+            <a:bodyPr rot="0" spcFirstLastPara="0" vertOverflow="overflow" horzOverflow="overflow" vert="horz" wrap="square" lIns="91440" tIns="45720" rIns="91440" bIns="45720" numCol="1" spcCol="0" rtlCol="0" fromWordArt="0" anchor="t" anchorCtr="0" forceAA="0" compatLnSpc="1">
+              <a:prstTxWarp prst="textNoShape">
+                <a:avLst/>
+              </a:prstTxWarp>
+              <a:spAutoFit/>
+            </a:bodyPr>
+            <a:lstStyle/>
+            <a:p>
+              <a:pPr marL="0" marR="0" lvl="0" indent="0" algn="ctr" defTabSz="914400" rtl="0" eaLnBrk="1" fontAlgn="auto" latinLnBrk="0" hangingPunct="1">
+                <a:lnSpc>
+                  <a:spcPct val="100000"/>
+                </a:lnSpc>
+                <a:spcBef>
+                  <a:spcPts val="0"/>
+                </a:spcBef>
+                <a:spcAft>
+                  <a:spcPts val="0"/>
+                </a:spcAft>
+                <a:buClrTx/>
+                <a:buSzTx/>
+                <a:buFontTx/>
+                <a:buNone/>
+                <a:tabLst/>
+                <a:defRPr/>
+              </a:pPr>
+              <a:endParaRPr kumimoji="0" lang="en-US" sz="1400" b="0" i="0" u="none" strike="noStrike" kern="0" cap="none" spc="0" normalizeH="0" baseline="0" noProof="0" dirty="0">
+                <a:ln>
+                  <a:noFill/>
+                </a:ln>
+                <a:solidFill>
+                  <a:prstClr val="black"/>
+                </a:solidFill>
+                <a:effectLst/>
+                <a:uLnTx/>
+                <a:uFillTx/>
+                <a:latin typeface="Calibri" panose="020F0502020204030204"/>
+                <a:ea typeface="+mn-ea"/>
+                <a:cs typeface="+mn-cs"/>
+              </a:endParaRPr>
+            </a:p>
+          </p:txBody>
+        </p:sp>
+        <p:sp>
+          <p:nvSpPr>
+            <p:cNvPr id="23" name="Rectangle 22">
+              <a:extLst>
+                <a:ext uri="{FF2B5EF4-FFF2-40B4-BE49-F238E27FC236}">
+                  <a16:creationId xmlns:a16="http://schemas.microsoft.com/office/drawing/2014/main" id="{016165BC-BC32-41C3-999E-6CA776D5BEA0}"/>
+                </a:ext>
+              </a:extLst>
+            </p:cNvPr>
+            <p:cNvSpPr/>
+            <p:nvPr/>
+          </p:nvSpPr>
+          <p:spPr>
+            <a:xfrm>
+              <a:off x="2400280" y="1109868"/>
+              <a:ext cx="3818082" cy="345843"/>
+            </a:xfrm>
+            <a:prstGeom prst="rect">
+              <a:avLst/>
+            </a:prstGeom>
+            <a:solidFill>
+              <a:srgbClr val="FFFF99"/>
+            </a:solidFill>
+            <a:ln>
+              <a:solidFill>
+                <a:schemeClr val="tx1"/>
+              </a:solidFill>
+            </a:ln>
+          </p:spPr>
+          <p:txBody>
+            <a:bodyPr rot="0" spcFirstLastPara="0" vertOverflow="overflow" horzOverflow="overflow" vert="horz" wrap="square" lIns="91440" tIns="45720" rIns="91440" bIns="45720" numCol="1" spcCol="0" rtlCol="0" fromWordArt="0" anchor="t" anchorCtr="0" forceAA="0" compatLnSpc="1">
+              <a:prstTxWarp prst="textNoShape">
+                <a:avLst/>
+              </a:prstTxWarp>
+              <a:spAutoFit/>
+            </a:bodyPr>
+            <a:lstStyle/>
+            <a:p>
+              <a:pPr marL="0" marR="0" lvl="0" indent="0" algn="ctr" defTabSz="914400" rtl="0" eaLnBrk="1" fontAlgn="auto" latinLnBrk="0" hangingPunct="1">
+                <a:lnSpc>
+                  <a:spcPct val="100000"/>
+                </a:lnSpc>
+                <a:spcBef>
+                  <a:spcPts val="0"/>
+                </a:spcBef>
+                <a:spcAft>
+                  <a:spcPts val="0"/>
+                </a:spcAft>
+                <a:buClrTx/>
+                <a:buSzTx/>
+                <a:buFontTx/>
+                <a:buNone/>
+                <a:tabLst/>
+                <a:defRPr/>
+              </a:pPr>
+              <a:endParaRPr kumimoji="0" lang="en-US" sz="1400" b="0" i="0" u="none" strike="noStrike" kern="0" cap="none" spc="0" normalizeH="0" baseline="0" noProof="0" dirty="0">
+                <a:ln>
+                  <a:noFill/>
+                </a:ln>
+                <a:solidFill>
+                  <a:prstClr val="black"/>
+                </a:solidFill>
+                <a:effectLst/>
+                <a:uLnTx/>
+                <a:uFillTx/>
+                <a:latin typeface="Calibri" panose="020F0502020204030204"/>
+                <a:ea typeface="+mn-ea"/>
+                <a:cs typeface="+mn-cs"/>
+              </a:endParaRPr>
+            </a:p>
+          </p:txBody>
+        </p:sp>
+        <p:sp>
+          <p:nvSpPr>
+            <p:cNvPr id="24" name="Rectangle 23">
+              <a:extLst>
+                <a:ext uri="{FF2B5EF4-FFF2-40B4-BE49-F238E27FC236}">
+                  <a16:creationId xmlns:a16="http://schemas.microsoft.com/office/drawing/2014/main" id="{2B970798-FD52-4A26-BE7A-CF7F767570B3}"/>
+                </a:ext>
+              </a:extLst>
+            </p:cNvPr>
+            <p:cNvSpPr/>
+            <p:nvPr/>
+          </p:nvSpPr>
+          <p:spPr>
+            <a:xfrm>
+              <a:off x="3446707" y="1785274"/>
+              <a:ext cx="186741" cy="1693218"/>
+            </a:xfrm>
+            <a:prstGeom prst="rect">
+              <a:avLst/>
+            </a:prstGeom>
+            <a:solidFill>
+              <a:schemeClr val="tx1"/>
+            </a:solidFill>
+            <a:ln>
+              <a:solidFill>
+                <a:schemeClr val="tx1"/>
+              </a:solidFill>
+            </a:ln>
+          </p:spPr>
+          <p:style>
+            <a:lnRef idx="2">
+              <a:schemeClr val="accent1">
+                <a:shade val="50000"/>
+              </a:schemeClr>
+            </a:lnRef>
+            <a:fillRef idx="1">
+              <a:schemeClr val="accent1"/>
+            </a:fillRef>
+            <a:effectRef idx="0">
+              <a:schemeClr val="accent1"/>
+            </a:effectRef>
+            <a:fontRef idx="minor">
+              <a:schemeClr val="lt1"/>
+            </a:fontRef>
+          </p:style>
+          <p:txBody>
+            <a:bodyPr rtlCol="0" anchor="ctr"/>
+            <a:lstStyle/>
+            <a:p>
+              <a:pPr marL="0" marR="0" lvl="0" indent="0" algn="ctr" defTabSz="914400" rtl="0" eaLnBrk="1" fontAlgn="auto" latinLnBrk="0" hangingPunct="1">
+                <a:lnSpc>
+                  <a:spcPct val="100000"/>
+                </a:lnSpc>
+                <a:spcBef>
+                  <a:spcPts val="0"/>
+                </a:spcBef>
+                <a:spcAft>
+                  <a:spcPts val="0"/>
+                </a:spcAft>
+                <a:buClrTx/>
+                <a:buSzTx/>
+                <a:buFontTx/>
+                <a:buNone/>
+                <a:tabLst/>
+                <a:defRPr/>
+              </a:pPr>
+              <a:endParaRPr kumimoji="0" lang="en-US" sz="1600" b="0" i="0" u="none" strike="noStrike" kern="1200" cap="none" spc="0" normalizeH="0" baseline="0" noProof="0">
+                <a:ln>
+                  <a:noFill/>
+                </a:ln>
+                <a:solidFill>
+                  <a:srgbClr val="FFFFFF"/>
+                </a:solidFill>
+                <a:effectLst/>
+                <a:uLnTx/>
+                <a:uFillTx/>
+                <a:latin typeface="Arial" panose="020B0604020202020204"/>
+                <a:ea typeface="+mn-ea"/>
+                <a:cs typeface="+mn-cs"/>
+              </a:endParaRPr>
+            </a:p>
+          </p:txBody>
+        </p:sp>
+        <p:sp>
+          <p:nvSpPr>
+            <p:cNvPr id="25" name="Rectangle 24">
+              <a:extLst>
+                <a:ext uri="{FF2B5EF4-FFF2-40B4-BE49-F238E27FC236}">
+                  <a16:creationId xmlns:a16="http://schemas.microsoft.com/office/drawing/2014/main" id="{C9890D1D-0280-46C8-9E9B-17A0356D64E0}"/>
+                </a:ext>
+              </a:extLst>
+            </p:cNvPr>
+            <p:cNvSpPr/>
+            <p:nvPr/>
+          </p:nvSpPr>
+          <p:spPr>
+            <a:xfrm>
+              <a:off x="1975814" y="1110818"/>
+              <a:ext cx="424222" cy="345843"/>
+            </a:xfrm>
+            <a:prstGeom prst="rect">
+              <a:avLst/>
+            </a:prstGeom>
+            <a:solidFill>
+              <a:srgbClr val="FFFF99"/>
+            </a:solidFill>
+            <a:ln>
+              <a:solidFill>
+                <a:schemeClr val="tx1"/>
+              </a:solidFill>
+            </a:ln>
+          </p:spPr>
+          <p:txBody>
+            <a:bodyPr rot="0" spcFirstLastPara="0" vertOverflow="overflow" horzOverflow="overflow" vert="horz" wrap="square" lIns="91440" tIns="45720" rIns="91440" bIns="45720" numCol="1" spcCol="0" rtlCol="0" fromWordArt="0" anchor="t" anchorCtr="0" forceAA="0" compatLnSpc="1">
+              <a:prstTxWarp prst="textNoShape">
+                <a:avLst/>
+              </a:prstTxWarp>
+              <a:spAutoFit/>
+            </a:bodyPr>
+            <a:lstStyle/>
+            <a:p>
+              <a:pPr marL="0" marR="0" lvl="0" indent="0" algn="ctr" defTabSz="914400" rtl="0" eaLnBrk="1" fontAlgn="auto" latinLnBrk="0" hangingPunct="1">
+                <a:lnSpc>
+                  <a:spcPct val="100000"/>
+                </a:lnSpc>
+                <a:spcBef>
+                  <a:spcPts val="0"/>
+                </a:spcBef>
+                <a:spcAft>
+                  <a:spcPts val="0"/>
+                </a:spcAft>
+                <a:buClrTx/>
+                <a:buSzTx/>
+                <a:buFontTx/>
+                <a:buNone/>
+                <a:tabLst/>
+                <a:defRPr/>
+              </a:pPr>
+              <a:endParaRPr kumimoji="0" lang="en-US" sz="1400" b="0" i="0" u="none" strike="noStrike" kern="0" cap="none" spc="0" normalizeH="0" baseline="0" noProof="0" dirty="0">
+                <a:ln>
+                  <a:noFill/>
+                </a:ln>
+                <a:solidFill>
+                  <a:prstClr val="black"/>
+                </a:solidFill>
+                <a:effectLst/>
+                <a:uLnTx/>
+                <a:uFillTx/>
+                <a:latin typeface="Calibri" panose="020F0502020204030204"/>
+                <a:ea typeface="+mn-ea"/>
+                <a:cs typeface="+mn-cs"/>
+              </a:endParaRPr>
+            </a:p>
+          </p:txBody>
+        </p:sp>
+        <p:sp>
+          <p:nvSpPr>
+            <p:cNvPr id="26" name="Rectangle 25">
+              <a:extLst>
+                <a:ext uri="{FF2B5EF4-FFF2-40B4-BE49-F238E27FC236}">
+                  <a16:creationId xmlns:a16="http://schemas.microsoft.com/office/drawing/2014/main" id="{2CD0D80D-317C-4133-BB24-2B8496643658}"/>
+                </a:ext>
+              </a:extLst>
+            </p:cNvPr>
+            <p:cNvSpPr/>
+            <p:nvPr/>
+          </p:nvSpPr>
+          <p:spPr>
+            <a:xfrm>
+              <a:off x="1974715" y="1447670"/>
+              <a:ext cx="425321" cy="345843"/>
+            </a:xfrm>
+            <a:prstGeom prst="rect">
+              <a:avLst/>
+            </a:prstGeom>
+            <a:solidFill>
+              <a:srgbClr val="FFCD2F"/>
+            </a:solidFill>
+            <a:ln>
+              <a:solidFill>
+                <a:schemeClr val="tx1"/>
+              </a:solidFill>
+            </a:ln>
+          </p:spPr>
+          <p:txBody>
+            <a:bodyPr rot="0" spcFirstLastPara="0" vertOverflow="overflow" horzOverflow="overflow" vert="horz" wrap="square" lIns="91440" tIns="45720" rIns="91440" bIns="45720" numCol="1" spcCol="0" rtlCol="0" fromWordArt="0" anchor="t" anchorCtr="0" forceAA="0" compatLnSpc="1">
+              <a:prstTxWarp prst="textNoShape">
+                <a:avLst/>
+              </a:prstTxWarp>
+              <a:spAutoFit/>
+            </a:bodyPr>
+            <a:lstStyle/>
+            <a:p>
+              <a:pPr marL="0" marR="0" lvl="0" indent="0" algn="ctr" defTabSz="914400" rtl="0" eaLnBrk="1" fontAlgn="auto" latinLnBrk="0" hangingPunct="1">
+                <a:lnSpc>
+                  <a:spcPct val="100000"/>
+                </a:lnSpc>
+                <a:spcBef>
+                  <a:spcPts val="0"/>
+                </a:spcBef>
+                <a:spcAft>
+                  <a:spcPts val="0"/>
+                </a:spcAft>
+                <a:buClrTx/>
+                <a:buSzTx/>
+                <a:buFontTx/>
+                <a:buNone/>
+                <a:tabLst/>
+                <a:defRPr/>
+              </a:pPr>
+              <a:endParaRPr kumimoji="0" lang="en-US" sz="1400" b="0" i="0" u="none" strike="noStrike" kern="0" cap="none" spc="0" normalizeH="0" baseline="0" noProof="0" dirty="0">
+                <a:ln>
+                  <a:noFill/>
+                </a:ln>
+                <a:solidFill>
+                  <a:prstClr val="black"/>
+                </a:solidFill>
+                <a:effectLst/>
+                <a:uLnTx/>
+                <a:uFillTx/>
+                <a:latin typeface="Calibri" panose="020F0502020204030204"/>
+                <a:ea typeface="+mn-ea"/>
+                <a:cs typeface="+mn-cs"/>
+              </a:endParaRPr>
+            </a:p>
+          </p:txBody>
+        </p:sp>
+        <p:sp>
+          <p:nvSpPr>
+            <p:cNvPr id="27" name="Rectangle 26">
+              <a:extLst>
+                <a:ext uri="{FF2B5EF4-FFF2-40B4-BE49-F238E27FC236}">
+                  <a16:creationId xmlns:a16="http://schemas.microsoft.com/office/drawing/2014/main" id="{B441D4A2-E4CC-43AA-9ADE-C5CDBB4D9696}"/>
+                </a:ext>
+              </a:extLst>
+            </p:cNvPr>
+            <p:cNvSpPr/>
+            <p:nvPr/>
+          </p:nvSpPr>
+          <p:spPr>
+            <a:xfrm>
+              <a:off x="3629764" y="1787286"/>
+              <a:ext cx="2589082" cy="345843"/>
+            </a:xfrm>
+            <a:prstGeom prst="rect">
+              <a:avLst/>
+            </a:prstGeom>
+            <a:solidFill>
+              <a:schemeClr val="accent3">
+                <a:lumMod val="60000"/>
+                <a:lumOff val="40000"/>
+              </a:schemeClr>
+            </a:solidFill>
+            <a:ln>
+              <a:solidFill>
+                <a:schemeClr val="tx1"/>
+              </a:solidFill>
+            </a:ln>
+          </p:spPr>
+          <p:txBody>
+            <a:bodyPr wrap="square" rtlCol="0">
+              <a:spAutoFit/>
+            </a:bodyPr>
+            <a:lstStyle/>
+            <a:p>
+              <a:pPr marL="0" marR="0" lvl="0" indent="0" algn="ctr" defTabSz="914400" rtl="0" eaLnBrk="1" fontAlgn="auto" latinLnBrk="0" hangingPunct="1">
+                <a:lnSpc>
+                  <a:spcPct val="100000"/>
+                </a:lnSpc>
+                <a:spcBef>
+                  <a:spcPts val="0"/>
+                </a:spcBef>
+                <a:spcAft>
+                  <a:spcPts val="0"/>
+                </a:spcAft>
+                <a:buClrTx/>
+                <a:buSzTx/>
+                <a:buFontTx/>
+                <a:buNone/>
+                <a:tabLst/>
+                <a:defRPr/>
+              </a:pPr>
+              <a:endParaRPr kumimoji="0" lang="en-US" sz="1400" b="0" i="0" u="none" strike="noStrike" kern="0" cap="none" spc="0" normalizeH="0" baseline="0" noProof="0" dirty="0">
+                <a:ln>
+                  <a:noFill/>
+                </a:ln>
+                <a:solidFill>
+                  <a:prstClr val="black"/>
+                </a:solidFill>
+                <a:effectLst/>
+                <a:uLnTx/>
+                <a:uFillTx/>
+                <a:latin typeface="Calibri" panose="020F0502020204030204"/>
+                <a:ea typeface="+mn-ea"/>
+                <a:cs typeface="+mn-cs"/>
+              </a:endParaRPr>
+            </a:p>
+          </p:txBody>
+        </p:sp>
+        <p:sp>
+          <p:nvSpPr>
+            <p:cNvPr id="28" name="Rectangle 27">
+              <a:extLst>
+                <a:ext uri="{FF2B5EF4-FFF2-40B4-BE49-F238E27FC236}">
+                  <a16:creationId xmlns:a16="http://schemas.microsoft.com/office/drawing/2014/main" id="{8D99607A-D93C-4D02-A536-66433EB2EA22}"/>
+                </a:ext>
+              </a:extLst>
+            </p:cNvPr>
+            <p:cNvSpPr/>
+            <p:nvPr/>
+          </p:nvSpPr>
+          <p:spPr>
+            <a:xfrm>
+              <a:off x="3630126" y="3139938"/>
+              <a:ext cx="2588963" cy="345843"/>
+            </a:xfrm>
+            <a:prstGeom prst="rect">
+              <a:avLst/>
+            </a:prstGeom>
+            <a:solidFill>
+              <a:schemeClr val="accent3">
+                <a:lumMod val="20000"/>
+                <a:lumOff val="80000"/>
+              </a:schemeClr>
+            </a:solidFill>
+            <a:ln>
+              <a:solidFill>
+                <a:schemeClr val="tx1"/>
+              </a:solidFill>
+            </a:ln>
+          </p:spPr>
+          <p:txBody>
+            <a:bodyPr rot="0" spcFirstLastPara="0" vertOverflow="overflow" horzOverflow="overflow" vert="horz" wrap="square" lIns="91440" tIns="45720" rIns="91440" bIns="45720" numCol="1" spcCol="0" rtlCol="0" fromWordArt="0" anchor="t" anchorCtr="0" forceAA="0" compatLnSpc="1">
+              <a:prstTxWarp prst="textNoShape">
+                <a:avLst/>
+              </a:prstTxWarp>
+              <a:spAutoFit/>
+            </a:bodyPr>
+            <a:lstStyle/>
+            <a:p>
+              <a:pPr marL="0" marR="0" lvl="0" indent="0" algn="ctr" defTabSz="914400" rtl="0" eaLnBrk="1" fontAlgn="auto" latinLnBrk="0" hangingPunct="1">
+                <a:lnSpc>
+                  <a:spcPct val="100000"/>
+                </a:lnSpc>
+                <a:spcBef>
+                  <a:spcPts val="0"/>
+                </a:spcBef>
+                <a:spcAft>
+                  <a:spcPts val="0"/>
+                </a:spcAft>
+                <a:buClrTx/>
+                <a:buSzTx/>
+                <a:buFontTx/>
+                <a:buNone/>
+                <a:tabLst/>
+                <a:defRPr/>
+              </a:pPr>
+              <a:endParaRPr kumimoji="0" lang="en-US" sz="1400" b="0" i="0" u="none" strike="noStrike" kern="0" cap="none" spc="0" normalizeH="0" baseline="0" noProof="0" dirty="0">
+                <a:ln>
+                  <a:noFill/>
+                </a:ln>
+                <a:solidFill>
+                  <a:prstClr val="black"/>
+                </a:solidFill>
+                <a:effectLst/>
+                <a:uLnTx/>
+                <a:uFillTx/>
+                <a:latin typeface="Calibri" panose="020F0502020204030204"/>
+                <a:ea typeface="+mn-ea"/>
+                <a:cs typeface="+mn-cs"/>
+              </a:endParaRPr>
+            </a:p>
+          </p:txBody>
+        </p:sp>
+        <p:grpSp>
+          <p:nvGrpSpPr>
+            <p:cNvPr id="29" name="Group 28">
+              <a:extLst>
+                <a:ext uri="{FF2B5EF4-FFF2-40B4-BE49-F238E27FC236}">
+                  <a16:creationId xmlns:a16="http://schemas.microsoft.com/office/drawing/2014/main" id="{50EDB9B4-1B0C-4257-9EE8-3E92C3ED1128}"/>
+                </a:ext>
+              </a:extLst>
+            </p:cNvPr>
+            <p:cNvGrpSpPr/>
+            <p:nvPr/>
+          </p:nvGrpSpPr>
+          <p:grpSpPr>
+            <a:xfrm>
+              <a:off x="1965360" y="1783849"/>
+              <a:ext cx="1490478" cy="1694643"/>
+              <a:chOff x="1965360" y="1783849"/>
+              <a:chExt cx="1490478" cy="1694643"/>
+            </a:xfrm>
+          </p:grpSpPr>
+          <p:sp>
+            <p:nvSpPr>
+              <p:cNvPr id="30" name="Rectangle 29">
+                <a:extLst>
+                  <a:ext uri="{FF2B5EF4-FFF2-40B4-BE49-F238E27FC236}">
+                    <a16:creationId xmlns:a16="http://schemas.microsoft.com/office/drawing/2014/main" id="{834C243B-C118-4D25-8B99-D6A950F3C63E}"/>
+                  </a:ext>
+                </a:extLst>
+              </p:cNvPr>
+              <p:cNvSpPr/>
+              <p:nvPr/>
+            </p:nvSpPr>
+            <p:spPr>
+              <a:xfrm>
+                <a:off x="1965360" y="1785274"/>
+                <a:ext cx="449596" cy="1693218"/>
+              </a:xfrm>
+              <a:prstGeom prst="rect">
+                <a:avLst/>
+              </a:prstGeom>
+              <a:solidFill>
+                <a:schemeClr val="accent2"/>
+              </a:solidFill>
+              <a:ln w="9525">
+                <a:solidFill>
+                  <a:schemeClr val="tx1"/>
+                </a:solidFill>
+              </a:ln>
+            </p:spPr>
+            <p:style>
+              <a:lnRef idx="2">
+                <a:schemeClr val="accent1">
+                  <a:shade val="50000"/>
+                </a:schemeClr>
+              </a:lnRef>
+              <a:fillRef idx="1">
+                <a:schemeClr val="accent1"/>
+              </a:fillRef>
+              <a:effectRef idx="0">
+                <a:schemeClr val="accent1"/>
+              </a:effectRef>
+              <a:fontRef idx="minor">
+                <a:schemeClr val="lt1"/>
+              </a:fontRef>
+            </p:style>
+            <p:txBody>
+              <a:bodyPr vert="vert270" wrap="square" rtlCol="0" anchor="ctr">
+                <a:spAutoFit/>
+              </a:bodyPr>
+              <a:lstStyle/>
+              <a:p>
+                <a:pPr marL="0" marR="0" lvl="0" indent="0" algn="ctr" defTabSz="914400" rtl="0" eaLnBrk="1" fontAlgn="auto" latinLnBrk="0" hangingPunct="1">
+                  <a:lnSpc>
+                    <a:spcPct val="100000"/>
+                  </a:lnSpc>
+                  <a:spcBef>
+                    <a:spcPts val="0"/>
+                  </a:spcBef>
+                  <a:spcAft>
+                    <a:spcPts val="0"/>
+                  </a:spcAft>
+                  <a:buClrTx/>
+                  <a:buSzTx/>
+                  <a:buFontTx/>
+                  <a:buNone/>
+                  <a:tabLst/>
+                  <a:defRPr/>
+                </a:pPr>
+                <a:r>
+                  <a:rPr kumimoji="0" lang="en-US" sz="1400" b="0" i="0" u="none" strike="noStrike" kern="0" cap="none" spc="0" normalizeH="0" baseline="0" noProof="0" dirty="0">
+                    <a:ln>
+                      <a:noFill/>
+                    </a:ln>
+                    <a:solidFill>
+                      <a:prstClr val="black"/>
+                    </a:solidFill>
+                    <a:effectLst/>
+                    <a:uLnTx/>
+                    <a:uFillTx/>
+                    <a:latin typeface="Calibri" panose="020F0502020204030204"/>
+                    <a:ea typeface="+mn-ea"/>
+                    <a:cs typeface="+mn-cs"/>
+                  </a:rPr>
+                  <a:t> </a:t>
+                </a:r>
+                <a:endParaRPr kumimoji="0" lang="en-US" sz="1600" b="0" i="0" u="none" strike="noStrike" kern="1200" cap="none" spc="0" normalizeH="0" baseline="0" noProof="0" dirty="0">
+                  <a:ln>
+                    <a:noFill/>
+                  </a:ln>
+                  <a:solidFill>
+                    <a:srgbClr val="FFFFFF"/>
+                  </a:solidFill>
+                  <a:effectLst/>
+                  <a:uLnTx/>
+                  <a:uFillTx/>
+                  <a:latin typeface="Arial" panose="020B0604020202020204"/>
+                  <a:ea typeface="+mn-ea"/>
+                  <a:cs typeface="+mn-cs"/>
+                </a:endParaRPr>
+              </a:p>
+            </p:txBody>
+          </p:sp>
+          <p:sp>
+            <p:nvSpPr>
+              <p:cNvPr id="31" name="Rectangle 30">
+                <a:extLst>
+                  <a:ext uri="{FF2B5EF4-FFF2-40B4-BE49-F238E27FC236}">
+                    <a16:creationId xmlns:a16="http://schemas.microsoft.com/office/drawing/2014/main" id="{598689FD-E696-452A-96F2-973CA9309D2D}"/>
+                  </a:ext>
+                </a:extLst>
+              </p:cNvPr>
+              <p:cNvSpPr/>
+              <p:nvPr/>
+            </p:nvSpPr>
+            <p:spPr>
+              <a:xfrm>
+                <a:off x="2400764" y="1783849"/>
+                <a:ext cx="1055074" cy="830419"/>
+              </a:xfrm>
+              <a:prstGeom prst="rect">
+                <a:avLst/>
+              </a:prstGeom>
+              <a:solidFill>
+                <a:schemeClr val="accent5">
+                  <a:lumMod val="40000"/>
+                  <a:lumOff val="60000"/>
+                </a:schemeClr>
+              </a:solidFill>
+              <a:ln>
+                <a:solidFill>
+                  <a:schemeClr val="tx1"/>
+                </a:solidFill>
+              </a:ln>
+            </p:spPr>
+            <p:txBody>
+              <a:bodyPr rot="0" spcFirstLastPara="0" vertOverflow="overflow" horzOverflow="overflow" vert="horz" wrap="square" lIns="91440" tIns="45720" rIns="91440" bIns="45720" numCol="1" spcCol="0" rtlCol="0" fromWordArt="0" anchor="ctr" anchorCtr="0" forceAA="0" compatLnSpc="1">
+                <a:prstTxWarp prst="textNoShape">
+                  <a:avLst/>
+                </a:prstTxWarp>
+                <a:noAutofit/>
+              </a:bodyPr>
+              <a:lstStyle/>
+              <a:p>
+                <a:pPr marL="0" marR="0" lvl="0" indent="0" algn="ctr" defTabSz="914400" rtl="0" eaLnBrk="1" fontAlgn="auto" latinLnBrk="0" hangingPunct="1">
+                  <a:lnSpc>
+                    <a:spcPct val="100000"/>
+                  </a:lnSpc>
+                  <a:spcBef>
+                    <a:spcPts val="0"/>
+                  </a:spcBef>
+                  <a:spcAft>
+                    <a:spcPts val="0"/>
+                  </a:spcAft>
+                  <a:buClrTx/>
+                  <a:buSzTx/>
+                  <a:buFontTx/>
+                  <a:buNone/>
+                  <a:tabLst/>
+                  <a:defRPr/>
+                </a:pPr>
+                <a:endParaRPr kumimoji="0" lang="en-US" sz="1400" b="0" i="0" u="none" strike="noStrike" kern="0" cap="none" spc="0" normalizeH="0" baseline="0" noProof="0" dirty="0">
+                  <a:ln>
+                    <a:noFill/>
+                  </a:ln>
+                  <a:solidFill>
+                    <a:prstClr val="black"/>
+                  </a:solidFill>
+                  <a:effectLst/>
+                  <a:uLnTx/>
+                  <a:uFillTx/>
+                  <a:latin typeface="Calibri" panose="020F0502020204030204"/>
+                  <a:ea typeface="+mn-ea"/>
+                  <a:cs typeface="+mn-cs"/>
+                </a:endParaRPr>
+              </a:p>
+            </p:txBody>
+          </p:sp>
+          <p:sp>
+            <p:nvSpPr>
+              <p:cNvPr id="32" name="Rectangle 31">
+                <a:extLst>
+                  <a:ext uri="{FF2B5EF4-FFF2-40B4-BE49-F238E27FC236}">
+                    <a16:creationId xmlns:a16="http://schemas.microsoft.com/office/drawing/2014/main" id="{15630FCF-6A17-4A55-9485-0478F624A9ED}"/>
+                  </a:ext>
+                </a:extLst>
+              </p:cNvPr>
+              <p:cNvSpPr/>
+              <p:nvPr/>
+            </p:nvSpPr>
+            <p:spPr>
+              <a:xfrm>
+                <a:off x="2400764" y="2614268"/>
+                <a:ext cx="1055074" cy="864224"/>
+              </a:xfrm>
+              <a:prstGeom prst="rect">
+                <a:avLst/>
+              </a:prstGeom>
+              <a:solidFill>
+                <a:schemeClr val="accent5">
+                  <a:lumMod val="60000"/>
+                  <a:lumOff val="40000"/>
+                </a:schemeClr>
+              </a:solidFill>
+              <a:ln>
+                <a:solidFill>
+                  <a:schemeClr val="tx1"/>
+                </a:solidFill>
+              </a:ln>
+            </p:spPr>
+            <p:txBody>
+              <a:bodyPr rot="0" spcFirstLastPara="0" vertOverflow="overflow" horzOverflow="overflow" vert="horz" wrap="square" lIns="91440" tIns="45720" rIns="91440" bIns="45720" numCol="1" spcCol="0" rtlCol="0" fromWordArt="0" anchor="ctr" anchorCtr="0" forceAA="0" compatLnSpc="1">
+                <a:prstTxWarp prst="textNoShape">
+                  <a:avLst/>
+                </a:prstTxWarp>
+                <a:noAutofit/>
+              </a:bodyPr>
+              <a:lstStyle/>
+              <a:p>
+                <a:pPr marL="0" marR="0" lvl="0" indent="0" algn="ctr" defTabSz="914400" rtl="0" eaLnBrk="1" fontAlgn="auto" latinLnBrk="0" hangingPunct="1">
+                  <a:lnSpc>
+                    <a:spcPct val="100000"/>
+                  </a:lnSpc>
+                  <a:spcBef>
+                    <a:spcPts val="0"/>
+                  </a:spcBef>
+                  <a:spcAft>
+                    <a:spcPts val="0"/>
+                  </a:spcAft>
+                  <a:buClrTx/>
+                  <a:buSzTx/>
+                  <a:buFontTx/>
+                  <a:buNone/>
+                  <a:tabLst/>
+                  <a:defRPr/>
+                </a:pPr>
+                <a:endParaRPr kumimoji="0" lang="en-US" sz="1400" b="0" i="0" u="none" strike="noStrike" kern="0" cap="none" spc="0" normalizeH="0" baseline="0" noProof="0" dirty="0">
+                  <a:ln>
+                    <a:noFill/>
+                  </a:ln>
+                  <a:solidFill>
+                    <a:prstClr val="black"/>
+                  </a:solidFill>
+                  <a:effectLst/>
+                  <a:uLnTx/>
+                  <a:uFillTx/>
+                  <a:latin typeface="Calibri" panose="020F0502020204030204"/>
+                  <a:ea typeface="+mn-ea"/>
+                  <a:cs typeface="+mn-cs"/>
+                </a:endParaRPr>
+              </a:p>
+            </p:txBody>
+          </p:sp>
+        </p:grpSp>
+      </p:grpSp>
+      <p:sp>
+        <p:nvSpPr>
+          <p:cNvPr id="49" name="TextBox 48">
+            <a:extLst>
+              <a:ext uri="{FF2B5EF4-FFF2-40B4-BE49-F238E27FC236}">
+                <a16:creationId xmlns:a16="http://schemas.microsoft.com/office/drawing/2014/main" id="{E1DEDE34-0870-4B2A-BB21-4F04D2F63F23}"/>
+              </a:ext>
+            </a:extLst>
+          </p:cNvPr>
+          <p:cNvSpPr txBox="1"/>
+          <p:nvPr/>
+        </p:nvSpPr>
+        <p:spPr>
+          <a:xfrm>
+            <a:off x="9070088" y="968234"/>
+            <a:ext cx="2042556" cy="461665"/>
+          </a:xfrm>
+          <a:prstGeom prst="rect">
+            <a:avLst/>
+          </a:prstGeom>
+          <a:noFill/>
+        </p:spPr>
+        <p:txBody>
+          <a:bodyPr wrap="square" rtlCol="0">
+            <a:spAutoFit/>
+          </a:bodyPr>
+          <a:lstStyle/>
+          <a:p>
+            <a:pPr marL="0" marR="0" lvl="0" indent="0" algn="ctr" defTabSz="914400" rtl="0" eaLnBrk="1" fontAlgn="auto" latinLnBrk="0" hangingPunct="1">
+              <a:lnSpc>
+                <a:spcPct val="100000"/>
+              </a:lnSpc>
+              <a:spcBef>
+                <a:spcPts val="0"/>
+              </a:spcBef>
+              <a:spcAft>
+                <a:spcPts val="0"/>
+              </a:spcAft>
+              <a:buClrTx/>
+              <a:buSzTx/>
+              <a:buFontTx/>
+              <a:buNone/>
+              <a:tabLst/>
+              <a:defRPr/>
+            </a:pPr>
+            <a:r>
+              <a:rPr kumimoji="0" lang="en-US" sz="2400" b="0" i="0" u="none" strike="noStrike" kern="1200" cap="none" spc="0" normalizeH="0" baseline="0" noProof="0" dirty="0">
+                <a:ln>
+                  <a:noFill/>
+                </a:ln>
+                <a:solidFill>
+                  <a:srgbClr val="002A44"/>
+                </a:solidFill>
+                <a:effectLst/>
+                <a:uLnTx/>
+                <a:uFillTx/>
+                <a:latin typeface="Arial" panose="020B0604020202020204"/>
+                <a:ea typeface="+mn-ea"/>
+                <a:cs typeface="+mn-cs"/>
+              </a:rPr>
+              <a:t>Mobile</a:t>
+            </a:r>
+          </a:p>
+        </p:txBody>
+      </p:sp>
+      <p:sp>
+        <p:nvSpPr>
+          <p:cNvPr id="70" name="Rectangle 69">
+            <a:extLst>
+              <a:ext uri="{FF2B5EF4-FFF2-40B4-BE49-F238E27FC236}">
+                <a16:creationId xmlns:a16="http://schemas.microsoft.com/office/drawing/2014/main" id="{A2E33365-4497-4463-9C66-99EAD729DFEE}"/>
+              </a:ext>
+            </a:extLst>
+          </p:cNvPr>
+          <p:cNvSpPr/>
+          <p:nvPr/>
+        </p:nvSpPr>
+        <p:spPr>
+          <a:xfrm>
+            <a:off x="9486622" y="4873735"/>
+            <a:ext cx="2519724" cy="636135"/>
+          </a:xfrm>
+          <a:prstGeom prst="rect">
+            <a:avLst/>
+          </a:prstGeom>
+          <a:solidFill>
+            <a:srgbClr val="FFCD2F"/>
+          </a:solidFill>
+          <a:ln>
+            <a:solidFill>
+              <a:sysClr val="windowText" lastClr="000000"/>
+            </a:solidFill>
+          </a:ln>
+        </p:spPr>
+        <p:txBody>
+          <a:bodyPr rot="0" spcFirstLastPara="0" vertOverflow="overflow" horzOverflow="overflow" vert="horz" wrap="square" lIns="91440" tIns="45720" rIns="91440" bIns="45720" numCol="1" spcCol="0" rtlCol="0" fromWordArt="0" anchor="t" anchorCtr="0" forceAA="0" compatLnSpc="1">
+            <a:prstTxWarp prst="textNoShape">
+              <a:avLst/>
+            </a:prstTxWarp>
+            <a:noAutofit/>
+          </a:bodyPr>
+          <a:lstStyle/>
+          <a:p>
+            <a:pPr marL="0" marR="0" lvl="0" indent="0" algn="r" defTabSz="914400" rtl="0" eaLnBrk="1" fontAlgn="auto" latinLnBrk="0" hangingPunct="1">
+              <a:lnSpc>
+                <a:spcPct val="100000"/>
+              </a:lnSpc>
+              <a:spcBef>
+                <a:spcPts val="0"/>
+              </a:spcBef>
+              <a:spcAft>
+                <a:spcPts val="0"/>
+              </a:spcAft>
+              <a:buClrTx/>
+              <a:buSzTx/>
+              <a:buFontTx/>
+              <a:buNone/>
+              <a:tabLst/>
+              <a:defRPr/>
+            </a:pPr>
+            <a:endParaRPr kumimoji="0" lang="en-US" sz="1400" b="0" i="0" u="none" strike="noStrike" kern="0" cap="none" spc="0" normalizeH="0" baseline="0" noProof="0" dirty="0">
+              <a:ln>
+                <a:noFill/>
+              </a:ln>
+              <a:solidFill>
+                <a:prstClr val="black"/>
+              </a:solidFill>
+              <a:effectLst/>
+              <a:uLnTx/>
+              <a:uFillTx/>
+              <a:latin typeface="Calibri" panose="020F0502020204030204"/>
+              <a:ea typeface="+mn-ea"/>
+              <a:cs typeface="+mn-cs"/>
+            </a:endParaRPr>
+          </a:p>
+        </p:txBody>
+      </p:sp>
+      <p:sp>
+        <p:nvSpPr>
+          <p:cNvPr id="71" name="Rectangle 70">
+            <a:extLst>
+              <a:ext uri="{FF2B5EF4-FFF2-40B4-BE49-F238E27FC236}">
+                <a16:creationId xmlns:a16="http://schemas.microsoft.com/office/drawing/2014/main" id="{272E46B1-DB82-45BB-A398-E9E441F8CE33}"/>
+              </a:ext>
+            </a:extLst>
+          </p:cNvPr>
+          <p:cNvSpPr/>
+          <p:nvPr/>
+        </p:nvSpPr>
+        <p:spPr>
+          <a:xfrm>
+            <a:off x="8224649" y="4873734"/>
+            <a:ext cx="1257072" cy="741869"/>
+          </a:xfrm>
+          <a:prstGeom prst="rect">
+            <a:avLst/>
+          </a:prstGeom>
+          <a:solidFill>
+            <a:schemeClr val="bg1">
+              <a:lumMod val="85000"/>
+            </a:schemeClr>
+          </a:solidFill>
+          <a:ln>
+            <a:solidFill>
+              <a:schemeClr val="tx1"/>
+            </a:solidFill>
+          </a:ln>
+        </p:spPr>
+        <p:txBody>
+          <a:bodyPr rot="0" spcFirstLastPara="0" vertOverflow="overflow" horzOverflow="overflow" vert="horz" wrap="square" lIns="91440" tIns="45720" rIns="91440" bIns="45720" numCol="1" spcCol="0" rtlCol="0" fromWordArt="0" anchor="t" anchorCtr="0" forceAA="0" compatLnSpc="1">
+            <a:prstTxWarp prst="textNoShape">
+              <a:avLst/>
+            </a:prstTxWarp>
+            <a:noAutofit/>
+          </a:bodyPr>
+          <a:lstStyle/>
+          <a:p>
+            <a:pPr marL="0" marR="0" lvl="0" indent="0" algn="ctr" defTabSz="914400" rtl="0" eaLnBrk="1" fontAlgn="auto" latinLnBrk="0" hangingPunct="1">
+              <a:lnSpc>
+                <a:spcPct val="100000"/>
+              </a:lnSpc>
+              <a:spcBef>
+                <a:spcPts val="0"/>
+              </a:spcBef>
+              <a:spcAft>
+                <a:spcPts val="0"/>
+              </a:spcAft>
+              <a:buClrTx/>
+              <a:buSzTx/>
+              <a:buFontTx/>
+              <a:buNone/>
+              <a:tabLst/>
+              <a:defRPr/>
+            </a:pPr>
+            <a:endParaRPr kumimoji="0" lang="en-US" sz="1400" b="0" i="0" u="none" strike="noStrike" kern="0" cap="none" spc="0" normalizeH="0" baseline="0" noProof="0" dirty="0">
+              <a:ln>
+                <a:noFill/>
+              </a:ln>
+              <a:solidFill>
+                <a:prstClr val="black"/>
+              </a:solidFill>
+              <a:effectLst/>
+              <a:uLnTx/>
+              <a:uFillTx/>
+              <a:latin typeface="Calibri" panose="020F0502020204030204"/>
+              <a:ea typeface="+mn-ea"/>
+              <a:cs typeface="+mn-cs"/>
+            </a:endParaRPr>
+          </a:p>
+        </p:txBody>
+      </p:sp>
+      <p:sp>
+        <p:nvSpPr>
+          <p:cNvPr id="72" name="Rectangle 71">
+            <a:extLst>
+              <a:ext uri="{FF2B5EF4-FFF2-40B4-BE49-F238E27FC236}">
+                <a16:creationId xmlns:a16="http://schemas.microsoft.com/office/drawing/2014/main" id="{648E0CED-8C98-4090-AC8B-A7D72EAE6E31}"/>
+              </a:ext>
+            </a:extLst>
+          </p:cNvPr>
+          <p:cNvSpPr/>
+          <p:nvPr/>
+        </p:nvSpPr>
+        <p:spPr>
+          <a:xfrm>
+            <a:off x="8221461" y="5509870"/>
+            <a:ext cx="3784885" cy="307777"/>
+          </a:xfrm>
+          <a:prstGeom prst="rect">
+            <a:avLst/>
+          </a:prstGeom>
+          <a:solidFill>
+            <a:schemeClr val="bg1">
+              <a:lumMod val="65000"/>
+            </a:schemeClr>
+          </a:solidFill>
+          <a:ln>
+            <a:solidFill>
+              <a:sysClr val="windowText" lastClr="000000"/>
+            </a:solidFill>
+          </a:ln>
+        </p:spPr>
+        <p:txBody>
+          <a:bodyPr rot="0" spcFirstLastPara="0" vertOverflow="overflow" horzOverflow="overflow" vert="horz" wrap="square" lIns="91440" tIns="45720" rIns="91440" bIns="45720" numCol="1" spcCol="0" rtlCol="0" fromWordArt="0" anchor="t" anchorCtr="0" forceAA="0" compatLnSpc="1">
+            <a:prstTxWarp prst="textNoShape">
+              <a:avLst/>
+            </a:prstTxWarp>
+            <a:noAutofit/>
+          </a:bodyPr>
+          <a:lstStyle/>
+          <a:p>
+            <a:pPr marL="0" marR="0" lvl="0" indent="0" algn="ctr" defTabSz="914400" rtl="0" eaLnBrk="1" fontAlgn="auto" latinLnBrk="0" hangingPunct="1">
+              <a:lnSpc>
+                <a:spcPct val="100000"/>
+              </a:lnSpc>
+              <a:spcBef>
+                <a:spcPts val="0"/>
+              </a:spcBef>
+              <a:spcAft>
+                <a:spcPts val="0"/>
+              </a:spcAft>
+              <a:buClrTx/>
+              <a:buSzTx/>
+              <a:buFontTx/>
+              <a:buNone/>
+              <a:tabLst/>
+              <a:defRPr/>
+            </a:pPr>
+            <a:endParaRPr kumimoji="0" lang="en-US" sz="1400" b="0" i="0" u="none" strike="noStrike" kern="0" cap="none" spc="0" normalizeH="0" baseline="0" noProof="0" dirty="0">
+              <a:ln>
+                <a:noFill/>
+              </a:ln>
+              <a:solidFill>
+                <a:prstClr val="black"/>
+              </a:solidFill>
+              <a:effectLst/>
+              <a:uLnTx/>
+              <a:uFillTx/>
+              <a:latin typeface="Calibri" panose="020F0502020204030204"/>
+              <a:ea typeface="+mn-ea"/>
+              <a:cs typeface="+mn-cs"/>
+            </a:endParaRPr>
+          </a:p>
+        </p:txBody>
+      </p:sp>
+      <p:sp>
+        <p:nvSpPr>
+          <p:cNvPr id="73" name="Rectangle 72">
+            <a:extLst>
+              <a:ext uri="{FF2B5EF4-FFF2-40B4-BE49-F238E27FC236}">
+                <a16:creationId xmlns:a16="http://schemas.microsoft.com/office/drawing/2014/main" id="{750C2676-78D8-4619-A905-F0440B881A7B}"/>
+              </a:ext>
+            </a:extLst>
+          </p:cNvPr>
+          <p:cNvSpPr/>
+          <p:nvPr/>
+        </p:nvSpPr>
+        <p:spPr>
+          <a:xfrm>
+            <a:off x="8221461" y="4493457"/>
+            <a:ext cx="3784885" cy="373791"/>
+          </a:xfrm>
+          <a:prstGeom prst="rect">
+            <a:avLst/>
+          </a:prstGeom>
+          <a:solidFill>
+            <a:srgbClr val="FFFF99"/>
+          </a:solidFill>
+          <a:ln>
+            <a:solidFill>
+              <a:sysClr val="windowText" lastClr="000000"/>
+            </a:solidFill>
+          </a:ln>
+        </p:spPr>
+        <p:txBody>
+          <a:bodyPr rot="0" spcFirstLastPara="0" vertOverflow="overflow" horzOverflow="overflow" vert="horz" wrap="square" lIns="91440" tIns="45720" rIns="91440" bIns="45720" numCol="1" spcCol="0" rtlCol="0" fromWordArt="0" anchor="t" anchorCtr="0" forceAA="0" compatLnSpc="1">
+            <a:prstTxWarp prst="textNoShape">
+              <a:avLst/>
+            </a:prstTxWarp>
+            <a:noAutofit/>
+          </a:bodyPr>
+          <a:lstStyle/>
+          <a:p>
+            <a:pPr marL="0" marR="0" lvl="0" indent="0" algn="ctr" defTabSz="914400" rtl="0" eaLnBrk="1" fontAlgn="auto" latinLnBrk="0" hangingPunct="1">
+              <a:lnSpc>
+                <a:spcPct val="100000"/>
+              </a:lnSpc>
+              <a:spcBef>
+                <a:spcPts val="0"/>
+              </a:spcBef>
+              <a:spcAft>
+                <a:spcPts val="0"/>
+              </a:spcAft>
+              <a:buClrTx/>
+              <a:buSzTx/>
+              <a:buFontTx/>
+              <a:buNone/>
+              <a:tabLst/>
+              <a:defRPr/>
+            </a:pPr>
+            <a:endParaRPr kumimoji="0" lang="en-US" sz="1400" b="0" i="0" u="none" strike="noStrike" kern="0" cap="none" spc="0" normalizeH="0" baseline="0" noProof="0" dirty="0">
+              <a:ln>
+                <a:noFill/>
+              </a:ln>
+              <a:solidFill>
+                <a:prstClr val="black"/>
+              </a:solidFill>
+              <a:effectLst/>
+              <a:uLnTx/>
+              <a:uFillTx/>
+              <a:latin typeface="Calibri" panose="020F0502020204030204"/>
+              <a:ea typeface="+mn-ea"/>
+              <a:cs typeface="+mn-cs"/>
+            </a:endParaRPr>
+          </a:p>
+        </p:txBody>
+      </p:sp>
+      <p:sp>
+        <p:nvSpPr>
+          <p:cNvPr id="74" name="Rectangle 73">
+            <a:extLst>
+              <a:ext uri="{FF2B5EF4-FFF2-40B4-BE49-F238E27FC236}">
+                <a16:creationId xmlns:a16="http://schemas.microsoft.com/office/drawing/2014/main" id="{72FD23C8-77F8-43A9-BACA-1B7409465FBF}"/>
+              </a:ext>
+            </a:extLst>
+          </p:cNvPr>
+          <p:cNvSpPr/>
+          <p:nvPr/>
+        </p:nvSpPr>
+        <p:spPr>
+          <a:xfrm>
+            <a:off x="9565706" y="4546481"/>
+            <a:ext cx="1100379" cy="881621"/>
+          </a:xfrm>
+          <a:prstGeom prst="rect">
+            <a:avLst/>
+          </a:prstGeom>
+          <a:solidFill>
+            <a:srgbClr val="FFCCFF"/>
+          </a:solidFill>
+          <a:ln>
+            <a:solidFill>
+              <a:sysClr val="windowText" lastClr="000000"/>
+            </a:solidFill>
+          </a:ln>
+        </p:spPr>
+        <p:txBody>
+          <a:bodyPr rot="0" spcFirstLastPara="0" vertOverflow="overflow" horzOverflow="overflow" vert="horz" wrap="square" lIns="91440" tIns="45720" rIns="91440" bIns="45720" numCol="1" spcCol="0" rtlCol="0" fromWordArt="0" anchor="ctr" anchorCtr="1" forceAA="0" compatLnSpc="1">
+            <a:prstTxWarp prst="textNoShape">
+              <a:avLst/>
+            </a:prstTxWarp>
+            <a:noAutofit/>
+          </a:bodyPr>
+          <a:lstStyle/>
+          <a:p>
+            <a:pPr marL="0" marR="0" lvl="0" indent="0" algn="ctr" defTabSz="914400" rtl="0" eaLnBrk="1" fontAlgn="auto" latinLnBrk="0" hangingPunct="1">
+              <a:lnSpc>
+                <a:spcPct val="100000"/>
+              </a:lnSpc>
+              <a:spcBef>
+                <a:spcPts val="0"/>
+              </a:spcBef>
+              <a:spcAft>
+                <a:spcPts val="0"/>
+              </a:spcAft>
+              <a:buClrTx/>
+              <a:buSzTx/>
+              <a:buFontTx/>
+              <a:buNone/>
+              <a:tabLst/>
+              <a:defRPr/>
+            </a:pPr>
+            <a:r>
+              <a:rPr kumimoji="0" lang="en-US" sz="1600" b="0" i="0" u="none" strike="noStrike" kern="0" cap="none" spc="0" normalizeH="0" baseline="0" noProof="0" dirty="0">
+                <a:ln>
+                  <a:noFill/>
+                </a:ln>
+                <a:solidFill>
+                  <a:prstClr val="black"/>
+                </a:solidFill>
+                <a:effectLst/>
+                <a:uLnTx/>
+                <a:uFillTx/>
+                <a:latin typeface="Calibri" panose="020F0502020204030204"/>
+                <a:ea typeface="+mn-ea"/>
+                <a:cs typeface="+mn-cs"/>
+              </a:rPr>
+              <a:t>Mobile</a:t>
+            </a:r>
+          </a:p>
+          <a:p>
+            <a:pPr marL="0" marR="0" lvl="0" indent="0" algn="ctr" defTabSz="914400" rtl="0" eaLnBrk="1" fontAlgn="auto" latinLnBrk="0" hangingPunct="1">
+              <a:lnSpc>
+                <a:spcPct val="100000"/>
+              </a:lnSpc>
+              <a:spcBef>
+                <a:spcPts val="0"/>
+              </a:spcBef>
+              <a:spcAft>
+                <a:spcPts val="0"/>
+              </a:spcAft>
+              <a:buClrTx/>
+              <a:buSzTx/>
+              <a:buFontTx/>
+              <a:buNone/>
+              <a:tabLst/>
+              <a:defRPr/>
+            </a:pPr>
+            <a:r>
+              <a:rPr lang="en-US" sz="1600" kern="0" dirty="0">
+                <a:solidFill>
+                  <a:prstClr val="black"/>
+                </a:solidFill>
+                <a:latin typeface="Calibri" panose="020F0502020204030204"/>
+              </a:rPr>
+              <a:t>RPC</a:t>
+            </a:r>
+          </a:p>
+          <a:p>
+            <a:pPr marL="0" marR="0" lvl="0" indent="0" algn="ctr" defTabSz="914400" rtl="0" eaLnBrk="1" fontAlgn="auto" latinLnBrk="0" hangingPunct="1">
+              <a:lnSpc>
+                <a:spcPct val="100000"/>
+              </a:lnSpc>
+              <a:spcBef>
+                <a:spcPts val="0"/>
+              </a:spcBef>
+              <a:spcAft>
+                <a:spcPts val="0"/>
+              </a:spcAft>
+              <a:buClrTx/>
+              <a:buSzTx/>
+              <a:buFontTx/>
+              <a:buNone/>
+              <a:tabLst/>
+              <a:defRPr/>
+            </a:pPr>
+            <a:r>
+              <a:rPr kumimoji="0" lang="en-US" sz="1600" b="0" i="0" u="none" strike="noStrike" kern="0" cap="none" spc="0" normalizeH="0" baseline="0" noProof="0" dirty="0">
+                <a:ln>
+                  <a:noFill/>
+                </a:ln>
+                <a:solidFill>
+                  <a:prstClr val="black"/>
+                </a:solidFill>
+                <a:effectLst/>
+                <a:uLnTx/>
+                <a:uFillTx/>
+                <a:latin typeface="Calibri" panose="020F0502020204030204"/>
+                <a:ea typeface="+mn-ea"/>
+                <a:cs typeface="+mn-cs"/>
+              </a:rPr>
+              <a:t>Manager</a:t>
+            </a:r>
+            <a:endParaRPr kumimoji="0" lang="en-US" sz="1400" b="0" i="0" u="none" strike="noStrike" kern="0" cap="none" spc="0" normalizeH="0" baseline="0" noProof="0" dirty="0">
+              <a:ln>
+                <a:noFill/>
+              </a:ln>
+              <a:solidFill>
+                <a:prstClr val="black"/>
+              </a:solidFill>
+              <a:effectLst/>
+              <a:uLnTx/>
+              <a:uFillTx/>
+              <a:latin typeface="Calibri" panose="020F0502020204030204"/>
+              <a:ea typeface="+mn-ea"/>
+              <a:cs typeface="+mn-cs"/>
+            </a:endParaRPr>
+          </a:p>
+        </p:txBody>
+      </p:sp>
+      <p:sp>
+        <p:nvSpPr>
+          <p:cNvPr id="58" name="Rectangle 57">
+            <a:extLst>
+              <a:ext uri="{FF2B5EF4-FFF2-40B4-BE49-F238E27FC236}">
+                <a16:creationId xmlns:a16="http://schemas.microsoft.com/office/drawing/2014/main" id="{E7A7D16C-5EF1-493A-9711-351639D524C3}"/>
+              </a:ext>
+            </a:extLst>
+          </p:cNvPr>
+          <p:cNvSpPr/>
+          <p:nvPr/>
+        </p:nvSpPr>
+        <p:spPr>
+          <a:xfrm>
+            <a:off x="4121806" y="1429898"/>
+            <a:ext cx="3948387" cy="4491761"/>
+          </a:xfrm>
+          <a:prstGeom prst="rect">
+            <a:avLst/>
+          </a:prstGeom>
+          <a:solidFill>
+            <a:schemeClr val="bg1">
+              <a:lumMod val="95000"/>
+            </a:schemeClr>
+          </a:solidFill>
+          <a:ln>
+            <a:solidFill>
+              <a:schemeClr val="tx2">
+                <a:lumMod val="50000"/>
+                <a:lumOff val="50000"/>
+              </a:schemeClr>
+            </a:solidFill>
+            <a:prstDash val="dash"/>
+          </a:ln>
+        </p:spPr>
+        <p:style>
+          <a:lnRef idx="2">
+            <a:schemeClr val="accent1">
+              <a:shade val="50000"/>
+            </a:schemeClr>
+          </a:lnRef>
+          <a:fillRef idx="1">
+            <a:schemeClr val="accent1"/>
+          </a:fillRef>
+          <a:effectRef idx="0">
+            <a:schemeClr val="accent1"/>
+          </a:effectRef>
+          <a:fontRef idx="minor">
+            <a:schemeClr val="lt1"/>
+          </a:fontRef>
+        </p:style>
+        <p:txBody>
+          <a:bodyPr rtlCol="0" anchor="ctr"/>
+          <a:lstStyle/>
+          <a:p>
+            <a:pPr marL="0" marR="0" lvl="0" indent="0" algn="ctr" defTabSz="914400" rtl="0" eaLnBrk="1" fontAlgn="auto" latinLnBrk="0" hangingPunct="1">
+              <a:lnSpc>
+                <a:spcPct val="100000"/>
+              </a:lnSpc>
+              <a:spcBef>
+                <a:spcPts val="0"/>
+              </a:spcBef>
+              <a:spcAft>
+                <a:spcPts val="0"/>
+              </a:spcAft>
+              <a:buClrTx/>
+              <a:buSzTx/>
+              <a:buFontTx/>
+              <a:buNone/>
+              <a:tabLst/>
+              <a:defRPr/>
+            </a:pPr>
+            <a:endParaRPr kumimoji="0" lang="en-US" sz="1800" b="0" i="0" u="none" strike="noStrike" kern="1200" cap="none" spc="0" normalizeH="0" baseline="0" noProof="0">
+              <a:ln>
+                <a:noFill/>
+              </a:ln>
+              <a:solidFill>
+                <a:srgbClr val="FFFFFF"/>
+              </a:solidFill>
+              <a:effectLst/>
+              <a:uLnTx/>
+              <a:uFillTx/>
+              <a:latin typeface="Arial" panose="020B0604020202020204"/>
+              <a:ea typeface="+mn-ea"/>
+              <a:cs typeface="+mn-cs"/>
+            </a:endParaRPr>
+          </a:p>
+        </p:txBody>
+      </p:sp>
+      <p:grpSp>
+        <p:nvGrpSpPr>
+          <p:cNvPr id="33" name="Group 32">
+            <a:extLst>
+              <a:ext uri="{FF2B5EF4-FFF2-40B4-BE49-F238E27FC236}">
+                <a16:creationId xmlns:a16="http://schemas.microsoft.com/office/drawing/2014/main" id="{8F645A33-D4D2-45FE-A1DD-8932974F4E94}"/>
+              </a:ext>
+            </a:extLst>
+          </p:cNvPr>
+          <p:cNvGrpSpPr/>
+          <p:nvPr/>
+        </p:nvGrpSpPr>
+        <p:grpSpPr>
+          <a:xfrm>
+            <a:off x="4208014" y="1542670"/>
+            <a:ext cx="3800920" cy="2114403"/>
+            <a:chOff x="1948069" y="1109868"/>
+            <a:chExt cx="4271020" cy="2375913"/>
+          </a:xfrm>
+        </p:grpSpPr>
+        <p:sp>
+          <p:nvSpPr>
+            <p:cNvPr id="34" name="Rectangle 33">
+              <a:extLst>
+                <a:ext uri="{FF2B5EF4-FFF2-40B4-BE49-F238E27FC236}">
+                  <a16:creationId xmlns:a16="http://schemas.microsoft.com/office/drawing/2014/main" id="{22DA31E2-8533-4B7E-8642-BC65DF6AC46A}"/>
+                </a:ext>
+              </a:extLst>
+            </p:cNvPr>
+            <p:cNvSpPr/>
+            <p:nvPr/>
+          </p:nvSpPr>
+          <p:spPr>
+            <a:xfrm>
+              <a:off x="3630125" y="2801426"/>
+              <a:ext cx="2588963" cy="345843"/>
+            </a:xfrm>
+            <a:prstGeom prst="rect">
+              <a:avLst/>
+            </a:prstGeom>
+            <a:solidFill>
+              <a:schemeClr val="accent3">
+                <a:lumMod val="20000"/>
+                <a:lumOff val="80000"/>
+              </a:schemeClr>
+            </a:solidFill>
+            <a:ln>
+              <a:solidFill>
+                <a:schemeClr val="tx1"/>
+              </a:solidFill>
+            </a:ln>
+          </p:spPr>
+          <p:txBody>
+            <a:bodyPr rot="0" spcFirstLastPara="0" vertOverflow="overflow" horzOverflow="overflow" vert="horz" wrap="square" lIns="91440" tIns="45720" rIns="91440" bIns="45720" numCol="1" spcCol="0" rtlCol="0" fromWordArt="0" anchor="t" anchorCtr="0" forceAA="0" compatLnSpc="1">
+              <a:prstTxWarp prst="textNoShape">
+                <a:avLst/>
+              </a:prstTxWarp>
+              <a:spAutoFit/>
+            </a:bodyPr>
+            <a:lstStyle/>
+            <a:p>
+              <a:pPr marL="0" marR="0" lvl="0" indent="0" algn="ctr" defTabSz="914400" rtl="0" eaLnBrk="1" fontAlgn="auto" latinLnBrk="0" hangingPunct="1">
+                <a:lnSpc>
+                  <a:spcPct val="100000"/>
+                </a:lnSpc>
+                <a:spcBef>
+                  <a:spcPts val="0"/>
+                </a:spcBef>
+                <a:spcAft>
+                  <a:spcPts val="0"/>
+                </a:spcAft>
+                <a:buClrTx/>
+                <a:buSzTx/>
+                <a:buFontTx/>
+                <a:buNone/>
+                <a:tabLst/>
+                <a:defRPr/>
+              </a:pPr>
+              <a:endParaRPr kumimoji="0" lang="en-US" sz="1400" b="0" i="0" u="none" strike="noStrike" kern="0" cap="none" spc="0" normalizeH="0" baseline="0" noProof="0" dirty="0">
+                <a:ln>
+                  <a:noFill/>
+                </a:ln>
+                <a:solidFill>
+                  <a:prstClr val="black"/>
+                </a:solidFill>
+                <a:effectLst/>
+                <a:uLnTx/>
+                <a:uFillTx/>
+                <a:latin typeface="Calibri" panose="020F0502020204030204"/>
+                <a:ea typeface="+mn-ea"/>
+                <a:cs typeface="+mn-cs"/>
+              </a:endParaRPr>
+            </a:p>
+          </p:txBody>
+        </p:sp>
+        <p:sp>
+          <p:nvSpPr>
+            <p:cNvPr id="35" name="Rectangle 34">
+              <a:extLst>
+                <a:ext uri="{FF2B5EF4-FFF2-40B4-BE49-F238E27FC236}">
+                  <a16:creationId xmlns:a16="http://schemas.microsoft.com/office/drawing/2014/main" id="{75865540-67C7-44FC-857F-4EC85429E2E3}"/>
+                </a:ext>
+              </a:extLst>
+            </p:cNvPr>
+            <p:cNvSpPr/>
+            <p:nvPr/>
+          </p:nvSpPr>
+          <p:spPr>
+            <a:xfrm>
+              <a:off x="3630005" y="2463865"/>
+              <a:ext cx="2588962" cy="345843"/>
+            </a:xfrm>
+            <a:prstGeom prst="rect">
+              <a:avLst/>
+            </a:prstGeom>
+            <a:solidFill>
+              <a:schemeClr val="accent3">
+                <a:lumMod val="20000"/>
+                <a:lumOff val="80000"/>
+              </a:schemeClr>
+            </a:solidFill>
+            <a:ln>
+              <a:solidFill>
+                <a:schemeClr val="tx1"/>
+              </a:solidFill>
+            </a:ln>
+          </p:spPr>
+          <p:txBody>
+            <a:bodyPr rot="0" spcFirstLastPara="0" vertOverflow="overflow" horzOverflow="overflow" vert="horz" wrap="square" lIns="91440" tIns="45720" rIns="91440" bIns="45720" numCol="1" spcCol="0" rtlCol="0" fromWordArt="0" anchor="t" anchorCtr="0" forceAA="0" compatLnSpc="1">
+              <a:prstTxWarp prst="textNoShape">
+                <a:avLst/>
+              </a:prstTxWarp>
+              <a:spAutoFit/>
+            </a:bodyPr>
+            <a:lstStyle/>
+            <a:p>
+              <a:pPr marL="0" marR="0" lvl="0" indent="0" algn="ctr" defTabSz="914400" rtl="0" eaLnBrk="1" fontAlgn="auto" latinLnBrk="0" hangingPunct="1">
+                <a:lnSpc>
+                  <a:spcPct val="100000"/>
+                </a:lnSpc>
+                <a:spcBef>
+                  <a:spcPts val="0"/>
+                </a:spcBef>
+                <a:spcAft>
+                  <a:spcPts val="0"/>
+                </a:spcAft>
+                <a:buClrTx/>
+                <a:buSzTx/>
+                <a:buFontTx/>
+                <a:buNone/>
+                <a:tabLst/>
+                <a:defRPr/>
+              </a:pPr>
+              <a:endParaRPr kumimoji="0" lang="en-US" sz="1400" b="0" i="0" u="none" strike="noStrike" kern="0" cap="none" spc="0" normalizeH="0" baseline="0" noProof="0" dirty="0">
+                <a:ln>
+                  <a:noFill/>
+                </a:ln>
+                <a:solidFill>
+                  <a:prstClr val="black"/>
+                </a:solidFill>
+                <a:effectLst/>
+                <a:uLnTx/>
+                <a:uFillTx/>
+                <a:latin typeface="Calibri" panose="020F0502020204030204"/>
+                <a:ea typeface="+mn-ea"/>
+                <a:cs typeface="+mn-cs"/>
+              </a:endParaRPr>
+            </a:p>
+          </p:txBody>
+        </p:sp>
+        <p:sp>
+          <p:nvSpPr>
+            <p:cNvPr id="36" name="Rectangle 35">
+              <a:extLst>
+                <a:ext uri="{FF2B5EF4-FFF2-40B4-BE49-F238E27FC236}">
+                  <a16:creationId xmlns:a16="http://schemas.microsoft.com/office/drawing/2014/main" id="{D1FF9A60-4A07-4429-9BBC-E848D77DB12A}"/>
+                </a:ext>
+              </a:extLst>
+            </p:cNvPr>
+            <p:cNvSpPr/>
+            <p:nvPr/>
+          </p:nvSpPr>
+          <p:spPr>
+            <a:xfrm>
+              <a:off x="3629884" y="2125332"/>
+              <a:ext cx="2588962" cy="345843"/>
+            </a:xfrm>
+            <a:prstGeom prst="rect">
+              <a:avLst/>
+            </a:prstGeom>
+            <a:solidFill>
+              <a:schemeClr val="accent3">
+                <a:lumMod val="20000"/>
+                <a:lumOff val="80000"/>
+              </a:schemeClr>
+            </a:solidFill>
+            <a:ln>
+              <a:solidFill>
+                <a:schemeClr val="tx1"/>
+              </a:solidFill>
+            </a:ln>
+          </p:spPr>
+          <p:txBody>
+            <a:bodyPr rot="0" spcFirstLastPara="0" vertOverflow="overflow" horzOverflow="overflow" vert="horz" wrap="square" lIns="91440" tIns="45720" rIns="91440" bIns="45720" numCol="1" spcCol="0" rtlCol="0" fromWordArt="0" anchor="t" anchorCtr="0" forceAA="0" compatLnSpc="1">
+              <a:prstTxWarp prst="textNoShape">
+                <a:avLst/>
+              </a:prstTxWarp>
+              <a:spAutoFit/>
+            </a:bodyPr>
+            <a:lstStyle/>
+            <a:p>
+              <a:pPr marL="0" marR="0" lvl="0" indent="0" algn="ctr" defTabSz="914400" rtl="0" eaLnBrk="1" fontAlgn="auto" latinLnBrk="0" hangingPunct="1">
+                <a:lnSpc>
+                  <a:spcPct val="100000"/>
+                </a:lnSpc>
+                <a:spcBef>
+                  <a:spcPts val="0"/>
+                </a:spcBef>
+                <a:spcAft>
+                  <a:spcPts val="0"/>
+                </a:spcAft>
+                <a:buClrTx/>
+                <a:buSzTx/>
+                <a:buFontTx/>
+                <a:buNone/>
+                <a:tabLst/>
+                <a:defRPr/>
+              </a:pPr>
+              <a:endParaRPr kumimoji="0" lang="en-US" sz="1400" b="0" i="0" u="none" strike="noStrike" kern="0" cap="none" spc="0" normalizeH="0" baseline="0" noProof="0" dirty="0">
+                <a:ln>
+                  <a:noFill/>
+                </a:ln>
+                <a:solidFill>
+                  <a:prstClr val="black"/>
+                </a:solidFill>
+                <a:effectLst/>
+                <a:uLnTx/>
+                <a:uFillTx/>
+                <a:latin typeface="Calibri" panose="020F0502020204030204"/>
+                <a:ea typeface="+mn-ea"/>
+                <a:cs typeface="+mn-cs"/>
+              </a:endParaRPr>
+            </a:p>
+          </p:txBody>
+        </p:sp>
+        <p:sp>
+          <p:nvSpPr>
+            <p:cNvPr id="37" name="Rectangle 36">
+              <a:extLst>
+                <a:ext uri="{FF2B5EF4-FFF2-40B4-BE49-F238E27FC236}">
+                  <a16:creationId xmlns:a16="http://schemas.microsoft.com/office/drawing/2014/main" id="{89580148-157A-4761-9DB6-F409EE484783}"/>
+                </a:ext>
+              </a:extLst>
+            </p:cNvPr>
+            <p:cNvSpPr/>
+            <p:nvPr/>
+          </p:nvSpPr>
+          <p:spPr>
+            <a:xfrm>
+              <a:off x="2400523" y="1448884"/>
+              <a:ext cx="3818082" cy="345843"/>
+            </a:xfrm>
+            <a:prstGeom prst="rect">
+              <a:avLst/>
+            </a:prstGeom>
+            <a:solidFill>
+              <a:srgbClr val="FFCD2F"/>
+            </a:solidFill>
+            <a:ln>
+              <a:solidFill>
+                <a:schemeClr val="tx1"/>
+              </a:solidFill>
+            </a:ln>
+          </p:spPr>
+          <p:txBody>
+            <a:bodyPr rot="0" spcFirstLastPara="0" vertOverflow="overflow" horzOverflow="overflow" vert="horz" wrap="square" lIns="91440" tIns="45720" rIns="91440" bIns="45720" numCol="1" spcCol="0" rtlCol="0" fromWordArt="0" anchor="t" anchorCtr="0" forceAA="0" compatLnSpc="1">
+              <a:prstTxWarp prst="textNoShape">
+                <a:avLst/>
+              </a:prstTxWarp>
+              <a:spAutoFit/>
+            </a:bodyPr>
+            <a:lstStyle/>
+            <a:p>
+              <a:pPr marL="0" marR="0" lvl="0" indent="0" algn="ctr" defTabSz="914400" rtl="0" eaLnBrk="1" fontAlgn="auto" latinLnBrk="0" hangingPunct="1">
+                <a:lnSpc>
+                  <a:spcPct val="100000"/>
+                </a:lnSpc>
+                <a:spcBef>
+                  <a:spcPts val="0"/>
+                </a:spcBef>
+                <a:spcAft>
+                  <a:spcPts val="0"/>
+                </a:spcAft>
+                <a:buClrTx/>
+                <a:buSzTx/>
+                <a:buFontTx/>
+                <a:buNone/>
+                <a:tabLst/>
+                <a:defRPr/>
+              </a:pPr>
+              <a:endParaRPr kumimoji="0" lang="en-US" sz="1400" b="0" i="0" u="none" strike="noStrike" kern="0" cap="none" spc="0" normalizeH="0" baseline="0" noProof="0" dirty="0">
+                <a:ln>
+                  <a:noFill/>
+                </a:ln>
+                <a:solidFill>
+                  <a:prstClr val="black"/>
+                </a:solidFill>
+                <a:effectLst/>
+                <a:uLnTx/>
+                <a:uFillTx/>
+                <a:latin typeface="Calibri" panose="020F0502020204030204"/>
+                <a:ea typeface="+mn-ea"/>
+                <a:cs typeface="+mn-cs"/>
+              </a:endParaRPr>
+            </a:p>
+          </p:txBody>
+        </p:sp>
+        <p:sp>
+          <p:nvSpPr>
+            <p:cNvPr id="38" name="Rectangle 37">
+              <a:extLst>
+                <a:ext uri="{FF2B5EF4-FFF2-40B4-BE49-F238E27FC236}">
+                  <a16:creationId xmlns:a16="http://schemas.microsoft.com/office/drawing/2014/main" id="{E49D0661-C69A-40D6-BE1C-92890060B4BB}"/>
+                </a:ext>
+              </a:extLst>
+            </p:cNvPr>
+            <p:cNvSpPr/>
+            <p:nvPr/>
+          </p:nvSpPr>
+          <p:spPr>
+            <a:xfrm>
+              <a:off x="2400280" y="1109868"/>
+              <a:ext cx="3818082" cy="345843"/>
+            </a:xfrm>
+            <a:prstGeom prst="rect">
+              <a:avLst/>
+            </a:prstGeom>
+            <a:solidFill>
+              <a:srgbClr val="FFFF99"/>
+            </a:solidFill>
+            <a:ln>
+              <a:solidFill>
+                <a:schemeClr val="tx1"/>
+              </a:solidFill>
+            </a:ln>
+          </p:spPr>
+          <p:txBody>
+            <a:bodyPr rot="0" spcFirstLastPara="0" vertOverflow="overflow" horzOverflow="overflow" vert="horz" wrap="square" lIns="91440" tIns="45720" rIns="91440" bIns="45720" numCol="1" spcCol="0" rtlCol="0" fromWordArt="0" anchor="t" anchorCtr="0" forceAA="0" compatLnSpc="1">
+              <a:prstTxWarp prst="textNoShape">
+                <a:avLst/>
+              </a:prstTxWarp>
+              <a:spAutoFit/>
+            </a:bodyPr>
+            <a:lstStyle/>
+            <a:p>
+              <a:pPr marL="0" marR="0" lvl="0" indent="0" algn="ctr" defTabSz="914400" rtl="0" eaLnBrk="1" fontAlgn="auto" latinLnBrk="0" hangingPunct="1">
+                <a:lnSpc>
+                  <a:spcPct val="100000"/>
+                </a:lnSpc>
+                <a:spcBef>
+                  <a:spcPts val="0"/>
+                </a:spcBef>
+                <a:spcAft>
+                  <a:spcPts val="0"/>
+                </a:spcAft>
+                <a:buClrTx/>
+                <a:buSzTx/>
+                <a:buFontTx/>
+                <a:buNone/>
+                <a:tabLst/>
+                <a:defRPr/>
+              </a:pPr>
+              <a:endParaRPr kumimoji="0" lang="en-US" sz="1400" b="0" i="0" u="none" strike="noStrike" kern="0" cap="none" spc="0" normalizeH="0" baseline="0" noProof="0" dirty="0">
+                <a:ln>
+                  <a:noFill/>
+                </a:ln>
+                <a:solidFill>
+                  <a:prstClr val="black"/>
+                </a:solidFill>
+                <a:effectLst/>
+                <a:uLnTx/>
+                <a:uFillTx/>
+                <a:latin typeface="Calibri" panose="020F0502020204030204"/>
+                <a:ea typeface="+mn-ea"/>
+                <a:cs typeface="+mn-cs"/>
+              </a:endParaRPr>
+            </a:p>
+          </p:txBody>
+        </p:sp>
+        <p:sp>
+          <p:nvSpPr>
+            <p:cNvPr id="39" name="Rectangle 38">
+              <a:extLst>
+                <a:ext uri="{FF2B5EF4-FFF2-40B4-BE49-F238E27FC236}">
+                  <a16:creationId xmlns:a16="http://schemas.microsoft.com/office/drawing/2014/main" id="{F60AC907-6312-4A65-9B38-6AB46BB385CB}"/>
+                </a:ext>
+              </a:extLst>
+            </p:cNvPr>
+            <p:cNvSpPr/>
+            <p:nvPr/>
+          </p:nvSpPr>
+          <p:spPr>
+            <a:xfrm>
+              <a:off x="3446707" y="1785274"/>
+              <a:ext cx="186741" cy="1693218"/>
+            </a:xfrm>
+            <a:prstGeom prst="rect">
+              <a:avLst/>
+            </a:prstGeom>
+            <a:solidFill>
+              <a:schemeClr val="tx1"/>
+            </a:solidFill>
+            <a:ln>
+              <a:solidFill>
+                <a:schemeClr val="tx1"/>
+              </a:solidFill>
+            </a:ln>
+          </p:spPr>
+          <p:style>
+            <a:lnRef idx="2">
+              <a:schemeClr val="accent1">
+                <a:shade val="50000"/>
+              </a:schemeClr>
+            </a:lnRef>
+            <a:fillRef idx="1">
+              <a:schemeClr val="accent1"/>
+            </a:fillRef>
+            <a:effectRef idx="0">
+              <a:schemeClr val="accent1"/>
+            </a:effectRef>
+            <a:fontRef idx="minor">
+              <a:schemeClr val="lt1"/>
+            </a:fontRef>
+          </p:style>
+          <p:txBody>
+            <a:bodyPr rtlCol="0" anchor="ctr"/>
+            <a:lstStyle/>
+            <a:p>
+              <a:pPr marL="0" marR="0" lvl="0" indent="0" algn="ctr" defTabSz="914400" rtl="0" eaLnBrk="1" fontAlgn="auto" latinLnBrk="0" hangingPunct="1">
+                <a:lnSpc>
+                  <a:spcPct val="100000"/>
+                </a:lnSpc>
+                <a:spcBef>
+                  <a:spcPts val="0"/>
+                </a:spcBef>
+                <a:spcAft>
+                  <a:spcPts val="0"/>
+                </a:spcAft>
+                <a:buClrTx/>
+                <a:buSzTx/>
+                <a:buFontTx/>
+                <a:buNone/>
+                <a:tabLst/>
+                <a:defRPr/>
+              </a:pPr>
+              <a:endParaRPr kumimoji="0" lang="en-US" sz="1600" b="0" i="0" u="none" strike="noStrike" kern="1200" cap="none" spc="0" normalizeH="0" baseline="0" noProof="0">
+                <a:ln>
+                  <a:noFill/>
+                </a:ln>
+                <a:solidFill>
+                  <a:srgbClr val="FFFFFF"/>
+                </a:solidFill>
+                <a:effectLst/>
+                <a:uLnTx/>
+                <a:uFillTx/>
+                <a:latin typeface="Arial" panose="020B0604020202020204"/>
+                <a:ea typeface="+mn-ea"/>
+                <a:cs typeface="+mn-cs"/>
+              </a:endParaRPr>
+            </a:p>
+          </p:txBody>
+        </p:sp>
+        <p:sp>
+          <p:nvSpPr>
+            <p:cNvPr id="40" name="Rectangle 39">
+              <a:extLst>
+                <a:ext uri="{FF2B5EF4-FFF2-40B4-BE49-F238E27FC236}">
+                  <a16:creationId xmlns:a16="http://schemas.microsoft.com/office/drawing/2014/main" id="{0C26CEB9-B61F-41FB-BDB5-A0967ED55F78}"/>
+                </a:ext>
+              </a:extLst>
+            </p:cNvPr>
+            <p:cNvSpPr/>
+            <p:nvPr/>
+          </p:nvSpPr>
+          <p:spPr>
+            <a:xfrm>
+              <a:off x="1975814" y="1110818"/>
+              <a:ext cx="424222" cy="345843"/>
+            </a:xfrm>
+            <a:prstGeom prst="rect">
+              <a:avLst/>
+            </a:prstGeom>
+            <a:solidFill>
+              <a:srgbClr val="FFFF99"/>
+            </a:solidFill>
+            <a:ln>
+              <a:solidFill>
+                <a:schemeClr val="tx1"/>
+              </a:solidFill>
+            </a:ln>
+          </p:spPr>
+          <p:txBody>
+            <a:bodyPr rot="0" spcFirstLastPara="0" vertOverflow="overflow" horzOverflow="overflow" vert="horz" wrap="square" lIns="91440" tIns="45720" rIns="91440" bIns="45720" numCol="1" spcCol="0" rtlCol="0" fromWordArt="0" anchor="t" anchorCtr="0" forceAA="0" compatLnSpc="1">
+              <a:prstTxWarp prst="textNoShape">
+                <a:avLst/>
+              </a:prstTxWarp>
+              <a:spAutoFit/>
+            </a:bodyPr>
+            <a:lstStyle/>
+            <a:p>
+              <a:pPr marL="0" marR="0" lvl="0" indent="0" algn="ctr" defTabSz="914400" rtl="0" eaLnBrk="1" fontAlgn="auto" latinLnBrk="0" hangingPunct="1">
+                <a:lnSpc>
+                  <a:spcPct val="100000"/>
+                </a:lnSpc>
+                <a:spcBef>
+                  <a:spcPts val="0"/>
+                </a:spcBef>
+                <a:spcAft>
+                  <a:spcPts val="0"/>
+                </a:spcAft>
+                <a:buClrTx/>
+                <a:buSzTx/>
+                <a:buFontTx/>
+                <a:buNone/>
+                <a:tabLst/>
+                <a:defRPr/>
+              </a:pPr>
+              <a:endParaRPr kumimoji="0" lang="en-US" sz="1400" b="0" i="0" u="none" strike="noStrike" kern="0" cap="none" spc="0" normalizeH="0" baseline="0" noProof="0" dirty="0">
+                <a:ln>
+                  <a:noFill/>
+                </a:ln>
+                <a:solidFill>
+                  <a:prstClr val="black"/>
+                </a:solidFill>
+                <a:effectLst/>
+                <a:uLnTx/>
+                <a:uFillTx/>
+                <a:latin typeface="Calibri" panose="020F0502020204030204"/>
+                <a:ea typeface="+mn-ea"/>
+                <a:cs typeface="+mn-cs"/>
+              </a:endParaRPr>
+            </a:p>
+          </p:txBody>
+        </p:sp>
+        <p:sp>
+          <p:nvSpPr>
+            <p:cNvPr id="41" name="Rectangle 40">
+              <a:extLst>
+                <a:ext uri="{FF2B5EF4-FFF2-40B4-BE49-F238E27FC236}">
+                  <a16:creationId xmlns:a16="http://schemas.microsoft.com/office/drawing/2014/main" id="{D70BBB31-358A-4F59-BC00-43518BB8CF71}"/>
+                </a:ext>
+              </a:extLst>
+            </p:cNvPr>
+            <p:cNvSpPr/>
+            <p:nvPr/>
+          </p:nvSpPr>
+          <p:spPr>
+            <a:xfrm>
+              <a:off x="1974715" y="1447670"/>
+              <a:ext cx="425321" cy="345843"/>
+            </a:xfrm>
+            <a:prstGeom prst="rect">
+              <a:avLst/>
+            </a:prstGeom>
+            <a:solidFill>
+              <a:srgbClr val="FFCD2F"/>
+            </a:solidFill>
+            <a:ln>
+              <a:solidFill>
+                <a:schemeClr val="tx1"/>
+              </a:solidFill>
+            </a:ln>
+          </p:spPr>
+          <p:txBody>
+            <a:bodyPr rot="0" spcFirstLastPara="0" vertOverflow="overflow" horzOverflow="overflow" vert="horz" wrap="square" lIns="91440" tIns="45720" rIns="91440" bIns="45720" numCol="1" spcCol="0" rtlCol="0" fromWordArt="0" anchor="t" anchorCtr="0" forceAA="0" compatLnSpc="1">
+              <a:prstTxWarp prst="textNoShape">
+                <a:avLst/>
+              </a:prstTxWarp>
+              <a:spAutoFit/>
+            </a:bodyPr>
+            <a:lstStyle/>
+            <a:p>
+              <a:pPr marL="0" marR="0" lvl="0" indent="0" algn="ctr" defTabSz="914400" rtl="0" eaLnBrk="1" fontAlgn="auto" latinLnBrk="0" hangingPunct="1">
+                <a:lnSpc>
+                  <a:spcPct val="100000"/>
+                </a:lnSpc>
+                <a:spcBef>
+                  <a:spcPts val="0"/>
+                </a:spcBef>
+                <a:spcAft>
+                  <a:spcPts val="0"/>
+                </a:spcAft>
+                <a:buClrTx/>
+                <a:buSzTx/>
+                <a:buFontTx/>
+                <a:buNone/>
+                <a:tabLst/>
+                <a:defRPr/>
+              </a:pPr>
+              <a:endParaRPr kumimoji="0" lang="en-US" sz="1400" b="0" i="0" u="none" strike="noStrike" kern="0" cap="none" spc="0" normalizeH="0" baseline="0" noProof="0" dirty="0">
+                <a:ln>
+                  <a:noFill/>
+                </a:ln>
+                <a:solidFill>
+                  <a:prstClr val="black"/>
+                </a:solidFill>
+                <a:effectLst/>
+                <a:uLnTx/>
+                <a:uFillTx/>
+                <a:latin typeface="Calibri" panose="020F0502020204030204"/>
+                <a:ea typeface="+mn-ea"/>
+                <a:cs typeface="+mn-cs"/>
+              </a:endParaRPr>
+            </a:p>
+          </p:txBody>
+        </p:sp>
+        <p:sp>
+          <p:nvSpPr>
+            <p:cNvPr id="42" name="Rectangle 41">
+              <a:extLst>
+                <a:ext uri="{FF2B5EF4-FFF2-40B4-BE49-F238E27FC236}">
+                  <a16:creationId xmlns:a16="http://schemas.microsoft.com/office/drawing/2014/main" id="{970D0413-29A2-4173-8922-FE02E69B4A8D}"/>
+                </a:ext>
+              </a:extLst>
+            </p:cNvPr>
+            <p:cNvSpPr/>
+            <p:nvPr/>
+          </p:nvSpPr>
+          <p:spPr>
+            <a:xfrm>
+              <a:off x="3629764" y="1787286"/>
+              <a:ext cx="2589082" cy="345843"/>
+            </a:xfrm>
+            <a:prstGeom prst="rect">
+              <a:avLst/>
+            </a:prstGeom>
+            <a:solidFill>
+              <a:schemeClr val="accent3">
+                <a:lumMod val="60000"/>
+                <a:lumOff val="40000"/>
+              </a:schemeClr>
+            </a:solidFill>
+            <a:ln>
+              <a:solidFill>
+                <a:schemeClr val="tx1"/>
+              </a:solidFill>
+            </a:ln>
+          </p:spPr>
+          <p:txBody>
+            <a:bodyPr wrap="square" rtlCol="0">
+              <a:spAutoFit/>
+            </a:bodyPr>
+            <a:lstStyle/>
+            <a:p>
+              <a:pPr marL="0" marR="0" lvl="0" indent="0" algn="ctr" defTabSz="914400" rtl="0" eaLnBrk="1" fontAlgn="auto" latinLnBrk="0" hangingPunct="1">
+                <a:lnSpc>
+                  <a:spcPct val="100000"/>
+                </a:lnSpc>
+                <a:spcBef>
+                  <a:spcPts val="0"/>
+                </a:spcBef>
+                <a:spcAft>
+                  <a:spcPts val="0"/>
+                </a:spcAft>
+                <a:buClrTx/>
+                <a:buSzTx/>
+                <a:buFontTx/>
+                <a:buNone/>
+                <a:tabLst/>
+                <a:defRPr/>
+              </a:pPr>
+              <a:endParaRPr kumimoji="0" lang="en-US" sz="1400" b="0" i="0" u="none" strike="noStrike" kern="0" cap="none" spc="0" normalizeH="0" baseline="0" noProof="0" dirty="0">
+                <a:ln>
+                  <a:noFill/>
+                </a:ln>
+                <a:solidFill>
+                  <a:prstClr val="black"/>
+                </a:solidFill>
+                <a:effectLst/>
+                <a:uLnTx/>
+                <a:uFillTx/>
+                <a:latin typeface="Calibri" panose="020F0502020204030204"/>
+                <a:ea typeface="+mn-ea"/>
+                <a:cs typeface="+mn-cs"/>
+              </a:endParaRPr>
+            </a:p>
+          </p:txBody>
+        </p:sp>
+        <p:sp>
+          <p:nvSpPr>
+            <p:cNvPr id="43" name="Rectangle 42">
+              <a:extLst>
+                <a:ext uri="{FF2B5EF4-FFF2-40B4-BE49-F238E27FC236}">
+                  <a16:creationId xmlns:a16="http://schemas.microsoft.com/office/drawing/2014/main" id="{49BC6A5D-1C0B-45AE-84CC-0D41063ED7A8}"/>
+                </a:ext>
+              </a:extLst>
+            </p:cNvPr>
+            <p:cNvSpPr/>
+            <p:nvPr/>
+          </p:nvSpPr>
+          <p:spPr>
+            <a:xfrm>
+              <a:off x="3630126" y="3139938"/>
+              <a:ext cx="2588963" cy="345843"/>
+            </a:xfrm>
+            <a:prstGeom prst="rect">
+              <a:avLst/>
+            </a:prstGeom>
+            <a:solidFill>
+              <a:schemeClr val="accent3">
+                <a:lumMod val="20000"/>
+                <a:lumOff val="80000"/>
+              </a:schemeClr>
+            </a:solidFill>
+            <a:ln>
+              <a:solidFill>
+                <a:schemeClr val="tx1"/>
+              </a:solidFill>
+            </a:ln>
+          </p:spPr>
+          <p:txBody>
+            <a:bodyPr rot="0" spcFirstLastPara="0" vertOverflow="overflow" horzOverflow="overflow" vert="horz" wrap="square" lIns="91440" tIns="45720" rIns="91440" bIns="45720" numCol="1" spcCol="0" rtlCol="0" fromWordArt="0" anchor="t" anchorCtr="0" forceAA="0" compatLnSpc="1">
+              <a:prstTxWarp prst="textNoShape">
+                <a:avLst/>
+              </a:prstTxWarp>
+              <a:spAutoFit/>
+            </a:bodyPr>
+            <a:lstStyle/>
+            <a:p>
+              <a:pPr marL="0" marR="0" lvl="0" indent="0" algn="ctr" defTabSz="914400" rtl="0" eaLnBrk="1" fontAlgn="auto" latinLnBrk="0" hangingPunct="1">
+                <a:lnSpc>
+                  <a:spcPct val="100000"/>
+                </a:lnSpc>
+                <a:spcBef>
+                  <a:spcPts val="0"/>
+                </a:spcBef>
+                <a:spcAft>
+                  <a:spcPts val="0"/>
+                </a:spcAft>
+                <a:buClrTx/>
+                <a:buSzTx/>
+                <a:buFontTx/>
+                <a:buNone/>
+                <a:tabLst/>
+                <a:defRPr/>
+              </a:pPr>
+              <a:endParaRPr kumimoji="0" lang="en-US" sz="1400" b="0" i="0" u="none" strike="noStrike" kern="0" cap="none" spc="0" normalizeH="0" baseline="0" noProof="0" dirty="0">
+                <a:ln>
+                  <a:noFill/>
+                </a:ln>
+                <a:solidFill>
+                  <a:prstClr val="black"/>
+                </a:solidFill>
+                <a:effectLst/>
+                <a:uLnTx/>
+                <a:uFillTx/>
+                <a:latin typeface="Calibri" panose="020F0502020204030204"/>
+                <a:ea typeface="+mn-ea"/>
+                <a:cs typeface="+mn-cs"/>
+              </a:endParaRPr>
+            </a:p>
+          </p:txBody>
+        </p:sp>
+        <p:grpSp>
+          <p:nvGrpSpPr>
+            <p:cNvPr id="44" name="Group 43">
+              <a:extLst>
+                <a:ext uri="{FF2B5EF4-FFF2-40B4-BE49-F238E27FC236}">
+                  <a16:creationId xmlns:a16="http://schemas.microsoft.com/office/drawing/2014/main" id="{807B759F-77D3-463E-B64B-958BD806AF52}"/>
+                </a:ext>
+              </a:extLst>
+            </p:cNvPr>
+            <p:cNvGrpSpPr/>
+            <p:nvPr/>
+          </p:nvGrpSpPr>
+          <p:grpSpPr>
+            <a:xfrm>
+              <a:off x="1948069" y="1783849"/>
+              <a:ext cx="1507769" cy="1694643"/>
+              <a:chOff x="1948069" y="1783849"/>
+              <a:chExt cx="1507769" cy="1694643"/>
+            </a:xfrm>
+          </p:grpSpPr>
+          <p:sp>
+            <p:nvSpPr>
+              <p:cNvPr id="45" name="Rectangle 44">
+                <a:extLst>
+                  <a:ext uri="{FF2B5EF4-FFF2-40B4-BE49-F238E27FC236}">
+                    <a16:creationId xmlns:a16="http://schemas.microsoft.com/office/drawing/2014/main" id="{0D05696E-3B19-43FA-8978-A8B6BA8732E5}"/>
+                  </a:ext>
+                </a:extLst>
+              </p:cNvPr>
+              <p:cNvSpPr/>
+              <p:nvPr/>
+            </p:nvSpPr>
+            <p:spPr>
+              <a:xfrm>
+                <a:off x="1948069" y="1785274"/>
+                <a:ext cx="484179" cy="1693218"/>
+              </a:xfrm>
+              <a:prstGeom prst="rect">
+                <a:avLst/>
+              </a:prstGeom>
+              <a:solidFill>
+                <a:srgbClr val="00B050"/>
+              </a:solidFill>
+              <a:ln w="9525">
+                <a:solidFill>
+                  <a:schemeClr val="tx1"/>
+                </a:solidFill>
+              </a:ln>
+            </p:spPr>
+            <p:style>
+              <a:lnRef idx="2">
+                <a:schemeClr val="accent1">
+                  <a:shade val="50000"/>
+                </a:schemeClr>
+              </a:lnRef>
+              <a:fillRef idx="1">
+                <a:schemeClr val="accent1"/>
+              </a:fillRef>
+              <a:effectRef idx="0">
+                <a:schemeClr val="accent1"/>
+              </a:effectRef>
+              <a:fontRef idx="minor">
+                <a:schemeClr val="lt1"/>
+              </a:fontRef>
+            </p:style>
+            <p:txBody>
+              <a:bodyPr vert="vert270" wrap="square" rtlCol="0" anchor="ctr">
+                <a:spAutoFit/>
+              </a:bodyPr>
+              <a:lstStyle/>
+              <a:p>
+                <a:pPr marL="0" marR="0" lvl="0" indent="0" algn="ctr" defTabSz="914400" rtl="0" eaLnBrk="1" fontAlgn="auto" latinLnBrk="0" hangingPunct="1">
+                  <a:lnSpc>
+                    <a:spcPct val="100000"/>
+                  </a:lnSpc>
+                  <a:spcBef>
+                    <a:spcPts val="0"/>
+                  </a:spcBef>
+                  <a:spcAft>
+                    <a:spcPts val="0"/>
+                  </a:spcAft>
+                  <a:buClrTx/>
+                  <a:buSzTx/>
+                  <a:buFontTx/>
+                  <a:buNone/>
+                  <a:tabLst/>
+                  <a:defRPr/>
+                </a:pPr>
+                <a:endParaRPr kumimoji="0" lang="en-US" sz="1600" b="0" i="0" u="none" strike="noStrike" kern="1200" cap="none" spc="0" normalizeH="0" baseline="0" noProof="0" dirty="0">
+                  <a:ln>
+                    <a:noFill/>
+                  </a:ln>
+                  <a:solidFill>
+                    <a:srgbClr val="FFFFFF"/>
+                  </a:solidFill>
+                  <a:effectLst/>
+                  <a:uLnTx/>
+                  <a:uFillTx/>
+                  <a:latin typeface="Arial" panose="020B0604020202020204"/>
+                  <a:ea typeface="+mn-ea"/>
+                  <a:cs typeface="+mn-cs"/>
+                </a:endParaRPr>
+              </a:p>
+            </p:txBody>
+          </p:sp>
+          <p:sp>
+            <p:nvSpPr>
+              <p:cNvPr id="46" name="Rectangle 45">
+                <a:extLst>
+                  <a:ext uri="{FF2B5EF4-FFF2-40B4-BE49-F238E27FC236}">
+                    <a16:creationId xmlns:a16="http://schemas.microsoft.com/office/drawing/2014/main" id="{123C8547-D96A-450D-BB12-163C8B945FC2}"/>
+                  </a:ext>
+                </a:extLst>
+              </p:cNvPr>
+              <p:cNvSpPr/>
+              <p:nvPr/>
+            </p:nvSpPr>
+            <p:spPr>
+              <a:xfrm>
+                <a:off x="2400764" y="1783849"/>
+                <a:ext cx="1055074" cy="830419"/>
+              </a:xfrm>
+              <a:prstGeom prst="rect">
+                <a:avLst/>
+              </a:prstGeom>
+              <a:solidFill>
+                <a:schemeClr val="accent5">
+                  <a:lumMod val="40000"/>
+                  <a:lumOff val="60000"/>
+                </a:schemeClr>
+              </a:solidFill>
+              <a:ln>
+                <a:solidFill>
+                  <a:schemeClr val="tx1"/>
+                </a:solidFill>
+              </a:ln>
+            </p:spPr>
+            <p:txBody>
+              <a:bodyPr rot="0" spcFirstLastPara="0" vertOverflow="overflow" horzOverflow="overflow" vert="horz" wrap="square" lIns="91440" tIns="45720" rIns="91440" bIns="45720" numCol="1" spcCol="0" rtlCol="0" fromWordArt="0" anchor="ctr" anchorCtr="0" forceAA="0" compatLnSpc="1">
+                <a:prstTxWarp prst="textNoShape">
+                  <a:avLst/>
+                </a:prstTxWarp>
+                <a:noAutofit/>
+              </a:bodyPr>
+              <a:lstStyle/>
+              <a:p>
+                <a:pPr marL="0" marR="0" lvl="0" indent="0" algn="ctr" defTabSz="914400" rtl="0" eaLnBrk="1" fontAlgn="auto" latinLnBrk="0" hangingPunct="1">
+                  <a:lnSpc>
+                    <a:spcPct val="100000"/>
+                  </a:lnSpc>
+                  <a:spcBef>
+                    <a:spcPts val="0"/>
+                  </a:spcBef>
+                  <a:spcAft>
+                    <a:spcPts val="0"/>
+                  </a:spcAft>
+                  <a:buClrTx/>
+                  <a:buSzTx/>
+                  <a:buFontTx/>
+                  <a:buNone/>
+                  <a:tabLst/>
+                  <a:defRPr/>
+                </a:pPr>
+                <a:endParaRPr kumimoji="0" lang="en-US" sz="1400" b="0" i="0" u="none" strike="noStrike" kern="0" cap="none" spc="0" normalizeH="0" baseline="0" noProof="0" dirty="0">
+                  <a:ln>
+                    <a:noFill/>
+                  </a:ln>
+                  <a:solidFill>
+                    <a:prstClr val="black"/>
+                  </a:solidFill>
+                  <a:effectLst/>
+                  <a:uLnTx/>
+                  <a:uFillTx/>
+                  <a:latin typeface="Calibri" panose="020F0502020204030204"/>
+                  <a:ea typeface="+mn-ea"/>
+                  <a:cs typeface="+mn-cs"/>
+                </a:endParaRPr>
+              </a:p>
+            </p:txBody>
+          </p:sp>
+          <p:sp>
+            <p:nvSpPr>
+              <p:cNvPr id="47" name="Rectangle 46">
+                <a:extLst>
+                  <a:ext uri="{FF2B5EF4-FFF2-40B4-BE49-F238E27FC236}">
+                    <a16:creationId xmlns:a16="http://schemas.microsoft.com/office/drawing/2014/main" id="{8608ED20-D72D-42E7-A550-248C69F967C5}"/>
+                  </a:ext>
+                </a:extLst>
+              </p:cNvPr>
+              <p:cNvSpPr/>
+              <p:nvPr/>
+            </p:nvSpPr>
+            <p:spPr>
+              <a:xfrm>
+                <a:off x="2400764" y="2614268"/>
+                <a:ext cx="1055074" cy="864224"/>
+              </a:xfrm>
+              <a:prstGeom prst="rect">
+                <a:avLst/>
+              </a:prstGeom>
+              <a:solidFill>
+                <a:schemeClr val="accent5">
+                  <a:lumMod val="60000"/>
+                  <a:lumOff val="40000"/>
+                </a:schemeClr>
+              </a:solidFill>
+              <a:ln>
+                <a:solidFill>
+                  <a:schemeClr val="tx1"/>
+                </a:solidFill>
+              </a:ln>
+            </p:spPr>
+            <p:txBody>
+              <a:bodyPr rot="0" spcFirstLastPara="0" vertOverflow="overflow" horzOverflow="overflow" vert="horz" wrap="square" lIns="91440" tIns="45720" rIns="91440" bIns="45720" numCol="1" spcCol="0" rtlCol="0" fromWordArt="0" anchor="ctr" anchorCtr="0" forceAA="0" compatLnSpc="1">
+                <a:prstTxWarp prst="textNoShape">
+                  <a:avLst/>
+                </a:prstTxWarp>
+                <a:noAutofit/>
+              </a:bodyPr>
+              <a:lstStyle/>
+              <a:p>
+                <a:pPr marL="0" marR="0" lvl="0" indent="0" algn="ctr" defTabSz="914400" rtl="0" eaLnBrk="1" fontAlgn="auto" latinLnBrk="0" hangingPunct="1">
+                  <a:lnSpc>
+                    <a:spcPct val="100000"/>
+                  </a:lnSpc>
+                  <a:spcBef>
+                    <a:spcPts val="0"/>
+                  </a:spcBef>
+                  <a:spcAft>
+                    <a:spcPts val="0"/>
+                  </a:spcAft>
+                  <a:buClrTx/>
+                  <a:buSzTx/>
+                  <a:buFontTx/>
+                  <a:buNone/>
+                  <a:tabLst/>
+                  <a:defRPr/>
+                </a:pPr>
+                <a:endParaRPr kumimoji="0" lang="en-US" sz="1400" b="0" i="0" u="none" strike="noStrike" kern="0" cap="none" spc="0" normalizeH="0" baseline="0" noProof="0" dirty="0">
+                  <a:ln>
+                    <a:noFill/>
+                  </a:ln>
+                  <a:solidFill>
+                    <a:prstClr val="black"/>
+                  </a:solidFill>
+                  <a:effectLst/>
+                  <a:uLnTx/>
+                  <a:uFillTx/>
+                  <a:latin typeface="Calibri" panose="020F0502020204030204"/>
+                  <a:ea typeface="+mn-ea"/>
+                  <a:cs typeface="+mn-cs"/>
+                </a:endParaRPr>
+              </a:p>
+            </p:txBody>
+          </p:sp>
+        </p:grpSp>
+      </p:grpSp>
+      <p:sp>
+        <p:nvSpPr>
+          <p:cNvPr id="50" name="TextBox 49">
+            <a:extLst>
+              <a:ext uri="{FF2B5EF4-FFF2-40B4-BE49-F238E27FC236}">
+                <a16:creationId xmlns:a16="http://schemas.microsoft.com/office/drawing/2014/main" id="{E3B1731D-8951-4C4C-9697-6F07176D6E74}"/>
+              </a:ext>
+            </a:extLst>
+          </p:cNvPr>
+          <p:cNvSpPr txBox="1"/>
+          <p:nvPr/>
+        </p:nvSpPr>
+        <p:spPr>
+          <a:xfrm>
+            <a:off x="4895757" y="968234"/>
+            <a:ext cx="2042556" cy="461665"/>
+          </a:xfrm>
+          <a:prstGeom prst="rect">
+            <a:avLst/>
+          </a:prstGeom>
+          <a:noFill/>
+        </p:spPr>
+        <p:txBody>
+          <a:bodyPr wrap="square" rtlCol="0">
+            <a:spAutoFit/>
+          </a:bodyPr>
+          <a:lstStyle/>
+          <a:p>
+            <a:pPr marL="0" marR="0" lvl="0" indent="0" algn="ctr" defTabSz="914400" rtl="0" eaLnBrk="1" fontAlgn="auto" latinLnBrk="0" hangingPunct="1">
+              <a:lnSpc>
+                <a:spcPct val="100000"/>
+              </a:lnSpc>
+              <a:spcBef>
+                <a:spcPts val="0"/>
+              </a:spcBef>
+              <a:spcAft>
+                <a:spcPts val="0"/>
+              </a:spcAft>
+              <a:buClrTx/>
+              <a:buSzTx/>
+              <a:buFontTx/>
+              <a:buNone/>
+              <a:tabLst/>
+              <a:defRPr/>
+            </a:pPr>
+            <a:r>
+              <a:rPr kumimoji="0" lang="en-US" sz="2400" b="0" i="0" u="none" strike="noStrike" kern="1200" cap="none" spc="0" normalizeH="0" baseline="0" noProof="0" dirty="0">
+                <a:ln>
+                  <a:noFill/>
+                </a:ln>
+                <a:solidFill>
+                  <a:srgbClr val="002A44"/>
+                </a:solidFill>
+                <a:effectLst/>
+                <a:uLnTx/>
+                <a:uFillTx/>
+                <a:latin typeface="Arial" panose="020B0604020202020204"/>
+                <a:ea typeface="+mn-ea"/>
+                <a:cs typeface="+mn-cs"/>
+              </a:rPr>
+              <a:t>Desktop</a:t>
+            </a:r>
+          </a:p>
+        </p:txBody>
+      </p:sp>
+      <p:sp>
+        <p:nvSpPr>
+          <p:cNvPr id="64" name="Rectangle 63">
+            <a:extLst>
+              <a:ext uri="{FF2B5EF4-FFF2-40B4-BE49-F238E27FC236}">
+                <a16:creationId xmlns:a16="http://schemas.microsoft.com/office/drawing/2014/main" id="{DDCCD238-11FD-466E-8C2E-90659A60DE51}"/>
+              </a:ext>
+            </a:extLst>
+          </p:cNvPr>
+          <p:cNvSpPr/>
+          <p:nvPr/>
+        </p:nvSpPr>
+        <p:spPr>
+          <a:xfrm>
+            <a:off x="5488563" y="4873735"/>
+            <a:ext cx="2519724" cy="636135"/>
+          </a:xfrm>
+          <a:prstGeom prst="rect">
+            <a:avLst/>
+          </a:prstGeom>
+          <a:solidFill>
+            <a:srgbClr val="FFCD2F"/>
+          </a:solidFill>
+          <a:ln>
+            <a:solidFill>
+              <a:sysClr val="windowText" lastClr="000000"/>
+            </a:solidFill>
+          </a:ln>
+        </p:spPr>
+        <p:txBody>
+          <a:bodyPr rot="0" spcFirstLastPara="0" vertOverflow="overflow" horzOverflow="overflow" vert="horz" wrap="square" lIns="91440" tIns="45720" rIns="91440" bIns="45720" numCol="1" spcCol="0" rtlCol="0" fromWordArt="0" anchor="t" anchorCtr="0" forceAA="0" compatLnSpc="1">
+            <a:prstTxWarp prst="textNoShape">
+              <a:avLst/>
+            </a:prstTxWarp>
+            <a:noAutofit/>
+          </a:bodyPr>
+          <a:lstStyle/>
+          <a:p>
+            <a:pPr marL="0" marR="0" lvl="0" indent="0" algn="r" defTabSz="914400" rtl="0" eaLnBrk="1" fontAlgn="auto" latinLnBrk="0" hangingPunct="1">
+              <a:lnSpc>
+                <a:spcPct val="100000"/>
+              </a:lnSpc>
+              <a:spcBef>
+                <a:spcPts val="0"/>
+              </a:spcBef>
+              <a:spcAft>
+                <a:spcPts val="0"/>
+              </a:spcAft>
+              <a:buClrTx/>
+              <a:buSzTx/>
+              <a:buFontTx/>
+              <a:buNone/>
+              <a:tabLst/>
+              <a:defRPr/>
+            </a:pPr>
+            <a:endParaRPr kumimoji="0" lang="en-US" sz="1400" b="0" i="0" u="none" strike="noStrike" kern="0" cap="none" spc="0" normalizeH="0" baseline="0" noProof="0" dirty="0">
+              <a:ln>
+                <a:noFill/>
+              </a:ln>
+              <a:solidFill>
+                <a:prstClr val="black"/>
+              </a:solidFill>
+              <a:effectLst/>
+              <a:uLnTx/>
+              <a:uFillTx/>
+              <a:latin typeface="Calibri" panose="020F0502020204030204"/>
+              <a:ea typeface="+mn-ea"/>
+              <a:cs typeface="+mn-cs"/>
+            </a:endParaRPr>
+          </a:p>
+        </p:txBody>
+      </p:sp>
+      <p:sp>
+        <p:nvSpPr>
+          <p:cNvPr id="65" name="Rectangle 64">
+            <a:extLst>
+              <a:ext uri="{FF2B5EF4-FFF2-40B4-BE49-F238E27FC236}">
+                <a16:creationId xmlns:a16="http://schemas.microsoft.com/office/drawing/2014/main" id="{A8C81335-56AB-4C23-B0D1-C245F8BCE21D}"/>
+              </a:ext>
+            </a:extLst>
+          </p:cNvPr>
+          <p:cNvSpPr/>
+          <p:nvPr/>
+        </p:nvSpPr>
+        <p:spPr>
+          <a:xfrm>
+            <a:off x="4226590" y="4873734"/>
+            <a:ext cx="1257072" cy="741869"/>
+          </a:xfrm>
+          <a:prstGeom prst="rect">
+            <a:avLst/>
+          </a:prstGeom>
+          <a:solidFill>
+            <a:schemeClr val="bg1">
+              <a:lumMod val="85000"/>
+            </a:schemeClr>
+          </a:solidFill>
+          <a:ln>
+            <a:solidFill>
+              <a:schemeClr val="tx1"/>
+            </a:solidFill>
+          </a:ln>
+        </p:spPr>
+        <p:txBody>
+          <a:bodyPr rot="0" spcFirstLastPara="0" vertOverflow="overflow" horzOverflow="overflow" vert="horz" wrap="square" lIns="91440" tIns="45720" rIns="91440" bIns="45720" numCol="1" spcCol="0" rtlCol="0" fromWordArt="0" anchor="t" anchorCtr="0" forceAA="0" compatLnSpc="1">
+            <a:prstTxWarp prst="textNoShape">
+              <a:avLst/>
+            </a:prstTxWarp>
+            <a:noAutofit/>
+          </a:bodyPr>
+          <a:lstStyle/>
+          <a:p>
+            <a:pPr marL="0" marR="0" lvl="0" indent="0" algn="ctr" defTabSz="914400" rtl="0" eaLnBrk="1" fontAlgn="auto" latinLnBrk="0" hangingPunct="1">
+              <a:lnSpc>
+                <a:spcPct val="100000"/>
+              </a:lnSpc>
+              <a:spcBef>
+                <a:spcPts val="0"/>
+              </a:spcBef>
+              <a:spcAft>
+                <a:spcPts val="0"/>
+              </a:spcAft>
+              <a:buClrTx/>
+              <a:buSzTx/>
+              <a:buFontTx/>
+              <a:buNone/>
+              <a:tabLst/>
+              <a:defRPr/>
+            </a:pPr>
+            <a:endParaRPr kumimoji="0" lang="en-US" sz="1400" b="0" i="0" u="none" strike="noStrike" kern="0" cap="none" spc="0" normalizeH="0" baseline="0" noProof="0" dirty="0">
+              <a:ln>
+                <a:noFill/>
+              </a:ln>
+              <a:solidFill>
+                <a:prstClr val="black"/>
+              </a:solidFill>
+              <a:effectLst/>
+              <a:uLnTx/>
+              <a:uFillTx/>
+              <a:latin typeface="Calibri" panose="020F0502020204030204"/>
+              <a:ea typeface="+mn-ea"/>
+              <a:cs typeface="+mn-cs"/>
+            </a:endParaRPr>
+          </a:p>
+        </p:txBody>
+      </p:sp>
+      <p:sp>
+        <p:nvSpPr>
+          <p:cNvPr id="66" name="Rectangle 65">
+            <a:extLst>
+              <a:ext uri="{FF2B5EF4-FFF2-40B4-BE49-F238E27FC236}">
+                <a16:creationId xmlns:a16="http://schemas.microsoft.com/office/drawing/2014/main" id="{E1CA0B60-E2C7-4BD9-B956-08293E747078}"/>
+              </a:ext>
+            </a:extLst>
+          </p:cNvPr>
+          <p:cNvSpPr/>
+          <p:nvPr/>
+        </p:nvSpPr>
+        <p:spPr>
+          <a:xfrm>
+            <a:off x="4223402" y="5509870"/>
+            <a:ext cx="3784885" cy="307777"/>
+          </a:xfrm>
+          <a:prstGeom prst="rect">
+            <a:avLst/>
+          </a:prstGeom>
+          <a:solidFill>
+            <a:schemeClr val="bg1">
+              <a:lumMod val="65000"/>
+            </a:schemeClr>
+          </a:solidFill>
+          <a:ln>
+            <a:solidFill>
+              <a:sysClr val="windowText" lastClr="000000"/>
+            </a:solidFill>
+          </a:ln>
+        </p:spPr>
+        <p:txBody>
+          <a:bodyPr rot="0" spcFirstLastPara="0" vertOverflow="overflow" horzOverflow="overflow" vert="horz" wrap="square" lIns="91440" tIns="45720" rIns="91440" bIns="45720" numCol="1" spcCol="0" rtlCol="0" fromWordArt="0" anchor="t" anchorCtr="0" forceAA="0" compatLnSpc="1">
+            <a:prstTxWarp prst="textNoShape">
+              <a:avLst/>
+            </a:prstTxWarp>
+            <a:noAutofit/>
+          </a:bodyPr>
+          <a:lstStyle/>
+          <a:p>
+            <a:pPr marL="0" marR="0" lvl="0" indent="0" algn="ctr" defTabSz="914400" rtl="0" eaLnBrk="1" fontAlgn="auto" latinLnBrk="0" hangingPunct="1">
+              <a:lnSpc>
+                <a:spcPct val="100000"/>
+              </a:lnSpc>
+              <a:spcBef>
+                <a:spcPts val="0"/>
+              </a:spcBef>
+              <a:spcAft>
+                <a:spcPts val="0"/>
+              </a:spcAft>
+              <a:buClrTx/>
+              <a:buSzTx/>
+              <a:buFontTx/>
+              <a:buNone/>
+              <a:tabLst/>
+              <a:defRPr/>
+            </a:pPr>
+            <a:endParaRPr kumimoji="0" lang="en-US" sz="1400" b="0" i="0" u="none" strike="noStrike" kern="0" cap="none" spc="0" normalizeH="0" baseline="0" noProof="0" dirty="0">
+              <a:ln>
+                <a:noFill/>
+              </a:ln>
+              <a:solidFill>
+                <a:prstClr val="black"/>
+              </a:solidFill>
+              <a:effectLst/>
+              <a:uLnTx/>
+              <a:uFillTx/>
+              <a:latin typeface="Calibri" panose="020F0502020204030204"/>
+              <a:ea typeface="+mn-ea"/>
+              <a:cs typeface="+mn-cs"/>
+            </a:endParaRPr>
+          </a:p>
+        </p:txBody>
+      </p:sp>
+      <p:sp>
+        <p:nvSpPr>
+          <p:cNvPr id="67" name="Rectangle 66">
+            <a:extLst>
+              <a:ext uri="{FF2B5EF4-FFF2-40B4-BE49-F238E27FC236}">
+                <a16:creationId xmlns:a16="http://schemas.microsoft.com/office/drawing/2014/main" id="{4AFEB34C-D466-4862-A44A-C1AEDBCA20D9}"/>
+              </a:ext>
+            </a:extLst>
+          </p:cNvPr>
+          <p:cNvSpPr/>
+          <p:nvPr/>
+        </p:nvSpPr>
+        <p:spPr>
+          <a:xfrm>
+            <a:off x="4223402" y="4493457"/>
+            <a:ext cx="3784885" cy="373791"/>
+          </a:xfrm>
+          <a:prstGeom prst="rect">
+            <a:avLst/>
+          </a:prstGeom>
+          <a:solidFill>
+            <a:srgbClr val="FFFF99"/>
+          </a:solidFill>
+          <a:ln>
+            <a:solidFill>
+              <a:sysClr val="windowText" lastClr="000000"/>
+            </a:solidFill>
+          </a:ln>
+        </p:spPr>
+        <p:txBody>
+          <a:bodyPr rot="0" spcFirstLastPara="0" vertOverflow="overflow" horzOverflow="overflow" vert="horz" wrap="square" lIns="91440" tIns="45720" rIns="91440" bIns="45720" numCol="1" spcCol="0" rtlCol="0" fromWordArt="0" anchor="t" anchorCtr="0" forceAA="0" compatLnSpc="1">
+            <a:prstTxWarp prst="textNoShape">
+              <a:avLst/>
+            </a:prstTxWarp>
+            <a:noAutofit/>
+          </a:bodyPr>
+          <a:lstStyle/>
+          <a:p>
+            <a:pPr marL="0" marR="0" lvl="0" indent="0" algn="ctr" defTabSz="914400" rtl="0" eaLnBrk="1" fontAlgn="auto" latinLnBrk="0" hangingPunct="1">
+              <a:lnSpc>
+                <a:spcPct val="100000"/>
+              </a:lnSpc>
+              <a:spcBef>
+                <a:spcPts val="0"/>
+              </a:spcBef>
+              <a:spcAft>
+                <a:spcPts val="0"/>
+              </a:spcAft>
+              <a:buClrTx/>
+              <a:buSzTx/>
+              <a:buFontTx/>
+              <a:buNone/>
+              <a:tabLst/>
+              <a:defRPr/>
+            </a:pPr>
+            <a:endParaRPr kumimoji="0" lang="en-US" sz="1400" b="0" i="0" u="none" strike="noStrike" kern="0" cap="none" spc="0" normalizeH="0" baseline="0" noProof="0" dirty="0">
+              <a:ln>
+                <a:noFill/>
+              </a:ln>
+              <a:solidFill>
+                <a:prstClr val="black"/>
+              </a:solidFill>
+              <a:effectLst/>
+              <a:uLnTx/>
+              <a:uFillTx/>
+              <a:latin typeface="Calibri" panose="020F0502020204030204"/>
+              <a:ea typeface="+mn-ea"/>
+              <a:cs typeface="+mn-cs"/>
+            </a:endParaRPr>
+          </a:p>
+        </p:txBody>
+      </p:sp>
+      <p:sp>
+        <p:nvSpPr>
+          <p:cNvPr id="68" name="Rectangle 67">
+            <a:extLst>
+              <a:ext uri="{FF2B5EF4-FFF2-40B4-BE49-F238E27FC236}">
+                <a16:creationId xmlns:a16="http://schemas.microsoft.com/office/drawing/2014/main" id="{8FCFAC1D-3FB6-4950-BF25-D9D81F170424}"/>
+              </a:ext>
+            </a:extLst>
+          </p:cNvPr>
+          <p:cNvSpPr/>
+          <p:nvPr/>
+        </p:nvSpPr>
+        <p:spPr>
+          <a:xfrm>
+            <a:off x="5567647" y="4546481"/>
+            <a:ext cx="1100379" cy="881621"/>
+          </a:xfrm>
+          <a:prstGeom prst="rect">
+            <a:avLst/>
+          </a:prstGeom>
+          <a:solidFill>
+            <a:srgbClr val="FFCCFF"/>
+          </a:solidFill>
+          <a:ln>
+            <a:solidFill>
+              <a:sysClr val="windowText" lastClr="000000"/>
+            </a:solidFill>
+          </a:ln>
+        </p:spPr>
+        <p:txBody>
+          <a:bodyPr rot="0" spcFirstLastPara="0" vertOverflow="overflow" horzOverflow="overflow" vert="horz" wrap="square" lIns="91440" tIns="45720" rIns="91440" bIns="45720" numCol="1" spcCol="0" rtlCol="0" fromWordArt="0" anchor="ctr" anchorCtr="1" forceAA="0" compatLnSpc="1">
+            <a:prstTxWarp prst="textNoShape">
+              <a:avLst/>
+            </a:prstTxWarp>
+            <a:noAutofit/>
+          </a:bodyPr>
+          <a:lstStyle/>
+          <a:p>
+            <a:pPr marL="0" marR="0" lvl="0" indent="0" algn="ctr" defTabSz="914400" rtl="0" eaLnBrk="1" fontAlgn="auto" latinLnBrk="0" hangingPunct="1">
+              <a:lnSpc>
+                <a:spcPct val="100000"/>
+              </a:lnSpc>
+              <a:spcBef>
+                <a:spcPts val="0"/>
+              </a:spcBef>
+              <a:spcAft>
+                <a:spcPts val="0"/>
+              </a:spcAft>
+              <a:buClrTx/>
+              <a:buSzTx/>
+              <a:buFontTx/>
+              <a:buNone/>
+              <a:tabLst/>
+              <a:defRPr/>
+            </a:pPr>
+            <a:r>
+              <a:rPr kumimoji="0" lang="en-US" sz="1600" b="0" i="0" u="none" strike="noStrike" kern="0" cap="none" spc="0" normalizeH="0" baseline="0" noProof="0" dirty="0">
+                <a:ln>
+                  <a:noFill/>
+                </a:ln>
+                <a:solidFill>
+                  <a:prstClr val="black"/>
+                </a:solidFill>
+                <a:effectLst/>
+                <a:uLnTx/>
+                <a:uFillTx/>
+                <a:latin typeface="Calibri" panose="020F0502020204030204"/>
+                <a:ea typeface="+mn-ea"/>
+                <a:cs typeface="+mn-cs"/>
+              </a:rPr>
+              <a:t>Desktop</a:t>
+            </a:r>
+          </a:p>
+          <a:p>
+            <a:pPr marL="0" marR="0" lvl="0" indent="0" algn="ctr" defTabSz="914400" rtl="0" eaLnBrk="1" fontAlgn="auto" latinLnBrk="0" hangingPunct="1">
+              <a:lnSpc>
+                <a:spcPct val="100000"/>
+              </a:lnSpc>
+              <a:spcBef>
+                <a:spcPts val="0"/>
+              </a:spcBef>
+              <a:spcAft>
+                <a:spcPts val="0"/>
+              </a:spcAft>
+              <a:buClrTx/>
+              <a:buSzTx/>
+              <a:buFontTx/>
+              <a:buNone/>
+              <a:tabLst/>
+              <a:defRPr/>
+            </a:pPr>
+            <a:r>
+              <a:rPr lang="en-US" sz="1600" kern="0" dirty="0">
+                <a:solidFill>
+                  <a:prstClr val="black"/>
+                </a:solidFill>
+                <a:latin typeface="Calibri" panose="020F0502020204030204"/>
+              </a:rPr>
+              <a:t>RPC</a:t>
+            </a:r>
+          </a:p>
+          <a:p>
+            <a:pPr marL="0" marR="0" lvl="0" indent="0" algn="ctr" defTabSz="914400" rtl="0" eaLnBrk="1" fontAlgn="auto" latinLnBrk="0" hangingPunct="1">
+              <a:lnSpc>
+                <a:spcPct val="100000"/>
+              </a:lnSpc>
+              <a:spcBef>
+                <a:spcPts val="0"/>
+              </a:spcBef>
+              <a:spcAft>
+                <a:spcPts val="0"/>
+              </a:spcAft>
+              <a:buClrTx/>
+              <a:buSzTx/>
+              <a:buFontTx/>
+              <a:buNone/>
+              <a:tabLst/>
+              <a:defRPr/>
+            </a:pPr>
+            <a:r>
+              <a:rPr kumimoji="0" lang="en-US" sz="1600" b="0" i="0" u="none" strike="noStrike" kern="0" cap="none" spc="0" normalizeH="0" baseline="0" noProof="0" dirty="0">
+                <a:ln>
+                  <a:noFill/>
+                </a:ln>
+                <a:solidFill>
+                  <a:prstClr val="black"/>
+                </a:solidFill>
+                <a:effectLst/>
+                <a:uLnTx/>
+                <a:uFillTx/>
+                <a:latin typeface="Calibri" panose="020F0502020204030204"/>
+                <a:ea typeface="+mn-ea"/>
+                <a:cs typeface="+mn-cs"/>
+              </a:rPr>
+              <a:t>Manager</a:t>
+            </a:r>
+            <a:r>
+              <a:rPr kumimoji="0" lang="en-US" sz="1400" b="0" i="0" u="none" strike="noStrike" kern="0" cap="none" spc="0" normalizeH="0" baseline="0" noProof="0" dirty="0">
+                <a:ln>
+                  <a:noFill/>
+                </a:ln>
+                <a:solidFill>
+                  <a:prstClr val="black"/>
+                </a:solidFill>
+                <a:effectLst/>
+                <a:uLnTx/>
+                <a:uFillTx/>
+                <a:latin typeface="Calibri" panose="020F0502020204030204"/>
+                <a:ea typeface="+mn-ea"/>
+                <a:cs typeface="+mn-cs"/>
+              </a:rPr>
+              <a:t> </a:t>
+            </a:r>
+          </a:p>
+        </p:txBody>
+      </p:sp>
+      <p:sp>
+        <p:nvSpPr>
+          <p:cNvPr id="61" name="Rectangle: Folded Corner 60">
+            <a:extLst>
+              <a:ext uri="{FF2B5EF4-FFF2-40B4-BE49-F238E27FC236}">
+                <a16:creationId xmlns:a16="http://schemas.microsoft.com/office/drawing/2014/main" id="{D2B0D79B-BF5F-4B8A-AA87-C272C37E7B85}"/>
+              </a:ext>
+            </a:extLst>
+          </p:cNvPr>
+          <p:cNvSpPr/>
+          <p:nvPr/>
+        </p:nvSpPr>
+        <p:spPr>
+          <a:xfrm>
+            <a:off x="5573742" y="128254"/>
+            <a:ext cx="1044516" cy="624423"/>
+          </a:xfrm>
+          <a:prstGeom prst="foldedCorner">
+            <a:avLst/>
+          </a:prstGeom>
+          <a:solidFill>
+            <a:srgbClr val="FFCCFF"/>
+          </a:solidFill>
+          <a:ln>
+            <a:solidFill>
+              <a:sysClr val="windowText" lastClr="000000"/>
+            </a:solidFill>
+          </a:ln>
+        </p:spPr>
+        <p:txBody>
+          <a:bodyPr rot="0" spcFirstLastPara="0" vertOverflow="overflow" horzOverflow="overflow" vert="horz" wrap="square" lIns="91440" tIns="45720" rIns="91440" bIns="45720" numCol="1" spcCol="0" rtlCol="0" fromWordArt="0" anchor="ctr" anchorCtr="1" forceAA="0" compatLnSpc="1">
+            <a:prstTxWarp prst="textNoShape">
+              <a:avLst/>
+            </a:prstTxWarp>
+            <a:noAutofit/>
+          </a:bodyPr>
+          <a:lstStyle/>
+          <a:p>
+            <a:pPr algn="ctr"/>
+            <a:r>
+              <a:rPr lang="en-US" sz="1600" kern="0" dirty="0">
+                <a:solidFill>
+                  <a:prstClr val="black"/>
+                </a:solidFill>
+                <a:latin typeface="Calibri" panose="020F0502020204030204"/>
+              </a:rPr>
+              <a:t>RPC</a:t>
+            </a:r>
+          </a:p>
+          <a:p>
+            <a:pPr algn="ctr"/>
+            <a:r>
+              <a:rPr lang="en-US" sz="1600" kern="0" dirty="0">
+                <a:solidFill>
+                  <a:prstClr val="black"/>
+                </a:solidFill>
+                <a:latin typeface="Calibri" panose="020F0502020204030204"/>
+              </a:rPr>
+              <a:t>Interface</a:t>
+            </a:r>
+          </a:p>
+        </p:txBody>
+      </p:sp>
+      <p:cxnSp>
+        <p:nvCxnSpPr>
+          <p:cNvPr id="86" name="Straight Arrow Connector 85">
+            <a:extLst>
+              <a:ext uri="{FF2B5EF4-FFF2-40B4-BE49-F238E27FC236}">
+                <a16:creationId xmlns:a16="http://schemas.microsoft.com/office/drawing/2014/main" id="{21100B49-EEAF-4EFD-85FE-A737EB7F4A4E}"/>
+              </a:ext>
+            </a:extLst>
+          </p:cNvPr>
+          <p:cNvCxnSpPr>
+            <a:cxnSpLocks/>
+            <a:stCxn id="61" idx="2"/>
+          </p:cNvCxnSpPr>
+          <p:nvPr/>
+        </p:nvCxnSpPr>
+        <p:spPr>
+          <a:xfrm flipH="1">
+            <a:off x="5694921" y="752677"/>
+            <a:ext cx="401079" cy="3964480"/>
+          </a:xfrm>
+          <a:prstGeom prst="straightConnector1">
+            <a:avLst/>
+          </a:prstGeom>
+          <a:ln w="25400">
+            <a:solidFill>
+              <a:schemeClr val="tx1"/>
+            </a:solidFill>
+            <a:tailEnd type="triangle"/>
+          </a:ln>
+        </p:spPr>
+        <p:style>
+          <a:lnRef idx="1">
+            <a:schemeClr val="accent1"/>
+          </a:lnRef>
+          <a:fillRef idx="0">
+            <a:schemeClr val="accent1"/>
+          </a:fillRef>
+          <a:effectRef idx="0">
+            <a:schemeClr val="accent1"/>
+          </a:effectRef>
+          <a:fontRef idx="minor">
+            <a:schemeClr val="tx1"/>
+          </a:fontRef>
+        </p:style>
+      </p:cxnSp>
+      <p:cxnSp>
+        <p:nvCxnSpPr>
+          <p:cNvPr id="87" name="Straight Arrow Connector 86">
+            <a:extLst>
+              <a:ext uri="{FF2B5EF4-FFF2-40B4-BE49-F238E27FC236}">
+                <a16:creationId xmlns:a16="http://schemas.microsoft.com/office/drawing/2014/main" id="{ED31282E-5051-4E66-81E9-9AE85EE6E5A3}"/>
+              </a:ext>
+            </a:extLst>
+          </p:cNvPr>
+          <p:cNvCxnSpPr>
+            <a:cxnSpLocks/>
+            <a:stCxn id="61" idx="2"/>
+          </p:cNvCxnSpPr>
+          <p:nvPr/>
+        </p:nvCxnSpPr>
+        <p:spPr>
+          <a:xfrm flipH="1">
+            <a:off x="2452450" y="752677"/>
+            <a:ext cx="3643550" cy="3996741"/>
+          </a:xfrm>
+          <a:prstGeom prst="straightConnector1">
+            <a:avLst/>
+          </a:prstGeom>
+          <a:ln w="25400">
+            <a:solidFill>
+              <a:schemeClr val="tx1"/>
+            </a:solidFill>
+            <a:tailEnd type="triangle"/>
+          </a:ln>
+        </p:spPr>
+        <p:style>
+          <a:lnRef idx="1">
+            <a:schemeClr val="accent1"/>
+          </a:lnRef>
+          <a:fillRef idx="0">
+            <a:schemeClr val="accent1"/>
+          </a:fillRef>
+          <a:effectRef idx="0">
+            <a:schemeClr val="accent1"/>
+          </a:effectRef>
+          <a:fontRef idx="minor">
+            <a:schemeClr val="tx1"/>
+          </a:fontRef>
+        </p:style>
+      </p:cxnSp>
+      <p:sp>
+        <p:nvSpPr>
+          <p:cNvPr id="111" name="Rectangle 110">
+            <a:extLst>
+              <a:ext uri="{FF2B5EF4-FFF2-40B4-BE49-F238E27FC236}">
+                <a16:creationId xmlns:a16="http://schemas.microsoft.com/office/drawing/2014/main" id="{76B81949-F390-4C93-9C20-B63A7A51ABBF}"/>
+              </a:ext>
+            </a:extLst>
+          </p:cNvPr>
+          <p:cNvSpPr/>
+          <p:nvPr/>
+        </p:nvSpPr>
+        <p:spPr>
+          <a:xfrm>
+            <a:off x="5573742" y="6045976"/>
+            <a:ext cx="1044516" cy="705841"/>
+          </a:xfrm>
+          <a:prstGeom prst="rect">
+            <a:avLst/>
+          </a:prstGeom>
+          <a:solidFill>
+            <a:srgbClr val="FFCCFF"/>
+          </a:solidFill>
+          <a:ln>
+            <a:solidFill>
+              <a:sysClr val="windowText" lastClr="000000"/>
+            </a:solidFill>
+          </a:ln>
+        </p:spPr>
+        <p:txBody>
+          <a:bodyPr rot="0" spcFirstLastPara="0" vertOverflow="overflow" horzOverflow="overflow" vert="horz" wrap="square" lIns="91440" tIns="45720" rIns="91440" bIns="45720" numCol="1" spcCol="0" rtlCol="0" fromWordArt="0" anchor="ctr" anchorCtr="1" forceAA="0" compatLnSpc="1">
+            <a:prstTxWarp prst="textNoShape">
+              <a:avLst/>
+            </a:prstTxWarp>
+            <a:noAutofit/>
+          </a:bodyPr>
+          <a:lstStyle/>
+          <a:p>
+            <a:pPr marL="0" marR="0" lvl="0" indent="0" algn="ctr" defTabSz="914400" rtl="0" eaLnBrk="1" fontAlgn="auto" latinLnBrk="0" hangingPunct="1">
+              <a:lnSpc>
+                <a:spcPct val="100000"/>
+              </a:lnSpc>
+              <a:spcBef>
+                <a:spcPts val="0"/>
+              </a:spcBef>
+              <a:spcAft>
+                <a:spcPts val="0"/>
+              </a:spcAft>
+              <a:buClrTx/>
+              <a:buSzTx/>
+              <a:buFontTx/>
+              <a:buNone/>
+              <a:tabLst/>
+              <a:defRPr/>
+            </a:pPr>
+            <a:r>
+              <a:rPr kumimoji="0" lang="en-US" sz="1600" b="0" i="0" u="none" strike="noStrike" kern="0" cap="none" spc="0" normalizeH="0" baseline="0" noProof="0" dirty="0">
+                <a:ln>
+                  <a:noFill/>
+                </a:ln>
+                <a:solidFill>
+                  <a:prstClr val="black"/>
+                </a:solidFill>
+                <a:effectLst/>
+                <a:uLnTx/>
+                <a:uFillTx/>
+                <a:latin typeface="Calibri" panose="020F0502020204030204"/>
+                <a:ea typeface="+mn-ea"/>
+                <a:cs typeface="+mn-cs"/>
+              </a:rPr>
+              <a:t>RPC Manager</a:t>
+            </a:r>
+          </a:p>
+        </p:txBody>
+      </p:sp>
+      <p:cxnSp>
+        <p:nvCxnSpPr>
+          <p:cNvPr id="112" name="Straight Arrow Connector 111">
+            <a:extLst>
+              <a:ext uri="{FF2B5EF4-FFF2-40B4-BE49-F238E27FC236}">
+                <a16:creationId xmlns:a16="http://schemas.microsoft.com/office/drawing/2014/main" id="{873D25C1-49C7-45D8-A1F2-A475F9923427}"/>
+              </a:ext>
+            </a:extLst>
+          </p:cNvPr>
+          <p:cNvCxnSpPr>
+            <a:cxnSpLocks/>
+            <a:stCxn id="111" idx="0"/>
+          </p:cNvCxnSpPr>
+          <p:nvPr/>
+        </p:nvCxnSpPr>
+        <p:spPr>
+          <a:xfrm flipH="1" flipV="1">
+            <a:off x="2411442" y="4997910"/>
+            <a:ext cx="3684558" cy="1048066"/>
+          </a:xfrm>
+          <a:prstGeom prst="straightConnector1">
+            <a:avLst/>
+          </a:prstGeom>
+          <a:ln w="25400">
+            <a:solidFill>
+              <a:schemeClr val="tx1"/>
+            </a:solidFill>
+            <a:tailEnd type="triangle"/>
+          </a:ln>
+        </p:spPr>
+        <p:style>
+          <a:lnRef idx="1">
+            <a:schemeClr val="accent1"/>
+          </a:lnRef>
+          <a:fillRef idx="0">
+            <a:schemeClr val="accent1"/>
+          </a:fillRef>
+          <a:effectRef idx="0">
+            <a:schemeClr val="accent1"/>
+          </a:effectRef>
+          <a:fontRef idx="minor">
+            <a:schemeClr val="tx1"/>
+          </a:fontRef>
+        </p:style>
+      </p:cxnSp>
+      <p:cxnSp>
+        <p:nvCxnSpPr>
+          <p:cNvPr id="115" name="Straight Arrow Connector 114">
+            <a:extLst>
+              <a:ext uri="{FF2B5EF4-FFF2-40B4-BE49-F238E27FC236}">
+                <a16:creationId xmlns:a16="http://schemas.microsoft.com/office/drawing/2014/main" id="{F731976D-CAB3-492E-8C66-5B44FCA20CC4}"/>
+              </a:ext>
+            </a:extLst>
+          </p:cNvPr>
+          <p:cNvCxnSpPr>
+            <a:cxnSpLocks/>
+            <a:stCxn id="111" idx="0"/>
+            <a:endCxn id="68" idx="2"/>
+          </p:cNvCxnSpPr>
+          <p:nvPr/>
+        </p:nvCxnSpPr>
+        <p:spPr>
+          <a:xfrm flipV="1">
+            <a:off x="6096000" y="5428102"/>
+            <a:ext cx="21837" cy="617874"/>
+          </a:xfrm>
+          <a:prstGeom prst="straightConnector1">
+            <a:avLst/>
+          </a:prstGeom>
+          <a:ln w="25400">
+            <a:solidFill>
+              <a:schemeClr val="tx1"/>
+            </a:solidFill>
+            <a:tailEnd type="triangle"/>
+          </a:ln>
+        </p:spPr>
+        <p:style>
+          <a:lnRef idx="1">
+            <a:schemeClr val="accent1"/>
+          </a:lnRef>
+          <a:fillRef idx="0">
+            <a:schemeClr val="accent1"/>
+          </a:fillRef>
+          <a:effectRef idx="0">
+            <a:schemeClr val="accent1"/>
+          </a:effectRef>
+          <a:fontRef idx="minor">
+            <a:schemeClr val="tx1"/>
+          </a:fontRef>
+        </p:style>
+      </p:cxnSp>
+      <p:cxnSp>
+        <p:nvCxnSpPr>
+          <p:cNvPr id="116" name="Straight Arrow Connector 115">
+            <a:extLst>
+              <a:ext uri="{FF2B5EF4-FFF2-40B4-BE49-F238E27FC236}">
+                <a16:creationId xmlns:a16="http://schemas.microsoft.com/office/drawing/2014/main" id="{09EADC03-1396-477D-8EFC-86D3BA794290}"/>
+              </a:ext>
+            </a:extLst>
+          </p:cNvPr>
+          <p:cNvCxnSpPr>
+            <a:cxnSpLocks/>
+            <a:stCxn id="111" idx="0"/>
+          </p:cNvCxnSpPr>
+          <p:nvPr/>
+        </p:nvCxnSpPr>
+        <p:spPr>
+          <a:xfrm flipV="1">
+            <a:off x="6096000" y="5118716"/>
+            <a:ext cx="3598343" cy="927260"/>
+          </a:xfrm>
+          <a:prstGeom prst="straightConnector1">
+            <a:avLst/>
+          </a:prstGeom>
+          <a:ln w="25400">
+            <a:solidFill>
+              <a:schemeClr val="tx1"/>
+            </a:solidFill>
+            <a:tailEnd type="triangle"/>
+          </a:ln>
+        </p:spPr>
+        <p:style>
+          <a:lnRef idx="1">
+            <a:schemeClr val="accent1"/>
+          </a:lnRef>
+          <a:fillRef idx="0">
+            <a:schemeClr val="accent1"/>
+          </a:fillRef>
+          <a:effectRef idx="0">
+            <a:schemeClr val="accent1"/>
+          </a:effectRef>
+          <a:fontRef idx="minor">
+            <a:schemeClr val="tx1"/>
+          </a:fontRef>
+        </p:style>
+      </p:cxnSp>
+      <p:sp>
+        <p:nvSpPr>
+          <p:cNvPr id="123" name="Rectangle 122">
+            <a:extLst>
+              <a:ext uri="{FF2B5EF4-FFF2-40B4-BE49-F238E27FC236}">
+                <a16:creationId xmlns:a16="http://schemas.microsoft.com/office/drawing/2014/main" id="{E4111159-005D-4AD7-87FA-01CE2CDC4893}"/>
+              </a:ext>
+            </a:extLst>
+          </p:cNvPr>
+          <p:cNvSpPr/>
+          <p:nvPr/>
+        </p:nvSpPr>
+        <p:spPr>
+          <a:xfrm>
+            <a:off x="2995965" y="1601282"/>
+            <a:ext cx="866127" cy="461665"/>
+          </a:xfrm>
+          <a:prstGeom prst="rect">
+            <a:avLst/>
+          </a:prstGeom>
+          <a:solidFill>
+            <a:srgbClr val="FFCCFF"/>
+          </a:solidFill>
+          <a:ln>
+            <a:solidFill>
+              <a:sysClr val="windowText" lastClr="000000"/>
+            </a:solidFill>
+          </a:ln>
+        </p:spPr>
+        <p:txBody>
+          <a:bodyPr rot="0" spcFirstLastPara="0" vertOverflow="overflow" horzOverflow="overflow" vert="horz" wrap="square" lIns="91440" tIns="45720" rIns="91440" bIns="45720" numCol="1" spcCol="0" rtlCol="0" fromWordArt="0" anchor="ctr" anchorCtr="1" forceAA="0" compatLnSpc="1">
+            <a:prstTxWarp prst="textNoShape">
+              <a:avLst/>
+            </a:prstTxWarp>
+            <a:noAutofit/>
+          </a:bodyPr>
+          <a:lstStyle/>
+          <a:p>
+            <a:pPr marL="0" marR="0" lvl="0" indent="0" algn="ctr" defTabSz="914400" rtl="0" eaLnBrk="1" fontAlgn="auto" latinLnBrk="0" hangingPunct="1">
+              <a:lnSpc>
+                <a:spcPct val="100000"/>
+              </a:lnSpc>
+              <a:spcBef>
+                <a:spcPts val="0"/>
+              </a:spcBef>
+              <a:spcAft>
+                <a:spcPts val="0"/>
+              </a:spcAft>
+              <a:buClrTx/>
+              <a:buSzTx/>
+              <a:buFontTx/>
+              <a:buNone/>
+              <a:tabLst/>
+              <a:defRPr/>
+            </a:pPr>
+            <a:r>
+              <a:rPr lang="en-US" sz="1600" kern="0" dirty="0">
+                <a:solidFill>
+                  <a:prstClr val="black"/>
+                </a:solidFill>
+                <a:latin typeface="Calibri" panose="020F0502020204030204"/>
+              </a:rPr>
+              <a:t>RPC</a:t>
+            </a:r>
+          </a:p>
+          <a:p>
+            <a:pPr marL="0" marR="0" lvl="0" indent="0" algn="ctr" defTabSz="914400" rtl="0" eaLnBrk="1" fontAlgn="auto" latinLnBrk="0" hangingPunct="1">
+              <a:lnSpc>
+                <a:spcPct val="100000"/>
+              </a:lnSpc>
+              <a:spcBef>
+                <a:spcPts val="0"/>
+              </a:spcBef>
+              <a:spcAft>
+                <a:spcPts val="0"/>
+              </a:spcAft>
+              <a:buClrTx/>
+              <a:buSzTx/>
+              <a:buFontTx/>
+              <a:buNone/>
+              <a:tabLst/>
+              <a:defRPr/>
+            </a:pPr>
+            <a:r>
+              <a:rPr kumimoji="0" lang="en-US" sz="1600" b="0" i="0" u="none" strike="noStrike" kern="0" cap="none" spc="0" normalizeH="0" baseline="0" noProof="0" dirty="0" err="1">
+                <a:ln>
+                  <a:noFill/>
+                </a:ln>
+                <a:solidFill>
+                  <a:prstClr val="black"/>
+                </a:solidFill>
+                <a:effectLst/>
+                <a:uLnTx/>
+                <a:uFillTx/>
+                <a:latin typeface="Calibri" panose="020F0502020204030204"/>
+                <a:ea typeface="+mn-ea"/>
+                <a:cs typeface="+mn-cs"/>
+              </a:rPr>
+              <a:t>Impl</a:t>
+            </a:r>
+            <a:r>
+              <a:rPr kumimoji="0" lang="en-US" sz="1600" b="0" i="0" u="none" strike="noStrike" kern="0" cap="none" spc="0" normalizeH="0" baseline="0" noProof="0" dirty="0">
+                <a:ln>
+                  <a:noFill/>
+                </a:ln>
+                <a:solidFill>
+                  <a:prstClr val="black"/>
+                </a:solidFill>
+                <a:effectLst/>
+                <a:uLnTx/>
+                <a:uFillTx/>
+                <a:latin typeface="Calibri" panose="020F0502020204030204"/>
+                <a:ea typeface="+mn-ea"/>
+                <a:cs typeface="+mn-cs"/>
+              </a:rPr>
+              <a:t> </a:t>
+            </a:r>
+          </a:p>
+        </p:txBody>
+      </p:sp>
+      <p:sp>
+        <p:nvSpPr>
+          <p:cNvPr id="124" name="Rectangle 123">
+            <a:extLst>
+              <a:ext uri="{FF2B5EF4-FFF2-40B4-BE49-F238E27FC236}">
+                <a16:creationId xmlns:a16="http://schemas.microsoft.com/office/drawing/2014/main" id="{ECAA18ED-6ACA-489D-8CC0-F579F4344A0E}"/>
+              </a:ext>
+            </a:extLst>
+          </p:cNvPr>
+          <p:cNvSpPr/>
+          <p:nvPr/>
+        </p:nvSpPr>
+        <p:spPr>
+          <a:xfrm>
+            <a:off x="11028868" y="1625542"/>
+            <a:ext cx="866127" cy="461665"/>
+          </a:xfrm>
+          <a:prstGeom prst="rect">
+            <a:avLst/>
+          </a:prstGeom>
+          <a:solidFill>
+            <a:srgbClr val="FFCCFF"/>
+          </a:solidFill>
+          <a:ln>
+            <a:solidFill>
+              <a:sysClr val="windowText" lastClr="000000"/>
+            </a:solidFill>
+          </a:ln>
+        </p:spPr>
+        <p:txBody>
+          <a:bodyPr rot="0" spcFirstLastPara="0" vertOverflow="overflow" horzOverflow="overflow" vert="horz" wrap="square" lIns="91440" tIns="45720" rIns="91440" bIns="45720" numCol="1" spcCol="0" rtlCol="0" fromWordArt="0" anchor="ctr" anchorCtr="1" forceAA="0" compatLnSpc="1">
+            <a:prstTxWarp prst="textNoShape">
+              <a:avLst/>
+            </a:prstTxWarp>
+            <a:noAutofit/>
+          </a:bodyPr>
+          <a:lstStyle/>
+          <a:p>
+            <a:pPr marL="0" marR="0" lvl="0" indent="0" algn="ctr" defTabSz="914400" rtl="0" eaLnBrk="1" fontAlgn="auto" latinLnBrk="0" hangingPunct="1">
+              <a:lnSpc>
+                <a:spcPct val="100000"/>
+              </a:lnSpc>
+              <a:spcBef>
+                <a:spcPts val="0"/>
+              </a:spcBef>
+              <a:spcAft>
+                <a:spcPts val="0"/>
+              </a:spcAft>
+              <a:buClrTx/>
+              <a:buSzTx/>
+              <a:buFontTx/>
+              <a:buNone/>
+              <a:tabLst/>
+              <a:defRPr/>
+            </a:pPr>
+            <a:r>
+              <a:rPr lang="en-US" sz="1600" kern="0" dirty="0">
+                <a:solidFill>
+                  <a:prstClr val="black"/>
+                </a:solidFill>
+                <a:latin typeface="Calibri" panose="020F0502020204030204"/>
+              </a:rPr>
+              <a:t>RPC</a:t>
+            </a:r>
+          </a:p>
+          <a:p>
+            <a:pPr marL="0" marR="0" lvl="0" indent="0" algn="ctr" defTabSz="914400" rtl="0" eaLnBrk="1" fontAlgn="auto" latinLnBrk="0" hangingPunct="1">
+              <a:lnSpc>
+                <a:spcPct val="100000"/>
+              </a:lnSpc>
+              <a:spcBef>
+                <a:spcPts val="0"/>
+              </a:spcBef>
+              <a:spcAft>
+                <a:spcPts val="0"/>
+              </a:spcAft>
+              <a:buClrTx/>
+              <a:buSzTx/>
+              <a:buFontTx/>
+              <a:buNone/>
+              <a:tabLst/>
+              <a:defRPr/>
+            </a:pPr>
+            <a:r>
+              <a:rPr kumimoji="0" lang="en-US" sz="1600" b="0" i="0" u="none" strike="noStrike" kern="0" cap="none" spc="0" normalizeH="0" baseline="0" noProof="0" dirty="0" err="1">
+                <a:ln>
+                  <a:noFill/>
+                </a:ln>
+                <a:solidFill>
+                  <a:prstClr val="black"/>
+                </a:solidFill>
+                <a:effectLst/>
+                <a:uLnTx/>
+                <a:uFillTx/>
+                <a:latin typeface="Calibri" panose="020F0502020204030204"/>
+                <a:ea typeface="+mn-ea"/>
+                <a:cs typeface="+mn-cs"/>
+              </a:rPr>
+              <a:t>Impl</a:t>
+            </a:r>
+            <a:r>
+              <a:rPr kumimoji="0" lang="en-US" sz="1600" b="0" i="0" u="none" strike="noStrike" kern="0" cap="none" spc="0" normalizeH="0" baseline="0" noProof="0" dirty="0">
+                <a:ln>
+                  <a:noFill/>
+                </a:ln>
+                <a:solidFill>
+                  <a:prstClr val="black"/>
+                </a:solidFill>
+                <a:effectLst/>
+                <a:uLnTx/>
+                <a:uFillTx/>
+                <a:latin typeface="Calibri" panose="020F0502020204030204"/>
+                <a:ea typeface="+mn-ea"/>
+                <a:cs typeface="+mn-cs"/>
+              </a:rPr>
+              <a:t> </a:t>
+            </a:r>
+          </a:p>
+        </p:txBody>
+      </p:sp>
+      <p:sp>
+        <p:nvSpPr>
+          <p:cNvPr id="125" name="Rectangle 124">
+            <a:extLst>
+              <a:ext uri="{FF2B5EF4-FFF2-40B4-BE49-F238E27FC236}">
+                <a16:creationId xmlns:a16="http://schemas.microsoft.com/office/drawing/2014/main" id="{7DAAA2AE-9C68-483A-ABAA-41CBCAF3167E}"/>
+              </a:ext>
+            </a:extLst>
+          </p:cNvPr>
+          <p:cNvSpPr/>
+          <p:nvPr/>
+        </p:nvSpPr>
+        <p:spPr>
+          <a:xfrm>
+            <a:off x="7041222" y="1601281"/>
+            <a:ext cx="866127" cy="461665"/>
+          </a:xfrm>
+          <a:prstGeom prst="rect">
+            <a:avLst/>
+          </a:prstGeom>
+          <a:solidFill>
+            <a:srgbClr val="FFCCFF"/>
+          </a:solidFill>
+          <a:ln>
+            <a:solidFill>
+              <a:sysClr val="windowText" lastClr="000000"/>
+            </a:solidFill>
+          </a:ln>
+        </p:spPr>
+        <p:txBody>
+          <a:bodyPr rot="0" spcFirstLastPara="0" vertOverflow="overflow" horzOverflow="overflow" vert="horz" wrap="square" lIns="91440" tIns="45720" rIns="91440" bIns="45720" numCol="1" spcCol="0" rtlCol="0" fromWordArt="0" anchor="ctr" anchorCtr="1" forceAA="0" compatLnSpc="1">
+            <a:prstTxWarp prst="textNoShape">
+              <a:avLst/>
+            </a:prstTxWarp>
+            <a:noAutofit/>
+          </a:bodyPr>
+          <a:lstStyle/>
+          <a:p>
+            <a:pPr marL="0" marR="0" lvl="0" indent="0" algn="ctr" defTabSz="914400" rtl="0" eaLnBrk="1" fontAlgn="auto" latinLnBrk="0" hangingPunct="1">
+              <a:lnSpc>
+                <a:spcPct val="100000"/>
+              </a:lnSpc>
+              <a:spcBef>
+                <a:spcPts val="0"/>
+              </a:spcBef>
+              <a:spcAft>
+                <a:spcPts val="0"/>
+              </a:spcAft>
+              <a:buClrTx/>
+              <a:buSzTx/>
+              <a:buFontTx/>
+              <a:buNone/>
+              <a:tabLst/>
+              <a:defRPr/>
+            </a:pPr>
+            <a:r>
+              <a:rPr lang="en-US" sz="1600" kern="0" dirty="0">
+                <a:solidFill>
+                  <a:prstClr val="black"/>
+                </a:solidFill>
+                <a:latin typeface="Calibri" panose="020F0502020204030204"/>
+              </a:rPr>
+              <a:t>RPC</a:t>
+            </a:r>
+          </a:p>
+          <a:p>
+            <a:pPr marL="0" marR="0" lvl="0" indent="0" algn="ctr" defTabSz="914400" rtl="0" eaLnBrk="1" fontAlgn="auto" latinLnBrk="0" hangingPunct="1">
+              <a:lnSpc>
+                <a:spcPct val="100000"/>
+              </a:lnSpc>
+              <a:spcBef>
+                <a:spcPts val="0"/>
+              </a:spcBef>
+              <a:spcAft>
+                <a:spcPts val="0"/>
+              </a:spcAft>
+              <a:buClrTx/>
+              <a:buSzTx/>
+              <a:buFontTx/>
+              <a:buNone/>
+              <a:tabLst/>
+              <a:defRPr/>
+            </a:pPr>
+            <a:r>
+              <a:rPr kumimoji="0" lang="en-US" sz="1600" b="0" i="0" u="none" strike="noStrike" kern="0" cap="none" spc="0" normalizeH="0" baseline="0" noProof="0" dirty="0" err="1">
+                <a:ln>
+                  <a:noFill/>
+                </a:ln>
+                <a:solidFill>
+                  <a:prstClr val="black"/>
+                </a:solidFill>
+                <a:effectLst/>
+                <a:uLnTx/>
+                <a:uFillTx/>
+                <a:latin typeface="Calibri" panose="020F0502020204030204"/>
+                <a:ea typeface="+mn-ea"/>
+                <a:cs typeface="+mn-cs"/>
+              </a:rPr>
+              <a:t>Impl</a:t>
+            </a:r>
+            <a:r>
+              <a:rPr kumimoji="0" lang="en-US" sz="1600" b="0" i="0" u="none" strike="noStrike" kern="0" cap="none" spc="0" normalizeH="0" baseline="0" noProof="0" dirty="0">
+                <a:ln>
+                  <a:noFill/>
+                </a:ln>
+                <a:solidFill>
+                  <a:prstClr val="black"/>
+                </a:solidFill>
+                <a:effectLst/>
+                <a:uLnTx/>
+                <a:uFillTx/>
+                <a:latin typeface="Calibri" panose="020F0502020204030204"/>
+                <a:ea typeface="+mn-ea"/>
+                <a:cs typeface="+mn-cs"/>
+              </a:rPr>
+              <a:t> </a:t>
+            </a:r>
+          </a:p>
+        </p:txBody>
+      </p:sp>
+      <p:cxnSp>
+        <p:nvCxnSpPr>
+          <p:cNvPr id="69" name="Straight Arrow Connector 68">
+            <a:extLst>
+              <a:ext uri="{FF2B5EF4-FFF2-40B4-BE49-F238E27FC236}">
+                <a16:creationId xmlns:a16="http://schemas.microsoft.com/office/drawing/2014/main" id="{994ACFED-7363-4FC1-A5A9-D6ECB93E249A}"/>
+              </a:ext>
+            </a:extLst>
+          </p:cNvPr>
+          <p:cNvCxnSpPr>
+            <a:cxnSpLocks/>
+            <a:stCxn id="61" idx="2"/>
+          </p:cNvCxnSpPr>
+          <p:nvPr/>
+        </p:nvCxnSpPr>
+        <p:spPr>
+          <a:xfrm flipH="1">
+            <a:off x="3699481" y="752677"/>
+            <a:ext cx="2396519" cy="984881"/>
+          </a:xfrm>
+          <a:prstGeom prst="straightConnector1">
+            <a:avLst/>
+          </a:prstGeom>
+          <a:ln w="25400">
+            <a:solidFill>
+              <a:schemeClr val="tx1"/>
+            </a:solidFill>
+            <a:tailEnd type="triangle"/>
+          </a:ln>
+        </p:spPr>
+        <p:style>
+          <a:lnRef idx="1">
+            <a:schemeClr val="accent1"/>
+          </a:lnRef>
+          <a:fillRef idx="0">
+            <a:schemeClr val="accent1"/>
+          </a:fillRef>
+          <a:effectRef idx="0">
+            <a:schemeClr val="accent1"/>
+          </a:effectRef>
+          <a:fontRef idx="minor">
+            <a:schemeClr val="tx1"/>
+          </a:fontRef>
+        </p:style>
+      </p:cxnSp>
+      <p:cxnSp>
+        <p:nvCxnSpPr>
+          <p:cNvPr id="89" name="Straight Arrow Connector 88">
+            <a:extLst>
+              <a:ext uri="{FF2B5EF4-FFF2-40B4-BE49-F238E27FC236}">
+                <a16:creationId xmlns:a16="http://schemas.microsoft.com/office/drawing/2014/main" id="{94EA57AE-D310-40D2-88C8-DA2087970DC2}"/>
+              </a:ext>
+            </a:extLst>
+          </p:cNvPr>
+          <p:cNvCxnSpPr>
+            <a:cxnSpLocks/>
+            <a:stCxn id="61" idx="2"/>
+          </p:cNvCxnSpPr>
+          <p:nvPr/>
+        </p:nvCxnSpPr>
+        <p:spPr>
+          <a:xfrm>
+            <a:off x="6096000" y="752677"/>
+            <a:ext cx="5095485" cy="1039818"/>
+          </a:xfrm>
+          <a:prstGeom prst="straightConnector1">
+            <a:avLst/>
+          </a:prstGeom>
+          <a:ln w="25400">
+            <a:solidFill>
+              <a:schemeClr val="tx1"/>
+            </a:solidFill>
+            <a:tailEnd type="triangle"/>
+          </a:ln>
+        </p:spPr>
+        <p:style>
+          <a:lnRef idx="1">
+            <a:schemeClr val="accent1"/>
+          </a:lnRef>
+          <a:fillRef idx="0">
+            <a:schemeClr val="accent1"/>
+          </a:fillRef>
+          <a:effectRef idx="0">
+            <a:schemeClr val="accent1"/>
+          </a:effectRef>
+          <a:fontRef idx="minor">
+            <a:schemeClr val="tx1"/>
+          </a:fontRef>
+        </p:style>
+      </p:cxnSp>
+      <p:cxnSp>
+        <p:nvCxnSpPr>
+          <p:cNvPr id="88" name="Straight Arrow Connector 87">
+            <a:extLst>
+              <a:ext uri="{FF2B5EF4-FFF2-40B4-BE49-F238E27FC236}">
+                <a16:creationId xmlns:a16="http://schemas.microsoft.com/office/drawing/2014/main" id="{95A37787-F037-4A22-928D-68DC3E582AEF}"/>
+              </a:ext>
+            </a:extLst>
+          </p:cNvPr>
+          <p:cNvCxnSpPr>
+            <a:cxnSpLocks/>
+            <a:stCxn id="61" idx="2"/>
+          </p:cNvCxnSpPr>
+          <p:nvPr/>
+        </p:nvCxnSpPr>
+        <p:spPr>
+          <a:xfrm>
+            <a:off x="6096000" y="752677"/>
+            <a:ext cx="1154997" cy="1014566"/>
+          </a:xfrm>
+          <a:prstGeom prst="straightConnector1">
+            <a:avLst/>
+          </a:prstGeom>
+          <a:ln w="25400">
+            <a:solidFill>
+              <a:schemeClr val="tx1"/>
+            </a:solidFill>
+            <a:tailEnd type="triangle"/>
+          </a:ln>
+        </p:spPr>
+        <p:style>
+          <a:lnRef idx="1">
+            <a:schemeClr val="accent1"/>
+          </a:lnRef>
+          <a:fillRef idx="0">
+            <a:schemeClr val="accent1"/>
+          </a:fillRef>
+          <a:effectRef idx="0">
+            <a:schemeClr val="accent1"/>
+          </a:effectRef>
+          <a:fontRef idx="minor">
+            <a:schemeClr val="tx1"/>
+          </a:fontRef>
+        </p:style>
+      </p:cxnSp>
+      <p:cxnSp>
+        <p:nvCxnSpPr>
+          <p:cNvPr id="90" name="Straight Arrow Connector 89">
+            <a:extLst>
+              <a:ext uri="{FF2B5EF4-FFF2-40B4-BE49-F238E27FC236}">
+                <a16:creationId xmlns:a16="http://schemas.microsoft.com/office/drawing/2014/main" id="{0DEE0789-84B4-4358-B71F-FF72A703BEE9}"/>
+              </a:ext>
+            </a:extLst>
+          </p:cNvPr>
+          <p:cNvCxnSpPr>
+            <a:cxnSpLocks/>
+            <a:stCxn id="61" idx="2"/>
+          </p:cNvCxnSpPr>
+          <p:nvPr/>
+        </p:nvCxnSpPr>
+        <p:spPr>
+          <a:xfrm>
+            <a:off x="6096000" y="752677"/>
+            <a:ext cx="3607524" cy="4163465"/>
+          </a:xfrm>
+          <a:prstGeom prst="straightConnector1">
+            <a:avLst/>
+          </a:prstGeom>
+          <a:ln w="25400">
+            <a:solidFill>
+              <a:schemeClr val="tx1"/>
+            </a:solidFill>
+            <a:tailEnd type="triangle"/>
+          </a:ln>
+        </p:spPr>
+        <p:style>
+          <a:lnRef idx="1">
+            <a:schemeClr val="accent1"/>
+          </a:lnRef>
+          <a:fillRef idx="0">
+            <a:schemeClr val="accent1"/>
+          </a:fillRef>
+          <a:effectRef idx="0">
+            <a:schemeClr val="accent1"/>
+          </a:effectRef>
+          <a:fontRef idx="minor">
+            <a:schemeClr val="tx1"/>
+          </a:fontRef>
+        </p:style>
+      </p:cxnSp>
+      <p:sp>
+        <p:nvSpPr>
+          <p:cNvPr id="140" name="Arrow: Down 139">
+            <a:extLst>
+              <a:ext uri="{FF2B5EF4-FFF2-40B4-BE49-F238E27FC236}">
+                <a16:creationId xmlns:a16="http://schemas.microsoft.com/office/drawing/2014/main" id="{A3614B96-DA90-4620-A0CA-6F4C318ACFE0}"/>
+              </a:ext>
+            </a:extLst>
+          </p:cNvPr>
+          <p:cNvSpPr/>
+          <p:nvPr/>
+        </p:nvSpPr>
+        <p:spPr>
+          <a:xfrm rot="12416647">
+            <a:off x="2310000" y="2004828"/>
+            <a:ext cx="951661" cy="2580290"/>
+          </a:xfrm>
+          <a:prstGeom prst="downArrow">
+            <a:avLst/>
+          </a:prstGeom>
+          <a:solidFill>
+            <a:schemeClr val="bg1">
+              <a:lumMod val="65000"/>
+            </a:schemeClr>
+          </a:solidFill>
+          <a:ln>
+            <a:solidFill>
+              <a:sysClr val="windowText" lastClr="000000"/>
+            </a:solidFill>
+          </a:ln>
+        </p:spPr>
+        <p:txBody>
+          <a:bodyPr rot="0" spcFirstLastPara="0" vertOverflow="overflow" horzOverflow="overflow" vert="vert" wrap="square" lIns="91440" tIns="45720" rIns="91440" bIns="45720" numCol="1" spcCol="0" rtlCol="0" fromWordArt="0" anchor="ctr" anchorCtr="1" forceAA="0" compatLnSpc="1">
+            <a:prstTxWarp prst="textNoShape">
+              <a:avLst/>
+            </a:prstTxWarp>
+            <a:noAutofit/>
+          </a:bodyPr>
+          <a:lstStyle/>
+          <a:p>
+            <a:pPr algn="ctr"/>
+            <a:r>
+              <a:rPr lang="en-US" sz="2000" kern="0" dirty="0">
+                <a:solidFill>
+                  <a:prstClr val="black"/>
+                </a:solidFill>
+                <a:latin typeface="Calibri" panose="020F0502020204030204"/>
+              </a:rPr>
+              <a:t>HTTPS</a:t>
+            </a:r>
+          </a:p>
+        </p:txBody>
+      </p:sp>
+      <p:sp>
+        <p:nvSpPr>
+          <p:cNvPr id="141" name="Arrow: Down 140">
+            <a:extLst>
+              <a:ext uri="{FF2B5EF4-FFF2-40B4-BE49-F238E27FC236}">
+                <a16:creationId xmlns:a16="http://schemas.microsoft.com/office/drawing/2014/main" id="{52B19B8D-EF6C-419C-8242-A4246F1FBF4D}"/>
+              </a:ext>
+            </a:extLst>
+          </p:cNvPr>
+          <p:cNvSpPr/>
+          <p:nvPr/>
+        </p:nvSpPr>
+        <p:spPr>
+          <a:xfrm rot="12416647">
+            <a:off x="6331105" y="1993657"/>
+            <a:ext cx="951661" cy="2580290"/>
+          </a:xfrm>
+          <a:prstGeom prst="downArrow">
+            <a:avLst/>
+          </a:prstGeom>
+          <a:solidFill>
+            <a:schemeClr val="bg1">
+              <a:lumMod val="65000"/>
+            </a:schemeClr>
+          </a:solidFill>
+          <a:ln>
+            <a:solidFill>
+              <a:sysClr val="windowText" lastClr="000000"/>
+            </a:solidFill>
+          </a:ln>
+        </p:spPr>
+        <p:txBody>
+          <a:bodyPr rot="0" spcFirstLastPara="0" vertOverflow="overflow" horzOverflow="overflow" vert="vert" wrap="square" lIns="91440" tIns="45720" rIns="91440" bIns="45720" numCol="1" spcCol="0" rtlCol="0" fromWordArt="0" anchor="ctr" anchorCtr="1" forceAA="0" compatLnSpc="1">
+            <a:prstTxWarp prst="textNoShape">
+              <a:avLst/>
+            </a:prstTxWarp>
+            <a:noAutofit/>
+          </a:bodyPr>
+          <a:lstStyle/>
+          <a:p>
+            <a:pPr algn="ctr"/>
+            <a:r>
+              <a:rPr lang="en-US" sz="2000" kern="0" dirty="0">
+                <a:solidFill>
+                  <a:prstClr val="black"/>
+                </a:solidFill>
+                <a:latin typeface="Calibri" panose="020F0502020204030204"/>
+              </a:rPr>
+              <a:t>IPC</a:t>
+            </a:r>
+          </a:p>
+        </p:txBody>
+      </p:sp>
+      <p:sp>
+        <p:nvSpPr>
+          <p:cNvPr id="142" name="Arrow: Down 141">
+            <a:extLst>
+              <a:ext uri="{FF2B5EF4-FFF2-40B4-BE49-F238E27FC236}">
+                <a16:creationId xmlns:a16="http://schemas.microsoft.com/office/drawing/2014/main" id="{16D637E6-8C84-40BA-AE65-6175E73C9DB9}"/>
+              </a:ext>
+            </a:extLst>
+          </p:cNvPr>
+          <p:cNvSpPr/>
+          <p:nvPr/>
+        </p:nvSpPr>
+        <p:spPr>
+          <a:xfrm rot="12416647">
+            <a:off x="10315306" y="2005289"/>
+            <a:ext cx="951661" cy="2580290"/>
+          </a:xfrm>
+          <a:prstGeom prst="downArrow">
+            <a:avLst/>
+          </a:prstGeom>
+          <a:solidFill>
+            <a:schemeClr val="bg1">
+              <a:lumMod val="65000"/>
+            </a:schemeClr>
+          </a:solidFill>
+          <a:ln>
+            <a:solidFill>
+              <a:sysClr val="windowText" lastClr="000000"/>
+            </a:solidFill>
+          </a:ln>
+        </p:spPr>
+        <p:txBody>
+          <a:bodyPr rot="0" spcFirstLastPara="0" vertOverflow="overflow" horzOverflow="overflow" vert="vert" wrap="square" lIns="91440" tIns="45720" rIns="91440" bIns="45720" numCol="1" spcCol="0" rtlCol="0" fromWordArt="0" anchor="ctr" anchorCtr="1" forceAA="0" compatLnSpc="1">
+            <a:prstTxWarp prst="textNoShape">
+              <a:avLst/>
+            </a:prstTxWarp>
+            <a:noAutofit/>
+          </a:bodyPr>
+          <a:lstStyle/>
+          <a:p>
+            <a:pPr algn="ctr"/>
+            <a:r>
+              <a:rPr lang="en-US" sz="2000" kern="0" dirty="0">
+                <a:solidFill>
+                  <a:prstClr val="black"/>
+                </a:solidFill>
+                <a:latin typeface="Calibri" panose="020F0502020204030204"/>
+              </a:rPr>
+              <a:t>Function Calls</a:t>
+            </a:r>
+          </a:p>
+        </p:txBody>
+      </p:sp>
+      <p:sp>
+        <p:nvSpPr>
+          <p:cNvPr id="156" name="Speech Bubble: Rectangle with Corners Rounded 155">
+            <a:extLst>
+              <a:ext uri="{FF2B5EF4-FFF2-40B4-BE49-F238E27FC236}">
+                <a16:creationId xmlns:a16="http://schemas.microsoft.com/office/drawing/2014/main" id="{162AA051-4CF0-417F-8166-03D939AC344E}"/>
+              </a:ext>
+            </a:extLst>
+          </p:cNvPr>
+          <p:cNvSpPr/>
+          <p:nvPr/>
+        </p:nvSpPr>
+        <p:spPr>
+          <a:xfrm>
+            <a:off x="7640900" y="5989817"/>
+            <a:ext cx="3387968" cy="762000"/>
+          </a:xfrm>
+          <a:prstGeom prst="wedgeRoundRectCallout">
+            <a:avLst>
+              <a:gd name="adj1" fmla="val -84847"/>
+              <a:gd name="adj2" fmla="val 2500"/>
+              <a:gd name="adj3" fmla="val 16667"/>
+            </a:avLst>
+          </a:prstGeom>
+          <a:solidFill>
+            <a:srgbClr val="CCFFFF"/>
+          </a:solidFill>
+        </p:spPr>
+        <p:style>
+          <a:lnRef idx="2">
+            <a:schemeClr val="accent1">
+              <a:shade val="50000"/>
+            </a:schemeClr>
+          </a:lnRef>
+          <a:fillRef idx="1">
+            <a:schemeClr val="accent1"/>
+          </a:fillRef>
+          <a:effectRef idx="0">
+            <a:schemeClr val="accent1"/>
+          </a:effectRef>
+          <a:fontRef idx="minor">
+            <a:schemeClr val="lt1"/>
+          </a:fontRef>
+        </p:style>
+        <p:txBody>
+          <a:bodyPr rtlCol="0" anchor="ctr"/>
+          <a:lstStyle/>
+          <a:p>
+            <a:pPr algn="ctr"/>
+            <a:r>
+              <a:rPr lang="en-US" dirty="0">
+                <a:solidFill>
+                  <a:schemeClr val="tx1"/>
+                </a:solidFill>
+              </a:rPr>
+              <a:t>Common base class.</a:t>
+            </a:r>
+          </a:p>
+          <a:p>
+            <a:pPr algn="ctr"/>
+            <a:r>
+              <a:rPr lang="en-US" dirty="0">
+                <a:solidFill>
+                  <a:schemeClr val="tx1"/>
+                </a:solidFill>
+              </a:rPr>
+              <a:t>Different subclass per platform</a:t>
+            </a:r>
+          </a:p>
+        </p:txBody>
+      </p:sp>
+      <p:sp>
+        <p:nvSpPr>
+          <p:cNvPr id="157" name="Speech Bubble: Rectangle with Corners Rounded 156">
+            <a:extLst>
+              <a:ext uri="{FF2B5EF4-FFF2-40B4-BE49-F238E27FC236}">
+                <a16:creationId xmlns:a16="http://schemas.microsoft.com/office/drawing/2014/main" id="{1D3A0C18-F043-4350-BA78-5D5F4550836A}"/>
+              </a:ext>
+            </a:extLst>
+          </p:cNvPr>
+          <p:cNvSpPr/>
+          <p:nvPr/>
+        </p:nvSpPr>
+        <p:spPr>
+          <a:xfrm>
+            <a:off x="142166" y="5816266"/>
+            <a:ext cx="4945560" cy="970174"/>
+          </a:xfrm>
+          <a:prstGeom prst="wedgeRoundRectCallout">
+            <a:avLst>
+              <a:gd name="adj1" fmla="val 61664"/>
+              <a:gd name="adj2" fmla="val 3266"/>
+              <a:gd name="adj3" fmla="val 16667"/>
+            </a:avLst>
+          </a:prstGeom>
+          <a:solidFill>
+            <a:srgbClr val="CCFFFF"/>
+          </a:solidFill>
+        </p:spPr>
+        <p:style>
+          <a:lnRef idx="2">
+            <a:schemeClr val="accent1">
+              <a:shade val="50000"/>
+            </a:schemeClr>
+          </a:lnRef>
+          <a:fillRef idx="1">
+            <a:schemeClr val="accent1"/>
+          </a:fillRef>
+          <a:effectRef idx="0">
+            <a:schemeClr val="accent1"/>
+          </a:effectRef>
+          <a:fontRef idx="minor">
+            <a:schemeClr val="lt1"/>
+          </a:fontRef>
+        </p:style>
+        <p:txBody>
+          <a:bodyPr rtlCol="0" anchor="ctr"/>
+          <a:lstStyle/>
+          <a:p>
+            <a:pPr algn="ctr"/>
+            <a:r>
+              <a:rPr lang="en-US" dirty="0">
+                <a:solidFill>
+                  <a:schemeClr val="tx1"/>
+                </a:solidFill>
+              </a:rPr>
+              <a:t>Invokes RPC Interface methods using generated client wrapper and platform appropriate transport.</a:t>
+            </a:r>
+          </a:p>
+        </p:txBody>
+      </p:sp>
+      <p:sp>
+        <p:nvSpPr>
+          <p:cNvPr id="158" name="Speech Bubble: Rectangle with Corners Rounded 157">
+            <a:extLst>
+              <a:ext uri="{FF2B5EF4-FFF2-40B4-BE49-F238E27FC236}">
+                <a16:creationId xmlns:a16="http://schemas.microsoft.com/office/drawing/2014/main" id="{EFAEEBDC-53D9-402A-ACF4-8BC62C1F5C57}"/>
+              </a:ext>
+            </a:extLst>
+          </p:cNvPr>
+          <p:cNvSpPr/>
+          <p:nvPr/>
+        </p:nvSpPr>
+        <p:spPr>
+          <a:xfrm>
+            <a:off x="544384" y="22260"/>
+            <a:ext cx="4391993" cy="999668"/>
+          </a:xfrm>
+          <a:prstGeom prst="wedgeRoundRectCallout">
+            <a:avLst>
+              <a:gd name="adj1" fmla="val 67385"/>
+              <a:gd name="adj2" fmla="val -12362"/>
+              <a:gd name="adj3" fmla="val 16667"/>
+            </a:avLst>
+          </a:prstGeom>
+          <a:solidFill>
+            <a:srgbClr val="CCFFFF"/>
+          </a:solidFill>
+        </p:spPr>
+        <p:style>
+          <a:lnRef idx="2">
+            <a:schemeClr val="accent1">
+              <a:shade val="50000"/>
+            </a:schemeClr>
+          </a:lnRef>
+          <a:fillRef idx="1">
+            <a:schemeClr val="accent1"/>
+          </a:fillRef>
+          <a:effectRef idx="0">
+            <a:schemeClr val="accent1"/>
+          </a:effectRef>
+          <a:fontRef idx="minor">
+            <a:schemeClr val="lt1"/>
+          </a:fontRef>
+        </p:style>
+        <p:txBody>
+          <a:bodyPr rtlCol="0" anchor="ctr"/>
+          <a:lstStyle/>
+          <a:p>
+            <a:pPr algn="ctr"/>
+            <a:r>
+              <a:rPr lang="en-US" dirty="0">
+                <a:solidFill>
+                  <a:schemeClr val="tx1"/>
+                </a:solidFill>
+              </a:rPr>
+              <a:t>Same RPC Interface used across platforms and across frontend (client) and backend (implementation).</a:t>
+            </a:r>
+          </a:p>
+        </p:txBody>
+      </p:sp>
+      <p:sp>
+        <p:nvSpPr>
+          <p:cNvPr id="159" name="Speech Bubble: Rectangle with Corners Rounded 158">
+            <a:extLst>
+              <a:ext uri="{FF2B5EF4-FFF2-40B4-BE49-F238E27FC236}">
+                <a16:creationId xmlns:a16="http://schemas.microsoft.com/office/drawing/2014/main" id="{430B8C63-2426-4378-9097-4230F9B27E2F}"/>
+              </a:ext>
+            </a:extLst>
+          </p:cNvPr>
+          <p:cNvSpPr/>
+          <p:nvPr/>
+        </p:nvSpPr>
+        <p:spPr>
+          <a:xfrm>
+            <a:off x="7000040" y="22661"/>
+            <a:ext cx="5158241" cy="942330"/>
+          </a:xfrm>
+          <a:prstGeom prst="wedgeRoundRectCallout">
+            <a:avLst>
+              <a:gd name="adj1" fmla="val -60529"/>
+              <a:gd name="adj2" fmla="val -14917"/>
+              <a:gd name="adj3" fmla="val 16667"/>
+            </a:avLst>
+          </a:prstGeom>
+          <a:solidFill>
+            <a:srgbClr val="CCFFFF"/>
+          </a:solidFill>
+        </p:spPr>
+        <p:style>
+          <a:lnRef idx="2">
+            <a:schemeClr val="accent1">
+              <a:shade val="50000"/>
+            </a:schemeClr>
+          </a:lnRef>
+          <a:fillRef idx="1">
+            <a:schemeClr val="accent1"/>
+          </a:fillRef>
+          <a:effectRef idx="0">
+            <a:schemeClr val="accent1"/>
+          </a:effectRef>
+          <a:fontRef idx="minor">
+            <a:schemeClr val="lt1"/>
+          </a:fontRef>
+        </p:style>
+        <p:txBody>
+          <a:bodyPr rtlCol="0" anchor="ctr"/>
+          <a:lstStyle/>
+          <a:p>
+            <a:pPr algn="ctr"/>
+            <a:r>
+              <a:rPr lang="en-US" dirty="0">
+                <a:solidFill>
+                  <a:schemeClr val="tx1"/>
+                </a:solidFill>
+              </a:rPr>
+              <a:t>Registration process matches backend implementation (same across platform) with RPC Interface method.</a:t>
+            </a:r>
+          </a:p>
+        </p:txBody>
+      </p:sp>
+    </p:spTree>
+    <p:extLst>
+      <p:ext uri="{BB962C8B-B14F-4D97-AF65-F5344CB8AC3E}">
+        <p14:creationId xmlns:p14="http://schemas.microsoft.com/office/powerpoint/2010/main" val="1242409086"/>
+      </p:ext>
+    </p:extLst>
+  </p:cSld>
+  <p:clrMapOvr>
+    <a:masterClrMapping/>
+  </p:clrMapOvr>
+  <mc:AlternateContent xmlns:mc="http://schemas.openxmlformats.org/markup-compatibility/2006" xmlns:p14="http://schemas.microsoft.com/office/powerpoint/2010/main">
+    <mc:Choice Requires="p14">
+      <p:transition spd="med" p14:dur="700">
+        <p:fade/>
+      </p:transition>
+    </mc:Choice>
+    <mc:Fallback xmlns="">
+      <p:transition spd="med">
         <p:fade/>
       </p:transition>
     </mc:Fallback>
@@ -18233,7 +24587,7 @@
                             </p:stCondLst>
                             <p:childTnLst>
                               <p:par>
-                                <p:cTn id="5" presetID="1" presetClass="entr" presetSubtype="0" fill="hold" nodeType="clickEffect">
+                                <p:cTn id="5" presetID="10" presetClass="entr" presetSubtype="0" fill="hold" grpId="0" nodeType="clickEffect">
                                   <p:stCondLst>
                                     <p:cond delay="0"/>
                                   </p:stCondLst>
@@ -18246,7 +24600,394 @@
                                           </p:stCondLst>
                                         </p:cTn>
                                         <p:tgtEl>
-                                          <p:spTgt spid="3"/>
+                                          <p:spTgt spid="111"/>
+                                        </p:tgtEl>
+                                        <p:attrNameLst>
+                                          <p:attrName>style.visibility</p:attrName>
+                                        </p:attrNameLst>
+                                      </p:cBhvr>
+                                      <p:to>
+                                        <p:strVal val="visible"/>
+                                      </p:to>
+                                    </p:set>
+                                    <p:animEffect transition="in" filter="fade">
+                                      <p:cBhvr>
+                                        <p:cTn id="7" dur="500"/>
+                                        <p:tgtEl>
+                                          <p:spTgt spid="111"/>
+                                        </p:tgtEl>
+                                      </p:cBhvr>
+                                    </p:animEffect>
+                                  </p:childTnLst>
+                                </p:cTn>
+                              </p:par>
+                            </p:childTnLst>
+                          </p:cTn>
+                        </p:par>
+                      </p:childTnLst>
+                    </p:cTn>
+                  </p:par>
+                  <p:par>
+                    <p:cTn id="8" fill="hold">
+                      <p:stCondLst>
+                        <p:cond delay="indefinite"/>
+                      </p:stCondLst>
+                      <p:childTnLst>
+                        <p:par>
+                          <p:cTn id="9" fill="hold">
+                            <p:stCondLst>
+                              <p:cond delay="0"/>
+                            </p:stCondLst>
+                            <p:childTnLst>
+                              <p:par>
+                                <p:cTn id="10" presetID="10" presetClass="entr" presetSubtype="0" fill="hold" grpId="0" nodeType="clickEffect">
+                                  <p:stCondLst>
+                                    <p:cond delay="0"/>
+                                  </p:stCondLst>
+                                  <p:childTnLst>
+                                    <p:set>
+                                      <p:cBhvr>
+                                        <p:cTn id="11" dur="1" fill="hold">
+                                          <p:stCondLst>
+                                            <p:cond delay="0"/>
+                                          </p:stCondLst>
+                                        </p:cTn>
+                                        <p:tgtEl>
+                                          <p:spTgt spid="156"/>
+                                        </p:tgtEl>
+                                        <p:attrNameLst>
+                                          <p:attrName>style.visibility</p:attrName>
+                                        </p:attrNameLst>
+                                      </p:cBhvr>
+                                      <p:to>
+                                        <p:strVal val="visible"/>
+                                      </p:to>
+                                    </p:set>
+                                    <p:animEffect transition="in" filter="fade">
+                                      <p:cBhvr>
+                                        <p:cTn id="12" dur="500"/>
+                                        <p:tgtEl>
+                                          <p:spTgt spid="156"/>
+                                        </p:tgtEl>
+                                      </p:cBhvr>
+                                    </p:animEffect>
+                                  </p:childTnLst>
+                                </p:cTn>
+                              </p:par>
+                            </p:childTnLst>
+                          </p:cTn>
+                        </p:par>
+                      </p:childTnLst>
+                    </p:cTn>
+                  </p:par>
+                  <p:par>
+                    <p:cTn id="13" fill="hold">
+                      <p:stCondLst>
+                        <p:cond delay="indefinite"/>
+                      </p:stCondLst>
+                      <p:childTnLst>
+                        <p:par>
+                          <p:cTn id="14" fill="hold">
+                            <p:stCondLst>
+                              <p:cond delay="0"/>
+                            </p:stCondLst>
+                            <p:childTnLst>
+                              <p:par>
+                                <p:cTn id="15" presetID="10" presetClass="entr" presetSubtype="0" fill="hold" nodeType="clickEffect">
+                                  <p:stCondLst>
+                                    <p:cond delay="0"/>
+                                  </p:stCondLst>
+                                  <p:childTnLst>
+                                    <p:set>
+                                      <p:cBhvr>
+                                        <p:cTn id="16" dur="1" fill="hold">
+                                          <p:stCondLst>
+                                            <p:cond delay="0"/>
+                                          </p:stCondLst>
+                                        </p:cTn>
+                                        <p:tgtEl>
+                                          <p:spTgt spid="116"/>
+                                        </p:tgtEl>
+                                        <p:attrNameLst>
+                                          <p:attrName>style.visibility</p:attrName>
+                                        </p:attrNameLst>
+                                      </p:cBhvr>
+                                      <p:to>
+                                        <p:strVal val="visible"/>
+                                      </p:to>
+                                    </p:set>
+                                    <p:animEffect transition="in" filter="fade">
+                                      <p:cBhvr>
+                                        <p:cTn id="17" dur="500"/>
+                                        <p:tgtEl>
+                                          <p:spTgt spid="116"/>
+                                        </p:tgtEl>
+                                      </p:cBhvr>
+                                    </p:animEffect>
+                                  </p:childTnLst>
+                                </p:cTn>
+                              </p:par>
+                              <p:par>
+                                <p:cTn id="18" presetID="10" presetClass="entr" presetSubtype="0" fill="hold" nodeType="withEffect">
+                                  <p:stCondLst>
+                                    <p:cond delay="0"/>
+                                  </p:stCondLst>
+                                  <p:childTnLst>
+                                    <p:set>
+                                      <p:cBhvr>
+                                        <p:cTn id="19" dur="1" fill="hold">
+                                          <p:stCondLst>
+                                            <p:cond delay="0"/>
+                                          </p:stCondLst>
+                                        </p:cTn>
+                                        <p:tgtEl>
+                                          <p:spTgt spid="115"/>
+                                        </p:tgtEl>
+                                        <p:attrNameLst>
+                                          <p:attrName>style.visibility</p:attrName>
+                                        </p:attrNameLst>
+                                      </p:cBhvr>
+                                      <p:to>
+                                        <p:strVal val="visible"/>
+                                      </p:to>
+                                    </p:set>
+                                    <p:animEffect transition="in" filter="fade">
+                                      <p:cBhvr>
+                                        <p:cTn id="20" dur="500"/>
+                                        <p:tgtEl>
+                                          <p:spTgt spid="115"/>
+                                        </p:tgtEl>
+                                      </p:cBhvr>
+                                    </p:animEffect>
+                                  </p:childTnLst>
+                                </p:cTn>
+                              </p:par>
+                              <p:par>
+                                <p:cTn id="21" presetID="10" presetClass="entr" presetSubtype="0" fill="hold" nodeType="withEffect">
+                                  <p:stCondLst>
+                                    <p:cond delay="0"/>
+                                  </p:stCondLst>
+                                  <p:childTnLst>
+                                    <p:set>
+                                      <p:cBhvr>
+                                        <p:cTn id="22" dur="1" fill="hold">
+                                          <p:stCondLst>
+                                            <p:cond delay="0"/>
+                                          </p:stCondLst>
+                                        </p:cTn>
+                                        <p:tgtEl>
+                                          <p:spTgt spid="112"/>
+                                        </p:tgtEl>
+                                        <p:attrNameLst>
+                                          <p:attrName>style.visibility</p:attrName>
+                                        </p:attrNameLst>
+                                      </p:cBhvr>
+                                      <p:to>
+                                        <p:strVal val="visible"/>
+                                      </p:to>
+                                    </p:set>
+                                    <p:animEffect transition="in" filter="fade">
+                                      <p:cBhvr>
+                                        <p:cTn id="23" dur="500"/>
+                                        <p:tgtEl>
+                                          <p:spTgt spid="112"/>
+                                        </p:tgtEl>
+                                      </p:cBhvr>
+                                    </p:animEffect>
+                                  </p:childTnLst>
+                                </p:cTn>
+                              </p:par>
+                              <p:par>
+                                <p:cTn id="24" presetID="10" presetClass="entr" presetSubtype="0" fill="hold" grpId="0" nodeType="withEffect">
+                                  <p:stCondLst>
+                                    <p:cond delay="0"/>
+                                  </p:stCondLst>
+                                  <p:childTnLst>
+                                    <p:set>
+                                      <p:cBhvr>
+                                        <p:cTn id="25" dur="1" fill="hold">
+                                          <p:stCondLst>
+                                            <p:cond delay="0"/>
+                                          </p:stCondLst>
+                                        </p:cTn>
+                                        <p:tgtEl>
+                                          <p:spTgt spid="56"/>
+                                        </p:tgtEl>
+                                        <p:attrNameLst>
+                                          <p:attrName>style.visibility</p:attrName>
+                                        </p:attrNameLst>
+                                      </p:cBhvr>
+                                      <p:to>
+                                        <p:strVal val="visible"/>
+                                      </p:to>
+                                    </p:set>
+                                    <p:animEffect transition="in" filter="fade">
+                                      <p:cBhvr>
+                                        <p:cTn id="26" dur="500"/>
+                                        <p:tgtEl>
+                                          <p:spTgt spid="56"/>
+                                        </p:tgtEl>
+                                      </p:cBhvr>
+                                    </p:animEffect>
+                                  </p:childTnLst>
+                                </p:cTn>
+                              </p:par>
+                              <p:par>
+                                <p:cTn id="27" presetID="10" presetClass="entr" presetSubtype="0" fill="hold" grpId="0" nodeType="withEffect">
+                                  <p:stCondLst>
+                                    <p:cond delay="0"/>
+                                  </p:stCondLst>
+                                  <p:childTnLst>
+                                    <p:set>
+                                      <p:cBhvr>
+                                        <p:cTn id="28" dur="1" fill="hold">
+                                          <p:stCondLst>
+                                            <p:cond delay="0"/>
+                                          </p:stCondLst>
+                                        </p:cTn>
+                                        <p:tgtEl>
+                                          <p:spTgt spid="68"/>
+                                        </p:tgtEl>
+                                        <p:attrNameLst>
+                                          <p:attrName>style.visibility</p:attrName>
+                                        </p:attrNameLst>
+                                      </p:cBhvr>
+                                      <p:to>
+                                        <p:strVal val="visible"/>
+                                      </p:to>
+                                    </p:set>
+                                    <p:animEffect transition="in" filter="fade">
+                                      <p:cBhvr>
+                                        <p:cTn id="29" dur="500"/>
+                                        <p:tgtEl>
+                                          <p:spTgt spid="68"/>
+                                        </p:tgtEl>
+                                      </p:cBhvr>
+                                    </p:animEffect>
+                                  </p:childTnLst>
+                                </p:cTn>
+                              </p:par>
+                              <p:par>
+                                <p:cTn id="30" presetID="10" presetClass="entr" presetSubtype="0" fill="hold" grpId="0" nodeType="withEffect">
+                                  <p:stCondLst>
+                                    <p:cond delay="0"/>
+                                  </p:stCondLst>
+                                  <p:childTnLst>
+                                    <p:set>
+                                      <p:cBhvr>
+                                        <p:cTn id="31" dur="1" fill="hold">
+                                          <p:stCondLst>
+                                            <p:cond delay="0"/>
+                                          </p:stCondLst>
+                                        </p:cTn>
+                                        <p:tgtEl>
+                                          <p:spTgt spid="74"/>
+                                        </p:tgtEl>
+                                        <p:attrNameLst>
+                                          <p:attrName>style.visibility</p:attrName>
+                                        </p:attrNameLst>
+                                      </p:cBhvr>
+                                      <p:to>
+                                        <p:strVal val="visible"/>
+                                      </p:to>
+                                    </p:set>
+                                    <p:animEffect transition="in" filter="fade">
+                                      <p:cBhvr>
+                                        <p:cTn id="32" dur="500"/>
+                                        <p:tgtEl>
+                                          <p:spTgt spid="74"/>
+                                        </p:tgtEl>
+                                      </p:cBhvr>
+                                    </p:animEffect>
+                                  </p:childTnLst>
+                                </p:cTn>
+                              </p:par>
+                            </p:childTnLst>
+                          </p:cTn>
+                        </p:par>
+                      </p:childTnLst>
+                    </p:cTn>
+                  </p:par>
+                  <p:par>
+                    <p:cTn id="33" fill="hold">
+                      <p:stCondLst>
+                        <p:cond delay="indefinite"/>
+                      </p:stCondLst>
+                      <p:childTnLst>
+                        <p:par>
+                          <p:cTn id="34" fill="hold">
+                            <p:stCondLst>
+                              <p:cond delay="0"/>
+                            </p:stCondLst>
+                            <p:childTnLst>
+                              <p:par>
+                                <p:cTn id="35" presetID="10" presetClass="entr" presetSubtype="0" fill="hold" grpId="0" nodeType="clickEffect">
+                                  <p:stCondLst>
+                                    <p:cond delay="0"/>
+                                  </p:stCondLst>
+                                  <p:childTnLst>
+                                    <p:set>
+                                      <p:cBhvr>
+                                        <p:cTn id="36" dur="1" fill="hold">
+                                          <p:stCondLst>
+                                            <p:cond delay="0"/>
+                                          </p:stCondLst>
+                                        </p:cTn>
+                                        <p:tgtEl>
+                                          <p:spTgt spid="61"/>
+                                        </p:tgtEl>
+                                        <p:attrNameLst>
+                                          <p:attrName>style.visibility</p:attrName>
+                                        </p:attrNameLst>
+                                      </p:cBhvr>
+                                      <p:to>
+                                        <p:strVal val="visible"/>
+                                      </p:to>
+                                    </p:set>
+                                    <p:animEffect transition="in" filter="fade">
+                                      <p:cBhvr>
+                                        <p:cTn id="37" dur="500"/>
+                                        <p:tgtEl>
+                                          <p:spTgt spid="61"/>
+                                        </p:tgtEl>
+                                      </p:cBhvr>
+                                    </p:animEffect>
+                                  </p:childTnLst>
+                                </p:cTn>
+                              </p:par>
+                            </p:childTnLst>
+                          </p:cTn>
+                        </p:par>
+                      </p:childTnLst>
+                    </p:cTn>
+                  </p:par>
+                  <p:par>
+                    <p:cTn id="38" fill="hold">
+                      <p:stCondLst>
+                        <p:cond delay="indefinite"/>
+                      </p:stCondLst>
+                      <p:childTnLst>
+                        <p:par>
+                          <p:cTn id="39" fill="hold">
+                            <p:stCondLst>
+                              <p:cond delay="0"/>
+                            </p:stCondLst>
+                            <p:childTnLst>
+                              <p:par>
+                                <p:cTn id="40" presetID="1" presetClass="entr" presetSubtype="0" fill="hold" grpId="0" nodeType="clickEffect">
+                                  <p:stCondLst>
+                                    <p:cond delay="0"/>
+                                  </p:stCondLst>
+                                  <p:childTnLst>
+                                    <p:set>
+                                      <p:cBhvr>
+                                        <p:cTn id="41" dur="1" fill="hold">
+                                          <p:stCondLst>
+                                            <p:cond delay="0"/>
+                                          </p:stCondLst>
+                                        </p:cTn>
+                                        <p:tgtEl>
+                                          <p:spTgt spid="158"/>
                                         </p:tgtEl>
                                         <p:attrNameLst>
                                           <p:attrName>style.visibility</p:attrName>
@@ -18266,32 +25007,32 @@
                     </p:cTn>
                   </p:par>
                   <p:par>
-                    <p:cTn id="7" fill="hold">
+                    <p:cTn id="42" fill="hold">
                       <p:stCondLst>
                         <p:cond delay="indefinite"/>
                       </p:stCondLst>
                       <p:childTnLst>
                         <p:par>
-                          <p:cTn id="8" fill="hold">
+                          <p:cTn id="43" fill="hold">
                             <p:stCondLst>
                               <p:cond delay="0"/>
                             </p:stCondLst>
                             <p:childTnLst>
                               <p:par>
-                                <p:cTn id="9" presetID="1" presetClass="entr" presetSubtype="0" fill="hold" grpId="0" nodeType="clickEffect">
+                                <p:cTn id="44" presetID="10" presetClass="entr" presetSubtype="0" fill="hold" nodeType="clickEffect">
                                   <p:stCondLst>
                                     <p:cond delay="0"/>
                                   </p:stCondLst>
                                   <p:childTnLst>
                                     <p:set>
                                       <p:cBhvr>
-                                        <p:cTn id="10" dur="1" fill="hold">
+                                        <p:cTn id="45" dur="1" fill="hold">
                                           <p:stCondLst>
                                             <p:cond delay="0"/>
                                           </p:stCondLst>
                                         </p:cTn>
                                         <p:tgtEl>
-                                          <p:spTgt spid="76"/>
+                                          <p:spTgt spid="87"/>
                                         </p:tgtEl>
                                         <p:attrNameLst>
                                           <p:attrName>style.visibility</p:attrName>
@@ -18301,6 +25042,189 @@
                                         <p:strVal val="visible"/>
                                       </p:to>
                                     </p:set>
+                                    <p:animEffect transition="in" filter="fade">
+                                      <p:cBhvr>
+                                        <p:cTn id="46" dur="500"/>
+                                        <p:tgtEl>
+                                          <p:spTgt spid="87"/>
+                                        </p:tgtEl>
+                                      </p:cBhvr>
+                                    </p:animEffect>
+                                  </p:childTnLst>
+                                </p:cTn>
+                              </p:par>
+                              <p:par>
+                                <p:cTn id="47" presetID="10" presetClass="entr" presetSubtype="0" fill="hold" nodeType="withEffect">
+                                  <p:stCondLst>
+                                    <p:cond delay="0"/>
+                                  </p:stCondLst>
+                                  <p:childTnLst>
+                                    <p:set>
+                                      <p:cBhvr>
+                                        <p:cTn id="48" dur="1" fill="hold">
+                                          <p:stCondLst>
+                                            <p:cond delay="0"/>
+                                          </p:stCondLst>
+                                        </p:cTn>
+                                        <p:tgtEl>
+                                          <p:spTgt spid="86"/>
+                                        </p:tgtEl>
+                                        <p:attrNameLst>
+                                          <p:attrName>style.visibility</p:attrName>
+                                        </p:attrNameLst>
+                                      </p:cBhvr>
+                                      <p:to>
+                                        <p:strVal val="visible"/>
+                                      </p:to>
+                                    </p:set>
+                                    <p:animEffect transition="in" filter="fade">
+                                      <p:cBhvr>
+                                        <p:cTn id="49" dur="500"/>
+                                        <p:tgtEl>
+                                          <p:spTgt spid="86"/>
+                                        </p:tgtEl>
+                                      </p:cBhvr>
+                                    </p:animEffect>
+                                  </p:childTnLst>
+                                </p:cTn>
+                              </p:par>
+                              <p:par>
+                                <p:cTn id="50" presetID="10" presetClass="entr" presetSubtype="0" fill="hold" nodeType="withEffect">
+                                  <p:stCondLst>
+                                    <p:cond delay="0"/>
+                                  </p:stCondLst>
+                                  <p:childTnLst>
+                                    <p:set>
+                                      <p:cBhvr>
+                                        <p:cTn id="51" dur="1" fill="hold">
+                                          <p:stCondLst>
+                                            <p:cond delay="0"/>
+                                          </p:stCondLst>
+                                        </p:cTn>
+                                        <p:tgtEl>
+                                          <p:spTgt spid="90"/>
+                                        </p:tgtEl>
+                                        <p:attrNameLst>
+                                          <p:attrName>style.visibility</p:attrName>
+                                        </p:attrNameLst>
+                                      </p:cBhvr>
+                                      <p:to>
+                                        <p:strVal val="visible"/>
+                                      </p:to>
+                                    </p:set>
+                                    <p:animEffect transition="in" filter="fade">
+                                      <p:cBhvr>
+                                        <p:cTn id="52" dur="500"/>
+                                        <p:tgtEl>
+                                          <p:spTgt spid="90"/>
+                                        </p:tgtEl>
+                                      </p:cBhvr>
+                                    </p:animEffect>
+                                  </p:childTnLst>
+                                </p:cTn>
+                              </p:par>
+                              <p:par>
+                                <p:cTn id="53" presetID="10" presetClass="entr" presetSubtype="0" fill="hold" nodeType="withEffect">
+                                  <p:stCondLst>
+                                    <p:cond delay="0"/>
+                                  </p:stCondLst>
+                                  <p:childTnLst>
+                                    <p:set>
+                                      <p:cBhvr>
+                                        <p:cTn id="54" dur="1" fill="hold">
+                                          <p:stCondLst>
+                                            <p:cond delay="0"/>
+                                          </p:stCondLst>
+                                        </p:cTn>
+                                        <p:tgtEl>
+                                          <p:spTgt spid="69"/>
+                                        </p:tgtEl>
+                                        <p:attrNameLst>
+                                          <p:attrName>style.visibility</p:attrName>
+                                        </p:attrNameLst>
+                                      </p:cBhvr>
+                                      <p:to>
+                                        <p:strVal val="visible"/>
+                                      </p:to>
+                                    </p:set>
+                                    <p:animEffect transition="in" filter="fade">
+                                      <p:cBhvr>
+                                        <p:cTn id="55" dur="500"/>
+                                        <p:tgtEl>
+                                          <p:spTgt spid="69"/>
+                                        </p:tgtEl>
+                                      </p:cBhvr>
+                                    </p:animEffect>
+                                  </p:childTnLst>
+                                </p:cTn>
+                              </p:par>
+                              <p:par>
+                                <p:cTn id="56" presetID="10" presetClass="entr" presetSubtype="0" fill="hold" nodeType="withEffect">
+                                  <p:stCondLst>
+                                    <p:cond delay="0"/>
+                                  </p:stCondLst>
+                                  <p:childTnLst>
+                                    <p:set>
+                                      <p:cBhvr>
+                                        <p:cTn id="57" dur="1" fill="hold">
+                                          <p:stCondLst>
+                                            <p:cond delay="0"/>
+                                          </p:stCondLst>
+                                        </p:cTn>
+                                        <p:tgtEl>
+                                          <p:spTgt spid="88"/>
+                                        </p:tgtEl>
+                                        <p:attrNameLst>
+                                          <p:attrName>style.visibility</p:attrName>
+                                        </p:attrNameLst>
+                                      </p:cBhvr>
+                                      <p:to>
+                                        <p:strVal val="visible"/>
+                                      </p:to>
+                                    </p:set>
+                                    <p:animEffect transition="in" filter="fade">
+                                      <p:cBhvr>
+                                        <p:cTn id="58" dur="500"/>
+                                        <p:tgtEl>
+                                          <p:spTgt spid="88"/>
+                                        </p:tgtEl>
+                                      </p:cBhvr>
+                                    </p:animEffect>
+                                  </p:childTnLst>
+                                </p:cTn>
+                              </p:par>
+                              <p:par>
+                                <p:cTn id="59" presetID="10" presetClass="entr" presetSubtype="0" fill="hold" nodeType="withEffect">
+                                  <p:stCondLst>
+                                    <p:cond delay="0"/>
+                                  </p:stCondLst>
+                                  <p:childTnLst>
+                                    <p:set>
+                                      <p:cBhvr>
+                                        <p:cTn id="60" dur="1" fill="hold">
+                                          <p:stCondLst>
+                                            <p:cond delay="0"/>
+                                          </p:stCondLst>
+                                        </p:cTn>
+                                        <p:tgtEl>
+                                          <p:spTgt spid="89"/>
+                                        </p:tgtEl>
+                                        <p:attrNameLst>
+                                          <p:attrName>style.visibility</p:attrName>
+                                        </p:attrNameLst>
+                                      </p:cBhvr>
+                                      <p:to>
+                                        <p:strVal val="visible"/>
+                                      </p:to>
+                                    </p:set>
+                                    <p:animEffect transition="in" filter="fade">
+                                      <p:cBhvr>
+                                        <p:cTn id="61" dur="500"/>
+                                        <p:tgtEl>
+                                          <p:spTgt spid="89"/>
+                                        </p:tgtEl>
+                                      </p:cBhvr>
+                                    </p:animEffect>
                                   </p:childTnLst>
                                 </p:cTn>
                               </p:par>
@@ -18311,32 +25235,32 @@
                     </p:cTn>
                   </p:par>
                   <p:par>
-                    <p:cTn id="11" fill="hold">
+                    <p:cTn id="62" fill="hold">
                       <p:stCondLst>
                         <p:cond delay="indefinite"/>
                       </p:stCondLst>
                       <p:childTnLst>
                         <p:par>
-                          <p:cTn id="12" fill="hold">
+                          <p:cTn id="63" fill="hold">
                             <p:stCondLst>
                               <p:cond delay="0"/>
                             </p:stCondLst>
                             <p:childTnLst>
                               <p:par>
-                                <p:cTn id="13" presetID="1" presetClass="entr" presetSubtype="0" fill="hold" grpId="0" nodeType="clickEffect">
+                                <p:cTn id="64" presetID="10" presetClass="entr" presetSubtype="0" fill="hold" grpId="0" nodeType="clickEffect">
                                   <p:stCondLst>
                                     <p:cond delay="0"/>
                                   </p:stCondLst>
                                   <p:childTnLst>
                                     <p:set>
                                       <p:cBhvr>
-                                        <p:cTn id="14" dur="1" fill="hold">
+                                        <p:cTn id="65" dur="1" fill="hold">
                                           <p:stCondLst>
                                             <p:cond delay="0"/>
                                           </p:stCondLst>
                                         </p:cTn>
                                         <p:tgtEl>
-                                          <p:spTgt spid="78"/>
+                                          <p:spTgt spid="124"/>
                                         </p:tgtEl>
                                         <p:attrNameLst>
                                           <p:attrName>style.visibility</p:attrName>
@@ -18346,6 +25270,331 @@
                                         <p:strVal val="visible"/>
                                       </p:to>
                                     </p:set>
+                                    <p:animEffect transition="in" filter="fade">
+                                      <p:cBhvr>
+                                        <p:cTn id="66" dur="500"/>
+                                        <p:tgtEl>
+                                          <p:spTgt spid="124"/>
+                                        </p:tgtEl>
+                                      </p:cBhvr>
+                                    </p:animEffect>
+                                  </p:childTnLst>
+                                </p:cTn>
+                              </p:par>
+                              <p:par>
+                                <p:cTn id="67" presetID="10" presetClass="entr" presetSubtype="0" fill="hold" grpId="0" nodeType="withEffect">
+                                  <p:stCondLst>
+                                    <p:cond delay="0"/>
+                                  </p:stCondLst>
+                                  <p:childTnLst>
+                                    <p:set>
+                                      <p:cBhvr>
+                                        <p:cTn id="68" dur="1" fill="hold">
+                                          <p:stCondLst>
+                                            <p:cond delay="0"/>
+                                          </p:stCondLst>
+                                        </p:cTn>
+                                        <p:tgtEl>
+                                          <p:spTgt spid="125"/>
+                                        </p:tgtEl>
+                                        <p:attrNameLst>
+                                          <p:attrName>style.visibility</p:attrName>
+                                        </p:attrNameLst>
+                                      </p:cBhvr>
+                                      <p:to>
+                                        <p:strVal val="visible"/>
+                                      </p:to>
+                                    </p:set>
+                                    <p:animEffect transition="in" filter="fade">
+                                      <p:cBhvr>
+                                        <p:cTn id="69" dur="500"/>
+                                        <p:tgtEl>
+                                          <p:spTgt spid="125"/>
+                                        </p:tgtEl>
+                                      </p:cBhvr>
+                                    </p:animEffect>
+                                  </p:childTnLst>
+                                </p:cTn>
+                              </p:par>
+                              <p:par>
+                                <p:cTn id="70" presetID="10" presetClass="entr" presetSubtype="0" fill="hold" grpId="0" nodeType="withEffect">
+                                  <p:stCondLst>
+                                    <p:cond delay="0"/>
+                                  </p:stCondLst>
+                                  <p:childTnLst>
+                                    <p:set>
+                                      <p:cBhvr>
+                                        <p:cTn id="71" dur="1" fill="hold">
+                                          <p:stCondLst>
+                                            <p:cond delay="0"/>
+                                          </p:stCondLst>
+                                        </p:cTn>
+                                        <p:tgtEl>
+                                          <p:spTgt spid="123"/>
+                                        </p:tgtEl>
+                                        <p:attrNameLst>
+                                          <p:attrName>style.visibility</p:attrName>
+                                        </p:attrNameLst>
+                                      </p:cBhvr>
+                                      <p:to>
+                                        <p:strVal val="visible"/>
+                                      </p:to>
+                                    </p:set>
+                                    <p:animEffect transition="in" filter="fade">
+                                      <p:cBhvr>
+                                        <p:cTn id="72" dur="500"/>
+                                        <p:tgtEl>
+                                          <p:spTgt spid="123"/>
+                                        </p:tgtEl>
+                                      </p:cBhvr>
+                                    </p:animEffect>
+                                  </p:childTnLst>
+                                </p:cTn>
+                              </p:par>
+                              <p:par>
+                                <p:cTn id="73" presetID="10" presetClass="entr" presetSubtype="0" fill="hold" grpId="0" nodeType="withEffect">
+                                  <p:stCondLst>
+                                    <p:cond delay="0"/>
+                                  </p:stCondLst>
+                                  <p:childTnLst>
+                                    <p:set>
+                                      <p:cBhvr>
+                                        <p:cTn id="74" dur="1" fill="hold">
+                                          <p:stCondLst>
+                                            <p:cond delay="0"/>
+                                          </p:stCondLst>
+                                        </p:cTn>
+                                        <p:tgtEl>
+                                          <p:spTgt spid="159"/>
+                                        </p:tgtEl>
+                                        <p:attrNameLst>
+                                          <p:attrName>style.visibility</p:attrName>
+                                        </p:attrNameLst>
+                                      </p:cBhvr>
+                                      <p:to>
+                                        <p:strVal val="visible"/>
+                                      </p:to>
+                                    </p:set>
+                                    <p:animEffect transition="in" filter="fade">
+                                      <p:cBhvr>
+                                        <p:cTn id="75" dur="500"/>
+                                        <p:tgtEl>
+                                          <p:spTgt spid="159"/>
+                                        </p:tgtEl>
+                                      </p:cBhvr>
+                                    </p:animEffect>
+                                  </p:childTnLst>
+                                </p:cTn>
+                              </p:par>
+                            </p:childTnLst>
+                          </p:cTn>
+                        </p:par>
+                      </p:childTnLst>
+                    </p:cTn>
+                  </p:par>
+                  <p:par>
+                    <p:cTn id="76" fill="hold">
+                      <p:stCondLst>
+                        <p:cond delay="indefinite"/>
+                      </p:stCondLst>
+                      <p:childTnLst>
+                        <p:par>
+                          <p:cTn id="77" fill="hold">
+                            <p:stCondLst>
+                              <p:cond delay="0"/>
+                            </p:stCondLst>
+                            <p:childTnLst>
+                              <p:par>
+                                <p:cTn id="78" presetID="10" presetClass="entr" presetSubtype="0" fill="hold" grpId="0" nodeType="clickEffect">
+                                  <p:stCondLst>
+                                    <p:cond delay="0"/>
+                                  </p:stCondLst>
+                                  <p:childTnLst>
+                                    <p:set>
+                                      <p:cBhvr>
+                                        <p:cTn id="79" dur="1" fill="hold">
+                                          <p:stCondLst>
+                                            <p:cond delay="0"/>
+                                          </p:stCondLst>
+                                        </p:cTn>
+                                        <p:tgtEl>
+                                          <p:spTgt spid="157"/>
+                                        </p:tgtEl>
+                                        <p:attrNameLst>
+                                          <p:attrName>style.visibility</p:attrName>
+                                        </p:attrNameLst>
+                                      </p:cBhvr>
+                                      <p:to>
+                                        <p:strVal val="visible"/>
+                                      </p:to>
+                                    </p:set>
+                                    <p:animEffect transition="in" filter="fade">
+                                      <p:cBhvr>
+                                        <p:cTn id="80" dur="500"/>
+                                        <p:tgtEl>
+                                          <p:spTgt spid="157"/>
+                                        </p:tgtEl>
+                                      </p:cBhvr>
+                                    </p:animEffect>
+                                  </p:childTnLst>
+                                </p:cTn>
+                              </p:par>
+                            </p:childTnLst>
+                          </p:cTn>
+                        </p:par>
+                      </p:childTnLst>
+                    </p:cTn>
+                  </p:par>
+                  <p:par>
+                    <p:cTn id="81" fill="hold">
+                      <p:stCondLst>
+                        <p:cond delay="indefinite"/>
+                      </p:stCondLst>
+                      <p:childTnLst>
+                        <p:par>
+                          <p:cTn id="82" fill="hold">
+                            <p:stCondLst>
+                              <p:cond delay="0"/>
+                            </p:stCondLst>
+                            <p:childTnLst>
+                              <p:par>
+                                <p:cTn id="83" presetID="10" presetClass="entr" presetSubtype="0" fill="hold" grpId="0" nodeType="clickEffect">
+                                  <p:stCondLst>
+                                    <p:cond delay="0"/>
+                                  </p:stCondLst>
+                                  <p:childTnLst>
+                                    <p:set>
+                                      <p:cBhvr>
+                                        <p:cTn id="84" dur="1" fill="hold">
+                                          <p:stCondLst>
+                                            <p:cond delay="0"/>
+                                          </p:stCondLst>
+                                        </p:cTn>
+                                        <p:tgtEl>
+                                          <p:spTgt spid="140"/>
+                                        </p:tgtEl>
+                                        <p:attrNameLst>
+                                          <p:attrName>style.visibility</p:attrName>
+                                        </p:attrNameLst>
+                                      </p:cBhvr>
+                                      <p:to>
+                                        <p:strVal val="visible"/>
+                                      </p:to>
+                                    </p:set>
+                                    <p:animEffect transition="in" filter="fade">
+                                      <p:cBhvr>
+                                        <p:cTn id="85" dur="500"/>
+                                        <p:tgtEl>
+                                          <p:spTgt spid="140"/>
+                                        </p:tgtEl>
+                                      </p:cBhvr>
+                                    </p:animEffect>
+                                  </p:childTnLst>
+                                </p:cTn>
+                              </p:par>
+                            </p:childTnLst>
+                          </p:cTn>
+                        </p:par>
+                      </p:childTnLst>
+                    </p:cTn>
+                  </p:par>
+                  <p:par>
+                    <p:cTn id="86" fill="hold">
+                      <p:stCondLst>
+                        <p:cond delay="indefinite"/>
+                      </p:stCondLst>
+                      <p:childTnLst>
+                        <p:par>
+                          <p:cTn id="87" fill="hold">
+                            <p:stCondLst>
+                              <p:cond delay="0"/>
+                            </p:stCondLst>
+                            <p:childTnLst>
+                              <p:par>
+                                <p:cTn id="88" presetID="10" presetClass="entr" presetSubtype="0" fill="hold" grpId="0" nodeType="clickEffect">
+                                  <p:stCondLst>
+                                    <p:cond delay="0"/>
+                                  </p:stCondLst>
+                                  <p:childTnLst>
+                                    <p:set>
+                                      <p:cBhvr>
+                                        <p:cTn id="89" dur="1" fill="hold">
+                                          <p:stCondLst>
+                                            <p:cond delay="0"/>
+                                          </p:stCondLst>
+                                        </p:cTn>
+                                        <p:tgtEl>
+                                          <p:spTgt spid="141"/>
+                                        </p:tgtEl>
+                                        <p:attrNameLst>
+                                          <p:attrName>style.visibility</p:attrName>
+                                        </p:attrNameLst>
+                                      </p:cBhvr>
+                                      <p:to>
+                                        <p:strVal val="visible"/>
+                                      </p:to>
+                                    </p:set>
+                                    <p:animEffect transition="in" filter="fade">
+                                      <p:cBhvr>
+                                        <p:cTn id="90" dur="500"/>
+                                        <p:tgtEl>
+                                          <p:spTgt spid="141"/>
+                                        </p:tgtEl>
+                                      </p:cBhvr>
+                                    </p:animEffect>
+                                  </p:childTnLst>
+                                </p:cTn>
+                              </p:par>
+                            </p:childTnLst>
+                          </p:cTn>
+                        </p:par>
+                      </p:childTnLst>
+                    </p:cTn>
+                  </p:par>
+                  <p:par>
+                    <p:cTn id="91" fill="hold">
+                      <p:stCondLst>
+                        <p:cond delay="indefinite"/>
+                      </p:stCondLst>
+                      <p:childTnLst>
+                        <p:par>
+                          <p:cTn id="92" fill="hold">
+                            <p:stCondLst>
+                              <p:cond delay="0"/>
+                            </p:stCondLst>
+                            <p:childTnLst>
+                              <p:par>
+                                <p:cTn id="93" presetID="10" presetClass="entr" presetSubtype="0" fill="hold" grpId="0" nodeType="clickEffect">
+                                  <p:stCondLst>
+                                    <p:cond delay="0"/>
+                                  </p:stCondLst>
+                                  <p:childTnLst>
+                                    <p:set>
+                                      <p:cBhvr>
+                                        <p:cTn id="94" dur="1" fill="hold">
+                                          <p:stCondLst>
+                                            <p:cond delay="0"/>
+                                          </p:stCondLst>
+                                        </p:cTn>
+                                        <p:tgtEl>
+                                          <p:spTgt spid="142"/>
+                                        </p:tgtEl>
+                                        <p:attrNameLst>
+                                          <p:attrName>style.visibility</p:attrName>
+                                        </p:attrNameLst>
+                                      </p:cBhvr>
+                                      <p:to>
+                                        <p:strVal val="visible"/>
+                                      </p:to>
+                                    </p:set>
+                                    <p:animEffect transition="in" filter="fade">
+                                      <p:cBhvr>
+                                        <p:cTn id="95" dur="500"/>
+                                        <p:tgtEl>
+                                          <p:spTgt spid="142"/>
+                                        </p:tgtEl>
+                                      </p:cBhvr>
+                                    </p:animEffect>
                                   </p:childTnLst>
                                 </p:cTn>
                               </p:par>
@@ -18377,10 +25626,768 @@
       </p:par>
     </p:tnLst>
     <p:bldLst>
-      <p:bldP spid="78" grpId="0"/>
-      <p:bldP spid="76" grpId="0"/>
+      <p:bldP spid="56" grpId="0" animBg="1"/>
+      <p:bldP spid="74" grpId="0" animBg="1"/>
+      <p:bldP spid="68" grpId="0" animBg="1"/>
+      <p:bldP spid="61" grpId="0" animBg="1"/>
+      <p:bldP spid="111" grpId="0" animBg="1"/>
+      <p:bldP spid="123" grpId="0" animBg="1"/>
+      <p:bldP spid="124" grpId="0" animBg="1"/>
+      <p:bldP spid="125" grpId="0" animBg="1"/>
+      <p:bldP spid="140" grpId="0" animBg="1"/>
+      <p:bldP spid="141" grpId="0" animBg="1"/>
+      <p:bldP spid="142" grpId="0" animBg="1"/>
+      <p:bldP spid="156" grpId="0" animBg="1"/>
+      <p:bldP spid="157" grpId="0" animBg="1"/>
+      <p:bldP spid="158" grpId="0" animBg="1"/>
+      <p:bldP spid="159" grpId="0" animBg="1"/>
     </p:bldLst>
   </p:timing>
+</p:sld>
+</file>
+
+<file path=ppt/slides/slide6.xml><?xml version="1.0" encoding="utf-8"?>
+<p:sld xmlns:a="http://schemas.openxmlformats.org/drawingml/2006/main" xmlns:r="http://schemas.openxmlformats.org/officeDocument/2006/relationships" xmlns:p="http://schemas.openxmlformats.org/presentationml/2006/main" showMasterSp="0">
+  <p:cSld>
+    <p:spTree>
+      <p:nvGrpSpPr>
+        <p:cNvPr id="1" name=""/>
+        <p:cNvGrpSpPr/>
+        <p:nvPr/>
+      </p:nvGrpSpPr>
+      <p:grpSpPr>
+        <a:xfrm>
+          <a:off x="0" y="0"/>
+          <a:ext cx="0" cy="0"/>
+          <a:chOff x="0" y="0"/>
+          <a:chExt cx="0" cy="0"/>
+        </a:xfrm>
+      </p:grpSpPr>
+      <p:sp>
+        <p:nvSpPr>
+          <p:cNvPr id="51" name="Rectangle 50">
+            <a:extLst>
+              <a:ext uri="{FF2B5EF4-FFF2-40B4-BE49-F238E27FC236}">
+                <a16:creationId xmlns:a16="http://schemas.microsoft.com/office/drawing/2014/main" id="{B68D098D-BF5F-475E-A2D8-9A73ACE1ACE9}"/>
+              </a:ext>
+            </a:extLst>
+          </p:cNvPr>
+          <p:cNvSpPr/>
+          <p:nvPr/>
+        </p:nvSpPr>
+        <p:spPr>
+          <a:xfrm>
+            <a:off x="4014788" y="981275"/>
+            <a:ext cx="4162425" cy="1476695"/>
+          </a:xfrm>
+          <a:prstGeom prst="rect">
+            <a:avLst/>
+          </a:prstGeom>
+          <a:solidFill>
+            <a:srgbClr val="00B050"/>
+          </a:solidFill>
+          <a:ln>
+            <a:solidFill>
+              <a:schemeClr val="tx1"/>
+            </a:solidFill>
+          </a:ln>
+        </p:spPr>
+        <p:txBody>
+          <a:bodyPr rot="0" spcFirstLastPara="0" vertOverflow="overflow" horzOverflow="overflow" vert="horz" wrap="square" lIns="91440" tIns="45720" rIns="91440" bIns="45720" numCol="1" spcCol="0" rtlCol="0" fromWordArt="0" anchor="t" anchorCtr="1" forceAA="0" compatLnSpc="1">
+            <a:prstTxWarp prst="textNoShape">
+              <a:avLst/>
+            </a:prstTxWarp>
+            <a:noAutofit/>
+          </a:bodyPr>
+          <a:lstStyle/>
+          <a:p>
+            <a:pPr algn="ctr"/>
+            <a:r>
+              <a:rPr lang="en-US" kern="0" dirty="0">
+                <a:solidFill>
+                  <a:prstClr val="black"/>
+                </a:solidFill>
+                <a:latin typeface="Calibri" panose="020F0502020204030204"/>
+              </a:rPr>
+              <a:t>Server Context</a:t>
+            </a:r>
+          </a:p>
+        </p:txBody>
+      </p:sp>
+      <p:sp>
+        <p:nvSpPr>
+          <p:cNvPr id="103" name="Rectangle 102">
+            <a:extLst>
+              <a:ext uri="{FF2B5EF4-FFF2-40B4-BE49-F238E27FC236}">
+                <a16:creationId xmlns:a16="http://schemas.microsoft.com/office/drawing/2014/main" id="{F2B61E5D-9061-4646-A831-F9BFC9522847}"/>
+              </a:ext>
+            </a:extLst>
+          </p:cNvPr>
+          <p:cNvSpPr/>
+          <p:nvPr/>
+        </p:nvSpPr>
+        <p:spPr>
+          <a:xfrm>
+            <a:off x="4014788" y="4400029"/>
+            <a:ext cx="4162425" cy="1476696"/>
+          </a:xfrm>
+          <a:prstGeom prst="rect">
+            <a:avLst/>
+          </a:prstGeom>
+          <a:solidFill>
+            <a:schemeClr val="accent5">
+              <a:lumMod val="60000"/>
+              <a:lumOff val="40000"/>
+            </a:schemeClr>
+          </a:solidFill>
+          <a:ln>
+            <a:solidFill>
+              <a:schemeClr val="tx1"/>
+            </a:solidFill>
+          </a:ln>
+        </p:spPr>
+        <p:txBody>
+          <a:bodyPr rot="0" spcFirstLastPara="0" vertOverflow="overflow" horzOverflow="overflow" vert="horz" wrap="square" lIns="91440" tIns="45720" rIns="91440" bIns="45720" numCol="1" spcCol="0" rtlCol="0" fromWordArt="0" anchor="t" anchorCtr="1" forceAA="0" compatLnSpc="1">
+            <a:prstTxWarp prst="textNoShape">
+              <a:avLst/>
+            </a:prstTxWarp>
+            <a:noAutofit/>
+          </a:bodyPr>
+          <a:lstStyle/>
+          <a:p>
+            <a:pPr algn="ctr"/>
+            <a:r>
+              <a:rPr lang="en-US" kern="0" dirty="0">
+                <a:solidFill>
+                  <a:prstClr val="black"/>
+                </a:solidFill>
+                <a:latin typeface="Calibri" panose="020F0502020204030204"/>
+              </a:rPr>
+              <a:t>Client Context</a:t>
+            </a:r>
+          </a:p>
+        </p:txBody>
+      </p:sp>
+      <p:grpSp>
+        <p:nvGrpSpPr>
+          <p:cNvPr id="62" name="Group 61">
+            <a:extLst>
+              <a:ext uri="{FF2B5EF4-FFF2-40B4-BE49-F238E27FC236}">
+                <a16:creationId xmlns:a16="http://schemas.microsoft.com/office/drawing/2014/main" id="{EDE77A71-224D-44D5-A9A5-E996C41BE920}"/>
+              </a:ext>
+            </a:extLst>
+          </p:cNvPr>
+          <p:cNvGrpSpPr/>
+          <p:nvPr/>
+        </p:nvGrpSpPr>
+        <p:grpSpPr>
+          <a:xfrm>
+            <a:off x="4273404" y="4919970"/>
+            <a:ext cx="1728915" cy="741869"/>
+            <a:chOff x="4273403" y="5605250"/>
+            <a:chExt cx="1728915" cy="741869"/>
+          </a:xfrm>
+        </p:grpSpPr>
+        <p:sp>
+          <p:nvSpPr>
+            <p:cNvPr id="65" name="Rectangle 64">
+              <a:extLst>
+                <a:ext uri="{FF2B5EF4-FFF2-40B4-BE49-F238E27FC236}">
+                  <a16:creationId xmlns:a16="http://schemas.microsoft.com/office/drawing/2014/main" id="{A8C81335-56AB-4C23-B0D1-C245F8BCE21D}"/>
+                </a:ext>
+              </a:extLst>
+            </p:cNvPr>
+            <p:cNvSpPr/>
+            <p:nvPr/>
+          </p:nvSpPr>
+          <p:spPr>
+            <a:xfrm>
+              <a:off x="4273403" y="5605250"/>
+              <a:ext cx="1728915" cy="741869"/>
+            </a:xfrm>
+            <a:prstGeom prst="rect">
+              <a:avLst/>
+            </a:prstGeom>
+            <a:solidFill>
+              <a:schemeClr val="bg1">
+                <a:lumMod val="85000"/>
+              </a:schemeClr>
+            </a:solidFill>
+            <a:ln>
+              <a:solidFill>
+                <a:schemeClr val="tx1"/>
+              </a:solidFill>
+            </a:ln>
+          </p:spPr>
+          <p:txBody>
+            <a:bodyPr rot="0" spcFirstLastPara="0" vertOverflow="overflow" horzOverflow="overflow" vert="horz" wrap="square" lIns="91440" tIns="45720" rIns="91440" bIns="45720" numCol="1" spcCol="0" rtlCol="0" fromWordArt="0" anchor="t" anchorCtr="0" forceAA="0" compatLnSpc="1">
+              <a:prstTxWarp prst="textNoShape">
+                <a:avLst/>
+              </a:prstTxWarp>
+              <a:noAutofit/>
+            </a:bodyPr>
+            <a:lstStyle/>
+            <a:p>
+              <a:pPr marL="0" marR="0" lvl="0" indent="0" algn="ctr" defTabSz="914400" rtl="0" eaLnBrk="1" fontAlgn="auto" latinLnBrk="0" hangingPunct="1">
+                <a:lnSpc>
+                  <a:spcPct val="100000"/>
+                </a:lnSpc>
+                <a:spcBef>
+                  <a:spcPts val="0"/>
+                </a:spcBef>
+                <a:spcAft>
+                  <a:spcPts val="0"/>
+                </a:spcAft>
+                <a:buClrTx/>
+                <a:buSzTx/>
+                <a:buFontTx/>
+                <a:buNone/>
+                <a:tabLst/>
+                <a:defRPr/>
+              </a:pPr>
+              <a:r>
+                <a:rPr kumimoji="0" lang="en-US" sz="1400" b="0" i="0" u="none" strike="noStrike" kern="0" cap="none" spc="0" normalizeH="0" baseline="0" noProof="0" dirty="0">
+                  <a:ln>
+                    <a:noFill/>
+                  </a:ln>
+                  <a:solidFill>
+                    <a:prstClr val="black"/>
+                  </a:solidFill>
+                  <a:effectLst/>
+                  <a:uLnTx/>
+                  <a:uFillTx/>
+                  <a:latin typeface="Calibri" panose="020F0502020204030204"/>
+                  <a:ea typeface="+mn-ea"/>
+                  <a:cs typeface="+mn-cs"/>
+                </a:rPr>
+                <a:t>RPC Client Stub</a:t>
+              </a:r>
+            </a:p>
+          </p:txBody>
+        </p:sp>
+        <p:sp>
+          <p:nvSpPr>
+            <p:cNvPr id="95" name="Rectangle 94">
+              <a:extLst>
+                <a:ext uri="{FF2B5EF4-FFF2-40B4-BE49-F238E27FC236}">
+                  <a16:creationId xmlns:a16="http://schemas.microsoft.com/office/drawing/2014/main" id="{255B5014-45F0-444C-98A5-4B1638ED0BC0}"/>
+                </a:ext>
+              </a:extLst>
+            </p:cNvPr>
+            <p:cNvSpPr/>
+            <p:nvPr/>
+          </p:nvSpPr>
+          <p:spPr>
+            <a:xfrm>
+              <a:off x="4523497" y="5912532"/>
+              <a:ext cx="1228726" cy="324296"/>
+            </a:xfrm>
+            <a:prstGeom prst="rect">
+              <a:avLst/>
+            </a:prstGeom>
+            <a:solidFill>
+              <a:srgbClr val="FFFF99"/>
+            </a:solidFill>
+            <a:ln>
+              <a:solidFill>
+                <a:sysClr val="windowText" lastClr="000000"/>
+              </a:solidFill>
+            </a:ln>
+          </p:spPr>
+          <p:txBody>
+            <a:bodyPr rot="0" spcFirstLastPara="0" vertOverflow="overflow" horzOverflow="overflow" vert="horz" wrap="square" lIns="91440" tIns="45720" rIns="91440" bIns="45720" numCol="1" spcCol="0" rtlCol="0" fromWordArt="0" anchor="t" anchorCtr="0" forceAA="0" compatLnSpc="1">
+              <a:prstTxWarp prst="textNoShape">
+                <a:avLst/>
+              </a:prstTxWarp>
+              <a:noAutofit/>
+            </a:bodyPr>
+            <a:lstStyle/>
+            <a:p>
+              <a:pPr algn="ctr"/>
+              <a:r>
+                <a:rPr lang="en-US" sz="1400" kern="0" dirty="0">
+                  <a:solidFill>
+                    <a:prstClr val="black"/>
+                  </a:solidFill>
+                  <a:latin typeface="Calibri" panose="020F0502020204030204"/>
+                </a:rPr>
+                <a:t>RPC Interface </a:t>
+              </a:r>
+            </a:p>
+          </p:txBody>
+        </p:sp>
+      </p:grpSp>
+      <p:grpSp>
+        <p:nvGrpSpPr>
+          <p:cNvPr id="59" name="Group 58">
+            <a:extLst>
+              <a:ext uri="{FF2B5EF4-FFF2-40B4-BE49-F238E27FC236}">
+                <a16:creationId xmlns:a16="http://schemas.microsoft.com/office/drawing/2014/main" id="{97256E76-BC60-46E3-ADFD-AE4A78FFD409}"/>
+              </a:ext>
+            </a:extLst>
+          </p:cNvPr>
+          <p:cNvGrpSpPr/>
+          <p:nvPr/>
+        </p:nvGrpSpPr>
+        <p:grpSpPr>
+          <a:xfrm>
+            <a:off x="4273404" y="1457598"/>
+            <a:ext cx="1728915" cy="741869"/>
+            <a:chOff x="4275097" y="2142878"/>
+            <a:chExt cx="1728915" cy="741869"/>
+          </a:xfrm>
+        </p:grpSpPr>
+        <p:sp>
+          <p:nvSpPr>
+            <p:cNvPr id="96" name="Rectangle 95">
+              <a:extLst>
+                <a:ext uri="{FF2B5EF4-FFF2-40B4-BE49-F238E27FC236}">
+                  <a16:creationId xmlns:a16="http://schemas.microsoft.com/office/drawing/2014/main" id="{CED35DA1-8B29-4575-933D-2D170A2B1934}"/>
+                </a:ext>
+              </a:extLst>
+            </p:cNvPr>
+            <p:cNvSpPr/>
+            <p:nvPr/>
+          </p:nvSpPr>
+          <p:spPr>
+            <a:xfrm>
+              <a:off x="4275097" y="2142878"/>
+              <a:ext cx="1728915" cy="741869"/>
+            </a:xfrm>
+            <a:prstGeom prst="rect">
+              <a:avLst/>
+            </a:prstGeom>
+            <a:solidFill>
+              <a:schemeClr val="accent1">
+                <a:lumMod val="20000"/>
+                <a:lumOff val="80000"/>
+              </a:schemeClr>
+            </a:solidFill>
+            <a:ln>
+              <a:solidFill>
+                <a:schemeClr val="tx1"/>
+              </a:solidFill>
+            </a:ln>
+          </p:spPr>
+          <p:txBody>
+            <a:bodyPr rot="0" spcFirstLastPara="0" vertOverflow="overflow" horzOverflow="overflow" vert="horz" wrap="square" lIns="91440" tIns="45720" rIns="91440" bIns="45720" numCol="1" spcCol="0" rtlCol="0" fromWordArt="0" anchor="t" anchorCtr="0" forceAA="0" compatLnSpc="1">
+              <a:prstTxWarp prst="textNoShape">
+                <a:avLst/>
+              </a:prstTxWarp>
+              <a:noAutofit/>
+            </a:bodyPr>
+            <a:lstStyle/>
+            <a:p>
+              <a:pPr marL="0" marR="0" lvl="0" indent="0" algn="ctr" defTabSz="914400" rtl="0" eaLnBrk="1" fontAlgn="auto" latinLnBrk="0" hangingPunct="1">
+                <a:lnSpc>
+                  <a:spcPct val="100000"/>
+                </a:lnSpc>
+                <a:spcBef>
+                  <a:spcPts val="0"/>
+                </a:spcBef>
+                <a:spcAft>
+                  <a:spcPts val="0"/>
+                </a:spcAft>
+                <a:buClrTx/>
+                <a:buSzTx/>
+                <a:buFontTx/>
+                <a:buNone/>
+                <a:tabLst/>
+                <a:defRPr/>
+              </a:pPr>
+              <a:r>
+                <a:rPr kumimoji="0" lang="en-US" sz="1400" b="0" i="0" u="none" strike="noStrike" kern="0" cap="none" spc="0" normalizeH="0" baseline="0" noProof="0" dirty="0">
+                  <a:ln>
+                    <a:noFill/>
+                  </a:ln>
+                  <a:solidFill>
+                    <a:prstClr val="black"/>
+                  </a:solidFill>
+                  <a:effectLst/>
+                  <a:uLnTx/>
+                  <a:uFillTx/>
+                  <a:latin typeface="Calibri" panose="020F0502020204030204"/>
+                  <a:ea typeface="+mn-ea"/>
+                  <a:cs typeface="+mn-cs"/>
+                </a:rPr>
+                <a:t>RPC Implementation</a:t>
+              </a:r>
+            </a:p>
+          </p:txBody>
+        </p:sp>
+        <p:sp>
+          <p:nvSpPr>
+            <p:cNvPr id="97" name="Rectangle 96">
+              <a:extLst>
+                <a:ext uri="{FF2B5EF4-FFF2-40B4-BE49-F238E27FC236}">
+                  <a16:creationId xmlns:a16="http://schemas.microsoft.com/office/drawing/2014/main" id="{67F7D8D2-2828-4AA0-8CA9-6691966C07D5}"/>
+                </a:ext>
+              </a:extLst>
+            </p:cNvPr>
+            <p:cNvSpPr/>
+            <p:nvPr/>
+          </p:nvSpPr>
+          <p:spPr>
+            <a:xfrm>
+              <a:off x="4525191" y="2450160"/>
+              <a:ext cx="1228726" cy="324296"/>
+            </a:xfrm>
+            <a:prstGeom prst="rect">
+              <a:avLst/>
+            </a:prstGeom>
+            <a:solidFill>
+              <a:srgbClr val="FFFF99"/>
+            </a:solidFill>
+            <a:ln>
+              <a:solidFill>
+                <a:sysClr val="windowText" lastClr="000000"/>
+              </a:solidFill>
+            </a:ln>
+          </p:spPr>
+          <p:txBody>
+            <a:bodyPr rot="0" spcFirstLastPara="0" vertOverflow="overflow" horzOverflow="overflow" vert="horz" wrap="square" lIns="91440" tIns="45720" rIns="91440" bIns="45720" numCol="1" spcCol="0" rtlCol="0" fromWordArt="0" anchor="t" anchorCtr="0" forceAA="0" compatLnSpc="1">
+              <a:prstTxWarp prst="textNoShape">
+                <a:avLst/>
+              </a:prstTxWarp>
+              <a:noAutofit/>
+            </a:bodyPr>
+            <a:lstStyle/>
+            <a:p>
+              <a:pPr algn="ctr"/>
+              <a:r>
+                <a:rPr lang="en-US" sz="1400" kern="0" dirty="0">
+                  <a:solidFill>
+                    <a:prstClr val="black"/>
+                  </a:solidFill>
+                  <a:latin typeface="Calibri" panose="020F0502020204030204"/>
+                </a:rPr>
+                <a:t>RPC Interface </a:t>
+              </a:r>
+            </a:p>
+          </p:txBody>
+        </p:sp>
+      </p:grpSp>
+      <p:sp>
+        <p:nvSpPr>
+          <p:cNvPr id="99" name="Arrow: Down 98">
+            <a:extLst>
+              <a:ext uri="{FF2B5EF4-FFF2-40B4-BE49-F238E27FC236}">
+                <a16:creationId xmlns:a16="http://schemas.microsoft.com/office/drawing/2014/main" id="{367D0F72-8721-4AA1-A65D-8653EE668C8F}"/>
+              </a:ext>
+            </a:extLst>
+          </p:cNvPr>
+          <p:cNvSpPr/>
+          <p:nvPr/>
+        </p:nvSpPr>
+        <p:spPr>
+          <a:xfrm rot="10800000">
+            <a:off x="5620169" y="2519954"/>
+            <a:ext cx="951661" cy="1818091"/>
+          </a:xfrm>
+          <a:prstGeom prst="downArrow">
+            <a:avLst/>
+          </a:prstGeom>
+          <a:solidFill>
+            <a:schemeClr val="bg1">
+              <a:lumMod val="65000"/>
+            </a:schemeClr>
+          </a:solidFill>
+          <a:ln>
+            <a:solidFill>
+              <a:sysClr val="windowText" lastClr="000000"/>
+            </a:solidFill>
+          </a:ln>
+        </p:spPr>
+        <p:txBody>
+          <a:bodyPr rot="0" spcFirstLastPara="0" vertOverflow="overflow" horzOverflow="overflow" vert="vert" wrap="square" lIns="91440" tIns="45720" rIns="91440" bIns="45720" numCol="1" spcCol="0" rtlCol="0" fromWordArt="0" anchor="ctr" anchorCtr="1" forceAA="0" compatLnSpc="1">
+            <a:prstTxWarp prst="textNoShape">
+              <a:avLst/>
+            </a:prstTxWarp>
+            <a:noAutofit/>
+          </a:bodyPr>
+          <a:lstStyle/>
+          <a:p>
+            <a:pPr algn="ctr"/>
+            <a:r>
+              <a:rPr lang="en-US" kern="0" dirty="0">
+                <a:solidFill>
+                  <a:prstClr val="black"/>
+                </a:solidFill>
+                <a:latin typeface="Calibri" panose="020F0502020204030204"/>
+              </a:rPr>
+              <a:t>Transport</a:t>
+            </a:r>
+          </a:p>
+        </p:txBody>
+      </p:sp>
+      <p:grpSp>
+        <p:nvGrpSpPr>
+          <p:cNvPr id="60" name="Group 59">
+            <a:extLst>
+              <a:ext uri="{FF2B5EF4-FFF2-40B4-BE49-F238E27FC236}">
+                <a16:creationId xmlns:a16="http://schemas.microsoft.com/office/drawing/2014/main" id="{92F2A62D-E3E8-488C-BDDB-6EAD3C811C1E}"/>
+              </a:ext>
+            </a:extLst>
+          </p:cNvPr>
+          <p:cNvGrpSpPr/>
+          <p:nvPr/>
+        </p:nvGrpSpPr>
+        <p:grpSpPr>
+          <a:xfrm>
+            <a:off x="6209673" y="1457598"/>
+            <a:ext cx="1728915" cy="741869"/>
+            <a:chOff x="6209672" y="2142878"/>
+            <a:chExt cx="1728915" cy="741869"/>
+          </a:xfrm>
+        </p:grpSpPr>
+        <p:sp>
+          <p:nvSpPr>
+            <p:cNvPr id="104" name="Rectangle 103">
+              <a:extLst>
+                <a:ext uri="{FF2B5EF4-FFF2-40B4-BE49-F238E27FC236}">
+                  <a16:creationId xmlns:a16="http://schemas.microsoft.com/office/drawing/2014/main" id="{FB97B4BA-AD6F-4B22-833D-EEFD34F04417}"/>
+                </a:ext>
+              </a:extLst>
+            </p:cNvPr>
+            <p:cNvSpPr/>
+            <p:nvPr/>
+          </p:nvSpPr>
+          <p:spPr>
+            <a:xfrm>
+              <a:off x="6209672" y="2142878"/>
+              <a:ext cx="1728915" cy="741869"/>
+            </a:xfrm>
+            <a:prstGeom prst="rect">
+              <a:avLst/>
+            </a:prstGeom>
+            <a:solidFill>
+              <a:srgbClr val="FFCD2F"/>
+            </a:solidFill>
+            <a:ln>
+              <a:solidFill>
+                <a:sysClr val="windowText" lastClr="000000"/>
+              </a:solidFill>
+            </a:ln>
+          </p:spPr>
+          <p:txBody>
+            <a:bodyPr rot="0" spcFirstLastPara="0" vertOverflow="overflow" horzOverflow="overflow" vert="horz" wrap="square" lIns="91440" tIns="45720" rIns="91440" bIns="45720" numCol="1" spcCol="0" rtlCol="0" fromWordArt="0" anchor="t" anchorCtr="1" forceAA="0" compatLnSpc="1">
+              <a:prstTxWarp prst="textNoShape">
+                <a:avLst/>
+              </a:prstTxWarp>
+              <a:noAutofit/>
+            </a:bodyPr>
+            <a:lstStyle/>
+            <a:p>
+              <a:pPr algn="ctr"/>
+              <a:r>
+                <a:rPr lang="en-US" sz="1400" kern="0" dirty="0">
+                  <a:solidFill>
+                    <a:prstClr val="black"/>
+                  </a:solidFill>
+                  <a:latin typeface="Calibri" panose="020F0502020204030204"/>
+                </a:rPr>
+                <a:t>RPC Manager</a:t>
+              </a:r>
+            </a:p>
+          </p:txBody>
+        </p:sp>
+        <p:sp>
+          <p:nvSpPr>
+            <p:cNvPr id="105" name="Rectangle 104">
+              <a:extLst>
+                <a:ext uri="{FF2B5EF4-FFF2-40B4-BE49-F238E27FC236}">
+                  <a16:creationId xmlns:a16="http://schemas.microsoft.com/office/drawing/2014/main" id="{60D3534C-119B-4112-9787-7408251B5E1A}"/>
+                </a:ext>
+              </a:extLst>
+            </p:cNvPr>
+            <p:cNvSpPr/>
+            <p:nvPr/>
+          </p:nvSpPr>
+          <p:spPr>
+            <a:xfrm>
+              <a:off x="6459766" y="2450160"/>
+              <a:ext cx="1228726" cy="324296"/>
+            </a:xfrm>
+            <a:prstGeom prst="rect">
+              <a:avLst/>
+            </a:prstGeom>
+            <a:solidFill>
+              <a:srgbClr val="FFFF99"/>
+            </a:solidFill>
+            <a:ln>
+              <a:solidFill>
+                <a:sysClr val="windowText" lastClr="000000"/>
+              </a:solidFill>
+            </a:ln>
+          </p:spPr>
+          <p:txBody>
+            <a:bodyPr rot="0" spcFirstLastPara="0" vertOverflow="overflow" horzOverflow="overflow" vert="horz" wrap="square" lIns="91440" tIns="45720" rIns="91440" bIns="45720" numCol="1" spcCol="0" rtlCol="0" fromWordArt="0" anchor="t" anchorCtr="0" forceAA="0" compatLnSpc="1">
+              <a:prstTxWarp prst="textNoShape">
+                <a:avLst/>
+              </a:prstTxWarp>
+              <a:noAutofit/>
+            </a:bodyPr>
+            <a:lstStyle/>
+            <a:p>
+              <a:pPr algn="ctr"/>
+              <a:r>
+                <a:rPr lang="en-US" sz="1400" kern="0" dirty="0">
+                  <a:solidFill>
+                    <a:prstClr val="black"/>
+                  </a:solidFill>
+                  <a:latin typeface="Calibri" panose="020F0502020204030204"/>
+                </a:rPr>
+                <a:t>Configuration</a:t>
+              </a:r>
+            </a:p>
+          </p:txBody>
+        </p:sp>
+      </p:grpSp>
+      <p:grpSp>
+        <p:nvGrpSpPr>
+          <p:cNvPr id="63" name="Group 62">
+            <a:extLst>
+              <a:ext uri="{FF2B5EF4-FFF2-40B4-BE49-F238E27FC236}">
+                <a16:creationId xmlns:a16="http://schemas.microsoft.com/office/drawing/2014/main" id="{15E548BE-9DD8-4A3E-8C63-32F93D043230}"/>
+              </a:ext>
+            </a:extLst>
+          </p:cNvPr>
+          <p:cNvGrpSpPr/>
+          <p:nvPr/>
+        </p:nvGrpSpPr>
+        <p:grpSpPr>
+          <a:xfrm>
+            <a:off x="6209673" y="4919970"/>
+            <a:ext cx="1728915" cy="741869"/>
+            <a:chOff x="6209673" y="5621278"/>
+            <a:chExt cx="1728915" cy="741869"/>
+          </a:xfrm>
+        </p:grpSpPr>
+        <p:sp>
+          <p:nvSpPr>
+            <p:cNvPr id="106" name="Rectangle 105">
+              <a:extLst>
+                <a:ext uri="{FF2B5EF4-FFF2-40B4-BE49-F238E27FC236}">
+                  <a16:creationId xmlns:a16="http://schemas.microsoft.com/office/drawing/2014/main" id="{3E5BF232-E4B0-409B-9127-320EA22F48E7}"/>
+                </a:ext>
+              </a:extLst>
+            </p:cNvPr>
+            <p:cNvSpPr/>
+            <p:nvPr/>
+          </p:nvSpPr>
+          <p:spPr>
+            <a:xfrm>
+              <a:off x="6209673" y="5621278"/>
+              <a:ext cx="1728915" cy="741869"/>
+            </a:xfrm>
+            <a:prstGeom prst="rect">
+              <a:avLst/>
+            </a:prstGeom>
+            <a:solidFill>
+              <a:srgbClr val="FFCD2F"/>
+            </a:solidFill>
+            <a:ln>
+              <a:solidFill>
+                <a:sysClr val="windowText" lastClr="000000"/>
+              </a:solidFill>
+            </a:ln>
+          </p:spPr>
+          <p:txBody>
+            <a:bodyPr rot="0" spcFirstLastPara="0" vertOverflow="overflow" horzOverflow="overflow" vert="horz" wrap="square" lIns="91440" tIns="45720" rIns="91440" bIns="45720" numCol="1" spcCol="0" rtlCol="0" fromWordArt="0" anchor="t" anchorCtr="1" forceAA="0" compatLnSpc="1">
+              <a:prstTxWarp prst="textNoShape">
+                <a:avLst/>
+              </a:prstTxWarp>
+              <a:noAutofit/>
+            </a:bodyPr>
+            <a:lstStyle/>
+            <a:p>
+              <a:pPr algn="ctr"/>
+              <a:r>
+                <a:rPr lang="en-US" sz="1400" kern="0" dirty="0">
+                  <a:solidFill>
+                    <a:prstClr val="black"/>
+                  </a:solidFill>
+                  <a:latin typeface="Calibri" panose="020F0502020204030204"/>
+                </a:rPr>
+                <a:t>RPC Manager</a:t>
+              </a:r>
+            </a:p>
+          </p:txBody>
+        </p:sp>
+        <p:sp>
+          <p:nvSpPr>
+            <p:cNvPr id="107" name="Rectangle 106">
+              <a:extLst>
+                <a:ext uri="{FF2B5EF4-FFF2-40B4-BE49-F238E27FC236}">
+                  <a16:creationId xmlns:a16="http://schemas.microsoft.com/office/drawing/2014/main" id="{1056AC41-F880-49E8-987B-1034367F56DD}"/>
+                </a:ext>
+              </a:extLst>
+            </p:cNvPr>
+            <p:cNvSpPr/>
+            <p:nvPr/>
+          </p:nvSpPr>
+          <p:spPr>
+            <a:xfrm>
+              <a:off x="6459767" y="5928560"/>
+              <a:ext cx="1228726" cy="324296"/>
+            </a:xfrm>
+            <a:prstGeom prst="rect">
+              <a:avLst/>
+            </a:prstGeom>
+            <a:solidFill>
+              <a:srgbClr val="FFFF99"/>
+            </a:solidFill>
+            <a:ln>
+              <a:solidFill>
+                <a:sysClr val="windowText" lastClr="000000"/>
+              </a:solidFill>
+            </a:ln>
+          </p:spPr>
+          <p:txBody>
+            <a:bodyPr rot="0" spcFirstLastPara="0" vertOverflow="overflow" horzOverflow="overflow" vert="horz" wrap="square" lIns="91440" tIns="45720" rIns="91440" bIns="45720" numCol="1" spcCol="0" rtlCol="0" fromWordArt="0" anchor="t" anchorCtr="0" forceAA="0" compatLnSpc="1">
+              <a:prstTxWarp prst="textNoShape">
+                <a:avLst/>
+              </a:prstTxWarp>
+              <a:noAutofit/>
+            </a:bodyPr>
+            <a:lstStyle/>
+            <a:p>
+              <a:pPr algn="ctr"/>
+              <a:r>
+                <a:rPr lang="en-US" sz="1400" kern="0" dirty="0">
+                  <a:solidFill>
+                    <a:prstClr val="black"/>
+                  </a:solidFill>
+                  <a:latin typeface="Calibri" panose="020F0502020204030204"/>
+                </a:rPr>
+                <a:t>Configuration</a:t>
+              </a:r>
+            </a:p>
+          </p:txBody>
+        </p:sp>
+      </p:grpSp>
+    </p:spTree>
+    <p:extLst>
+      <p:ext uri="{BB962C8B-B14F-4D97-AF65-F5344CB8AC3E}">
+        <p14:creationId xmlns:p14="http://schemas.microsoft.com/office/powerpoint/2010/main" val="3174622084"/>
+      </p:ext>
+    </p:extLst>
+  </p:cSld>
+  <p:clrMapOvr>
+    <a:masterClrMapping/>
+  </p:clrMapOvr>
+  <mc:AlternateContent xmlns:mc="http://schemas.openxmlformats.org/markup-compatibility/2006" xmlns:p14="http://schemas.microsoft.com/office/powerpoint/2010/main">
+    <mc:Choice Requires="p14">
+      <p:transition spd="med" p14:dur="700">
+        <p:fade/>
+      </p:transition>
+    </mc:Choice>
+    <mc:Fallback xmlns="">
+      <p:transition spd="med">
+        <p:fade/>
+      </p:transition>
+    </mc:Fallback>
+  </mc:AlternateContent>
 </p:sld>
 </file>
 
